--- a/2013-XSEDE-CDI.pptx
+++ b/2013-XSEDE-CDI.pptx
@@ -1,6 +1,6 @@
 
 <file path=ppt/presentation.xml><?xml version="1.0" encoding="utf-8"?>
-<p:presentation xmlns:a="http://schemas.openxmlformats.org/drawingml/2006/main" xmlns:r="http://schemas.openxmlformats.org/officeDocument/2006/relationships" xmlns:p="http://schemas.openxmlformats.org/presentationml/2006/main" saveSubsetFonts="1">
+<p:presentation xmlns:a="http://schemas.openxmlformats.org/drawingml/2006/main" xmlns:r="http://schemas.openxmlformats.org/officeDocument/2006/relationships" xmlns:mc="http://schemas.openxmlformats.org/markup-compatibility/2006" xmlns:mv="urn:schemas-microsoft-com:mac:vml" xmlns:p="http://schemas.openxmlformats.org/presentationml/2006/main" mc:Ignorable="mv" mc:PreserveAttributes="mv:*" saveSubsetFonts="1">
   <p:sldMasterIdLst>
     <p:sldMasterId id="2147483648" r:id="rId1"/>
   </p:sldMasterIdLst>
@@ -154,7 +154,7 @@
 </file>
 
 <file path=ppt/slideLayouts/slideLayout1.xml><?xml version="1.0" encoding="utf-8"?>
-<p:sldLayout xmlns:a="http://schemas.openxmlformats.org/drawingml/2006/main" xmlns:r="http://schemas.openxmlformats.org/officeDocument/2006/relationships" xmlns:p="http://schemas.openxmlformats.org/presentationml/2006/main" showMasterSp="0" type="title" preserve="1">
+<p:sldLayout xmlns:a="http://schemas.openxmlformats.org/drawingml/2006/main" xmlns:r="http://schemas.openxmlformats.org/officeDocument/2006/relationships" xmlns:mc="http://schemas.openxmlformats.org/markup-compatibility/2006" xmlns:mv="urn:schemas-microsoft-com:mac:vml" xmlns:p="http://schemas.openxmlformats.org/presentationml/2006/main" mc:Ignorable="mv" mc:PreserveAttributes="mv:*" showMasterSp="0" type="title" preserve="1">
   <p:cSld name="Title Slide">
     <p:spTree>
       <p:nvGrpSpPr>
@@ -182,7 +182,7 @@
           <a:blip r:embed="rId2">
             <a:extLst>
               <a:ext uri="{28A0092B-C50C-407E-A947-70E740481C1C}">
-                <a14:useLocalDpi xmlns:a14="http://schemas.microsoft.com/office/drawing/2010/main" val="0"/>
+                <a14:useLocalDpi xmlns:a14="http://schemas.microsoft.com/office/drawing/2010/main" xmlns:p="http://schemas.openxmlformats.org/presentationml/2006/main" xmlns:r="http://schemas.openxmlformats.org/officeDocument/2006/relationships" xmlns:a="http://schemas.openxmlformats.org/drawingml/2006/main" xmlns="" val="0"/>
               </a:ext>
             </a:extLst>
           </a:blip>
@@ -205,14 +205,14 @@
           </a:ln>
           <a:extLst>
             <a:ext uri="{909E8E84-426E-40dd-AFC4-6F175D3DCCD1}">
-              <a14:hiddenFill xmlns:a14="http://schemas.microsoft.com/office/drawing/2010/main">
+              <a14:hiddenFill xmlns:a14="http://schemas.microsoft.com/office/drawing/2010/main" xmlns:p="http://schemas.openxmlformats.org/presentationml/2006/main" xmlns:r="http://schemas.openxmlformats.org/officeDocument/2006/relationships" xmlns:a="http://schemas.openxmlformats.org/drawingml/2006/main" xmlns="">
                 <a:solidFill>
                   <a:srgbClr val="FFFFFF"/>
                 </a:solidFill>
               </a14:hiddenFill>
             </a:ext>
             <a:ext uri="{91240B29-F687-4f45-9708-019B960494DF}">
-              <a14:hiddenLine xmlns:a14="http://schemas.microsoft.com/office/drawing/2010/main" w="9525">
+              <a14:hiddenLine xmlns:a14="http://schemas.microsoft.com/office/drawing/2010/main" xmlns:p="http://schemas.openxmlformats.org/presentationml/2006/main" xmlns:r="http://schemas.openxmlformats.org/officeDocument/2006/relationships" xmlns:a="http://schemas.openxmlformats.org/drawingml/2006/main" xmlns="" w="9525">
                 <a:solidFill>
                   <a:srgbClr val="000000"/>
                 </a:solidFill>
@@ -301,7 +301,7 @@
     </p:spTree>
     <p:extLst>
       <p:ext uri="{BB962C8B-B14F-4D97-AF65-F5344CB8AC3E}">
-        <p14:creationId xmlns:p14="http://schemas.microsoft.com/office/powerpoint/2010/main" val="67712113"/>
+        <p14:creationId xmlns:p14="http://schemas.microsoft.com/office/powerpoint/2010/main" xmlns:p="http://schemas.openxmlformats.org/presentationml/2006/main" xmlns:r="http://schemas.openxmlformats.org/officeDocument/2006/relationships" xmlns:a="http://schemas.openxmlformats.org/drawingml/2006/main" xmlns="" val="67712113"/>
       </p:ext>
     </p:extLst>
   </p:cSld>
@@ -312,7 +312,7 @@
 </file>
 
 <file path=ppt/slideLayouts/slideLayout10.xml><?xml version="1.0" encoding="utf-8"?>
-<p:sldLayout xmlns:a="http://schemas.openxmlformats.org/drawingml/2006/main" xmlns:r="http://schemas.openxmlformats.org/officeDocument/2006/relationships" xmlns:p="http://schemas.openxmlformats.org/presentationml/2006/main" type="vertTx" preserve="1">
+<p:sldLayout xmlns:a="http://schemas.openxmlformats.org/drawingml/2006/main" xmlns:r="http://schemas.openxmlformats.org/officeDocument/2006/relationships" xmlns:mc="http://schemas.openxmlformats.org/markup-compatibility/2006" xmlns:mv="urn:schemas-microsoft-com:mac:vml" xmlns:p="http://schemas.openxmlformats.org/presentationml/2006/main" mc:Ignorable="mv" mc:PreserveAttributes="mv:*" type="vertTx" preserve="1">
   <p:cSld name="Title and Vertical Text">
     <p:spTree>
       <p:nvGrpSpPr>
@@ -441,7 +441,7 @@
     </p:spTree>
     <p:extLst>
       <p:ext uri="{BB962C8B-B14F-4D97-AF65-F5344CB8AC3E}">
-        <p14:creationId xmlns:p14="http://schemas.microsoft.com/office/powerpoint/2010/main" val="1921024505"/>
+        <p14:creationId xmlns:p14="http://schemas.microsoft.com/office/powerpoint/2010/main" xmlns:p="http://schemas.openxmlformats.org/presentationml/2006/main" xmlns:r="http://schemas.openxmlformats.org/officeDocument/2006/relationships" xmlns:a="http://schemas.openxmlformats.org/drawingml/2006/main" xmlns="" val="1921024505"/>
       </p:ext>
     </p:extLst>
   </p:cSld>
@@ -452,7 +452,7 @@
 </file>
 
 <file path=ppt/slideLayouts/slideLayout11.xml><?xml version="1.0" encoding="utf-8"?>
-<p:sldLayout xmlns:a="http://schemas.openxmlformats.org/drawingml/2006/main" xmlns:r="http://schemas.openxmlformats.org/officeDocument/2006/relationships" xmlns:p="http://schemas.openxmlformats.org/presentationml/2006/main" type="vertTitleAndTx" preserve="1">
+<p:sldLayout xmlns:a="http://schemas.openxmlformats.org/drawingml/2006/main" xmlns:r="http://schemas.openxmlformats.org/officeDocument/2006/relationships" xmlns:mc="http://schemas.openxmlformats.org/markup-compatibility/2006" xmlns:mv="urn:schemas-microsoft-com:mac:vml" xmlns:p="http://schemas.openxmlformats.org/presentationml/2006/main" mc:Ignorable="mv" mc:PreserveAttributes="mv:*" type="vertTitleAndTx" preserve="1">
   <p:cSld name="Vertical Title and Text">
     <p:spTree>
       <p:nvGrpSpPr>
@@ -591,7 +591,7 @@
     </p:spTree>
     <p:extLst>
       <p:ext uri="{BB962C8B-B14F-4D97-AF65-F5344CB8AC3E}">
-        <p14:creationId xmlns:p14="http://schemas.microsoft.com/office/powerpoint/2010/main" val="2214459555"/>
+        <p14:creationId xmlns:p14="http://schemas.microsoft.com/office/powerpoint/2010/main" xmlns:p="http://schemas.openxmlformats.org/presentationml/2006/main" xmlns:r="http://schemas.openxmlformats.org/officeDocument/2006/relationships" xmlns:a="http://schemas.openxmlformats.org/drawingml/2006/main" xmlns="" val="2214459555"/>
       </p:ext>
     </p:extLst>
   </p:cSld>
@@ -602,7 +602,7 @@
 </file>
 
 <file path=ppt/slideLayouts/slideLayout2.xml><?xml version="1.0" encoding="utf-8"?>
-<p:sldLayout xmlns:a="http://schemas.openxmlformats.org/drawingml/2006/main" xmlns:r="http://schemas.openxmlformats.org/officeDocument/2006/relationships" xmlns:p="http://schemas.openxmlformats.org/presentationml/2006/main" type="obj" preserve="1">
+<p:sldLayout xmlns:a="http://schemas.openxmlformats.org/drawingml/2006/main" xmlns:r="http://schemas.openxmlformats.org/officeDocument/2006/relationships" xmlns:mc="http://schemas.openxmlformats.org/markup-compatibility/2006" xmlns:mv="urn:schemas-microsoft-com:mac:vml" xmlns:p="http://schemas.openxmlformats.org/presentationml/2006/main" mc:Ignorable="mv" mc:PreserveAttributes="mv:*" type="obj" preserve="1">
   <p:cSld name="Title and Content">
     <p:spTree>
       <p:nvGrpSpPr>
@@ -731,7 +731,7 @@
     </p:spTree>
     <p:extLst>
       <p:ext uri="{BB962C8B-B14F-4D97-AF65-F5344CB8AC3E}">
-        <p14:creationId xmlns:p14="http://schemas.microsoft.com/office/powerpoint/2010/main" val="3770358045"/>
+        <p14:creationId xmlns:p14="http://schemas.microsoft.com/office/powerpoint/2010/main" xmlns:p="http://schemas.openxmlformats.org/presentationml/2006/main" xmlns:r="http://schemas.openxmlformats.org/officeDocument/2006/relationships" xmlns:a="http://schemas.openxmlformats.org/drawingml/2006/main" xmlns="" val="3770358045"/>
       </p:ext>
     </p:extLst>
   </p:cSld>
@@ -742,7 +742,7 @@
 </file>
 
 <file path=ppt/slideLayouts/slideLayout3.xml><?xml version="1.0" encoding="utf-8"?>
-<p:sldLayout xmlns:a="http://schemas.openxmlformats.org/drawingml/2006/main" xmlns:r="http://schemas.openxmlformats.org/officeDocument/2006/relationships" xmlns:p="http://schemas.openxmlformats.org/presentationml/2006/main" type="secHead" preserve="1">
+<p:sldLayout xmlns:a="http://schemas.openxmlformats.org/drawingml/2006/main" xmlns:r="http://schemas.openxmlformats.org/officeDocument/2006/relationships" xmlns:mc="http://schemas.openxmlformats.org/markup-compatibility/2006" xmlns:mv="urn:schemas-microsoft-com:mac:vml" xmlns:p="http://schemas.openxmlformats.org/presentationml/2006/main" mc:Ignorable="mv" mc:PreserveAttributes="mv:*" type="secHead" preserve="1">
   <p:cSld name="Section Header">
     <p:spTree>
       <p:nvGrpSpPr>
@@ -893,7 +893,7 @@
     </p:spTree>
     <p:extLst>
       <p:ext uri="{BB962C8B-B14F-4D97-AF65-F5344CB8AC3E}">
-        <p14:creationId xmlns:p14="http://schemas.microsoft.com/office/powerpoint/2010/main" val="1862549300"/>
+        <p14:creationId xmlns:p14="http://schemas.microsoft.com/office/powerpoint/2010/main" xmlns:p="http://schemas.openxmlformats.org/presentationml/2006/main" xmlns:r="http://schemas.openxmlformats.org/officeDocument/2006/relationships" xmlns:a="http://schemas.openxmlformats.org/drawingml/2006/main" xmlns="" val="1862549300"/>
       </p:ext>
     </p:extLst>
   </p:cSld>
@@ -904,7 +904,7 @@
 </file>
 
 <file path=ppt/slideLayouts/slideLayout4.xml><?xml version="1.0" encoding="utf-8"?>
-<p:sldLayout xmlns:a="http://schemas.openxmlformats.org/drawingml/2006/main" xmlns:r="http://schemas.openxmlformats.org/officeDocument/2006/relationships" xmlns:p="http://schemas.openxmlformats.org/presentationml/2006/main" type="twoObj" preserve="1">
+<p:sldLayout xmlns:a="http://schemas.openxmlformats.org/drawingml/2006/main" xmlns:r="http://schemas.openxmlformats.org/officeDocument/2006/relationships" xmlns:mc="http://schemas.openxmlformats.org/markup-compatibility/2006" xmlns:mv="urn:schemas-microsoft-com:mac:vml" xmlns:p="http://schemas.openxmlformats.org/presentationml/2006/main" mc:Ignorable="mv" mc:PreserveAttributes="mv:*" type="twoObj" preserve="1">
   <p:cSld name="Two Content">
     <p:spTree>
       <p:nvGrpSpPr>
@@ -1151,7 +1151,7 @@
     </p:spTree>
     <p:extLst>
       <p:ext uri="{BB962C8B-B14F-4D97-AF65-F5344CB8AC3E}">
-        <p14:creationId xmlns:p14="http://schemas.microsoft.com/office/powerpoint/2010/main" val="3471441873"/>
+        <p14:creationId xmlns:p14="http://schemas.microsoft.com/office/powerpoint/2010/main" xmlns:p="http://schemas.openxmlformats.org/presentationml/2006/main" xmlns:r="http://schemas.openxmlformats.org/officeDocument/2006/relationships" xmlns:a="http://schemas.openxmlformats.org/drawingml/2006/main" xmlns="" val="3471441873"/>
       </p:ext>
     </p:extLst>
   </p:cSld>
@@ -1162,7 +1162,7 @@
 </file>
 
 <file path=ppt/slideLayouts/slideLayout5.xml><?xml version="1.0" encoding="utf-8"?>
-<p:sldLayout xmlns:a="http://schemas.openxmlformats.org/drawingml/2006/main" xmlns:r="http://schemas.openxmlformats.org/officeDocument/2006/relationships" xmlns:p="http://schemas.openxmlformats.org/presentationml/2006/main" type="twoTxTwoObj" preserve="1">
+<p:sldLayout xmlns:a="http://schemas.openxmlformats.org/drawingml/2006/main" xmlns:r="http://schemas.openxmlformats.org/officeDocument/2006/relationships" xmlns:mc="http://schemas.openxmlformats.org/markup-compatibility/2006" xmlns:mv="urn:schemas-microsoft-com:mac:vml" xmlns:p="http://schemas.openxmlformats.org/presentationml/2006/main" mc:Ignorable="mv" mc:PreserveAttributes="mv:*" type="twoTxTwoObj" preserve="1">
   <p:cSld name="Comparison">
     <p:spTree>
       <p:nvGrpSpPr>
@@ -1548,7 +1548,7 @@
     </p:spTree>
     <p:extLst>
       <p:ext uri="{BB962C8B-B14F-4D97-AF65-F5344CB8AC3E}">
-        <p14:creationId xmlns:p14="http://schemas.microsoft.com/office/powerpoint/2010/main" val="1563413478"/>
+        <p14:creationId xmlns:p14="http://schemas.microsoft.com/office/powerpoint/2010/main" xmlns:p="http://schemas.openxmlformats.org/presentationml/2006/main" xmlns:r="http://schemas.openxmlformats.org/officeDocument/2006/relationships" xmlns:a="http://schemas.openxmlformats.org/drawingml/2006/main" xmlns="" val="1563413478"/>
       </p:ext>
     </p:extLst>
   </p:cSld>
@@ -1559,7 +1559,7 @@
 </file>
 
 <file path=ppt/slideLayouts/slideLayout6.xml><?xml version="1.0" encoding="utf-8"?>
-<p:sldLayout xmlns:a="http://schemas.openxmlformats.org/drawingml/2006/main" xmlns:r="http://schemas.openxmlformats.org/officeDocument/2006/relationships" xmlns:p="http://schemas.openxmlformats.org/presentationml/2006/main" type="titleOnly" preserve="1">
+<p:sldLayout xmlns:a="http://schemas.openxmlformats.org/drawingml/2006/main" xmlns:r="http://schemas.openxmlformats.org/officeDocument/2006/relationships" xmlns:mc="http://schemas.openxmlformats.org/markup-compatibility/2006" xmlns:mv="urn:schemas-microsoft-com:mac:vml" xmlns:p="http://schemas.openxmlformats.org/presentationml/2006/main" mc:Ignorable="mv" mc:PreserveAttributes="mv:*" type="titleOnly" preserve="1">
   <p:cSld name="Title Only">
     <p:spTree>
       <p:nvGrpSpPr>
@@ -1636,7 +1636,7 @@
     </p:spTree>
     <p:extLst>
       <p:ext uri="{BB962C8B-B14F-4D97-AF65-F5344CB8AC3E}">
-        <p14:creationId xmlns:p14="http://schemas.microsoft.com/office/powerpoint/2010/main" val="3370480776"/>
+        <p14:creationId xmlns:p14="http://schemas.microsoft.com/office/powerpoint/2010/main" xmlns:p="http://schemas.openxmlformats.org/presentationml/2006/main" xmlns:r="http://schemas.openxmlformats.org/officeDocument/2006/relationships" xmlns:a="http://schemas.openxmlformats.org/drawingml/2006/main" xmlns="" val="3370480776"/>
       </p:ext>
     </p:extLst>
   </p:cSld>
@@ -1647,7 +1647,7 @@
 </file>
 
 <file path=ppt/slideLayouts/slideLayout7.xml><?xml version="1.0" encoding="utf-8"?>
-<p:sldLayout xmlns:a="http://schemas.openxmlformats.org/drawingml/2006/main" xmlns:r="http://schemas.openxmlformats.org/officeDocument/2006/relationships" xmlns:p="http://schemas.openxmlformats.org/presentationml/2006/main" type="blank" preserve="1">
+<p:sldLayout xmlns:a="http://schemas.openxmlformats.org/drawingml/2006/main" xmlns:r="http://schemas.openxmlformats.org/officeDocument/2006/relationships" xmlns:mc="http://schemas.openxmlformats.org/markup-compatibility/2006" xmlns:mv="urn:schemas-microsoft-com:mac:vml" xmlns:p="http://schemas.openxmlformats.org/presentationml/2006/main" mc:Ignorable="mv" mc:PreserveAttributes="mv:*" type="blank" preserve="1">
   <p:cSld name="Blank">
     <p:spTree>
       <p:nvGrpSpPr>
@@ -1701,7 +1701,7 @@
     </p:spTree>
     <p:extLst>
       <p:ext uri="{BB962C8B-B14F-4D97-AF65-F5344CB8AC3E}">
-        <p14:creationId xmlns:p14="http://schemas.microsoft.com/office/powerpoint/2010/main" val="2668922964"/>
+        <p14:creationId xmlns:p14="http://schemas.microsoft.com/office/powerpoint/2010/main" xmlns:p="http://schemas.openxmlformats.org/presentationml/2006/main" xmlns:r="http://schemas.openxmlformats.org/officeDocument/2006/relationships" xmlns:a="http://schemas.openxmlformats.org/drawingml/2006/main" xmlns="" val="2668922964"/>
       </p:ext>
     </p:extLst>
   </p:cSld>
@@ -1712,7 +1712,7 @@
 </file>
 
 <file path=ppt/slideLayouts/slideLayout8.xml><?xml version="1.0" encoding="utf-8"?>
-<p:sldLayout xmlns:a="http://schemas.openxmlformats.org/drawingml/2006/main" xmlns:r="http://schemas.openxmlformats.org/officeDocument/2006/relationships" xmlns:p="http://schemas.openxmlformats.org/presentationml/2006/main" type="objTx" preserve="1">
+<p:sldLayout xmlns:a="http://schemas.openxmlformats.org/drawingml/2006/main" xmlns:r="http://schemas.openxmlformats.org/officeDocument/2006/relationships" xmlns:mc="http://schemas.openxmlformats.org/markup-compatibility/2006" xmlns:mv="urn:schemas-microsoft-com:mac:vml" xmlns:p="http://schemas.openxmlformats.org/presentationml/2006/main" mc:Ignorable="mv" mc:PreserveAttributes="mv:*" type="objTx" preserve="1">
   <p:cSld name="Content with Caption">
     <p:spTree>
       <p:nvGrpSpPr>
@@ -1948,7 +1948,7 @@
     </p:spTree>
     <p:extLst>
       <p:ext uri="{BB962C8B-B14F-4D97-AF65-F5344CB8AC3E}">
-        <p14:creationId xmlns:p14="http://schemas.microsoft.com/office/powerpoint/2010/main" val="1731634667"/>
+        <p14:creationId xmlns:p14="http://schemas.microsoft.com/office/powerpoint/2010/main" xmlns:p="http://schemas.openxmlformats.org/presentationml/2006/main" xmlns:r="http://schemas.openxmlformats.org/officeDocument/2006/relationships" xmlns:a="http://schemas.openxmlformats.org/drawingml/2006/main" xmlns="" val="1731634667"/>
       </p:ext>
     </p:extLst>
   </p:cSld>
@@ -1959,7 +1959,7 @@
 </file>
 
 <file path=ppt/slideLayouts/slideLayout9.xml><?xml version="1.0" encoding="utf-8"?>
-<p:sldLayout xmlns:a="http://schemas.openxmlformats.org/drawingml/2006/main" xmlns:r="http://schemas.openxmlformats.org/officeDocument/2006/relationships" xmlns:p="http://schemas.openxmlformats.org/presentationml/2006/main" type="picTx" preserve="1">
+<p:sldLayout xmlns:a="http://schemas.openxmlformats.org/drawingml/2006/main" xmlns:r="http://schemas.openxmlformats.org/officeDocument/2006/relationships" xmlns:mc="http://schemas.openxmlformats.org/markup-compatibility/2006" xmlns:mv="urn:schemas-microsoft-com:mac:vml" xmlns:p="http://schemas.openxmlformats.org/presentationml/2006/main" mc:Ignorable="mv" mc:PreserveAttributes="mv:*" type="picTx" preserve="1">
   <p:cSld name="Picture with Caption">
     <p:spTree>
       <p:nvGrpSpPr>
@@ -2175,7 +2175,7 @@
     </p:spTree>
     <p:extLst>
       <p:ext uri="{BB962C8B-B14F-4D97-AF65-F5344CB8AC3E}">
-        <p14:creationId xmlns:p14="http://schemas.microsoft.com/office/powerpoint/2010/main" val="2345041706"/>
+        <p14:creationId xmlns:p14="http://schemas.microsoft.com/office/powerpoint/2010/main" xmlns:p="http://schemas.openxmlformats.org/presentationml/2006/main" xmlns:r="http://schemas.openxmlformats.org/officeDocument/2006/relationships" xmlns:a="http://schemas.openxmlformats.org/drawingml/2006/main" xmlns="" val="2345041706"/>
       </p:ext>
     </p:extLst>
   </p:cSld>
@@ -2186,7 +2186,7 @@
 </file>
 
 <file path=ppt/slideMasters/slideMaster1.xml><?xml version="1.0" encoding="utf-8"?>
-<p:sldMaster xmlns:a="http://schemas.openxmlformats.org/drawingml/2006/main" xmlns:r="http://schemas.openxmlformats.org/officeDocument/2006/relationships" xmlns:p="http://schemas.openxmlformats.org/presentationml/2006/main">
+<p:sldMaster xmlns:a="http://schemas.openxmlformats.org/drawingml/2006/main" xmlns:r="http://schemas.openxmlformats.org/officeDocument/2006/relationships" xmlns:mc="http://schemas.openxmlformats.org/markup-compatibility/2006" xmlns:mv="urn:schemas-microsoft-com:mac:vml" xmlns:p="http://schemas.openxmlformats.org/presentationml/2006/main" mc:Ignorable="mv" mc:PreserveAttributes="mv:*">
   <p:cSld>
     <p:bg>
       <p:bgPr>
@@ -2234,14 +2234,14 @@
           </a:ln>
           <a:extLst>
             <a:ext uri="{909E8E84-426E-40dd-AFC4-6F175D3DCCD1}">
-              <a14:hiddenFill xmlns:a14="http://schemas.microsoft.com/office/drawing/2010/main">
+              <a14:hiddenFill xmlns:a14="http://schemas.microsoft.com/office/drawing/2010/main" xmlns:p="http://schemas.openxmlformats.org/presentationml/2006/main" xmlns:r="http://schemas.openxmlformats.org/officeDocument/2006/relationships" xmlns:a="http://schemas.openxmlformats.org/drawingml/2006/main" xmlns="">
                 <a:solidFill>
                   <a:srgbClr val="FFFFFF"/>
                 </a:solidFill>
               </a14:hiddenFill>
             </a:ext>
             <a:ext uri="{91240B29-F687-4f45-9708-019B960494DF}">
-              <a14:hiddenLine xmlns:a14="http://schemas.microsoft.com/office/drawing/2010/main" w="9525">
+              <a14:hiddenLine xmlns:a14="http://schemas.microsoft.com/office/drawing/2010/main" xmlns:p="http://schemas.openxmlformats.org/presentationml/2006/main" xmlns:r="http://schemas.openxmlformats.org/officeDocument/2006/relationships" xmlns:a="http://schemas.openxmlformats.org/drawingml/2006/main" xmlns="" w="9525">
                 <a:solidFill>
                   <a:srgbClr val="000000"/>
                 </a:solidFill>
@@ -2292,14 +2292,14 @@
           </a:ln>
           <a:extLst>
             <a:ext uri="{909E8E84-426E-40dd-AFC4-6F175D3DCCD1}">
-              <a14:hiddenFill xmlns:a14="http://schemas.microsoft.com/office/drawing/2010/main">
+              <a14:hiddenFill xmlns:a14="http://schemas.microsoft.com/office/drawing/2010/main" xmlns:p="http://schemas.openxmlformats.org/presentationml/2006/main" xmlns:r="http://schemas.openxmlformats.org/officeDocument/2006/relationships" xmlns:a="http://schemas.openxmlformats.org/drawingml/2006/main" xmlns="">
                 <a:solidFill>
                   <a:srgbClr val="FFFFFF"/>
                 </a:solidFill>
               </a14:hiddenFill>
             </a:ext>
             <a:ext uri="{91240B29-F687-4f45-9708-019B960494DF}">
-              <a14:hiddenLine xmlns:a14="http://schemas.microsoft.com/office/drawing/2010/main" w="9525">
+              <a14:hiddenLine xmlns:a14="http://schemas.microsoft.com/office/drawing/2010/main" xmlns:p="http://schemas.openxmlformats.org/presentationml/2006/main" xmlns:r="http://schemas.openxmlformats.org/officeDocument/2006/relationships" xmlns:a="http://schemas.openxmlformats.org/drawingml/2006/main" xmlns="" w="9525">
                 <a:solidFill>
                   <a:srgbClr val="000000"/>
                 </a:solidFill>
@@ -2423,7 +2423,7 @@
           <a:blip r:embed="rId13">
             <a:extLst>
               <a:ext uri="{28A0092B-C50C-407E-A947-70E740481C1C}">
-                <a14:useLocalDpi xmlns:a14="http://schemas.microsoft.com/office/drawing/2010/main" val="0"/>
+                <a14:useLocalDpi xmlns:a14="http://schemas.microsoft.com/office/drawing/2010/main" xmlns:p="http://schemas.openxmlformats.org/presentationml/2006/main" xmlns:r="http://schemas.openxmlformats.org/officeDocument/2006/relationships" xmlns:a="http://schemas.openxmlformats.org/drawingml/2006/main" xmlns="" val="0"/>
               </a:ext>
             </a:extLst>
           </a:blip>
@@ -2446,14 +2446,14 @@
           </a:ln>
           <a:extLst>
             <a:ext uri="{909E8E84-426E-40dd-AFC4-6F175D3DCCD1}">
-              <a14:hiddenFill xmlns:a14="http://schemas.microsoft.com/office/drawing/2010/main">
+              <a14:hiddenFill xmlns:a14="http://schemas.microsoft.com/office/drawing/2010/main" xmlns:p="http://schemas.openxmlformats.org/presentationml/2006/main" xmlns:r="http://schemas.openxmlformats.org/officeDocument/2006/relationships" xmlns:a="http://schemas.openxmlformats.org/drawingml/2006/main" xmlns="">
                 <a:solidFill>
                   <a:srgbClr val="FFFFFF"/>
                 </a:solidFill>
               </a14:hiddenFill>
             </a:ext>
             <a:ext uri="{91240B29-F687-4f45-9708-019B960494DF}">
-              <a14:hiddenLine xmlns:a14="http://schemas.microsoft.com/office/drawing/2010/main" w="9525">
+              <a14:hiddenLine xmlns:a14="http://schemas.microsoft.com/office/drawing/2010/main" xmlns:p="http://schemas.openxmlformats.org/presentationml/2006/main" xmlns:r="http://schemas.openxmlformats.org/officeDocument/2006/relationships" xmlns:a="http://schemas.openxmlformats.org/drawingml/2006/main" xmlns="" w="9525">
                 <a:solidFill>
                   <a:srgbClr val="000000"/>
                 </a:solidFill>
@@ -2934,7 +2934,7 @@
 </file>
 
 <file path=ppt/slides/slide1.xml><?xml version="1.0" encoding="utf-8"?>
-<p:sld xmlns:a="http://schemas.openxmlformats.org/drawingml/2006/main" xmlns:r="http://schemas.openxmlformats.org/officeDocument/2006/relationships" xmlns:p="http://schemas.openxmlformats.org/presentationml/2006/main">
+<p:sld xmlns:a="http://schemas.openxmlformats.org/drawingml/2006/main" xmlns:r="http://schemas.openxmlformats.org/officeDocument/2006/relationships" xmlns:mc="http://schemas.openxmlformats.org/markup-compatibility/2006" xmlns:mv="urn:schemas-microsoft-com:mac:vml" xmlns:p="http://schemas.openxmlformats.org/presentationml/2006/main" mc:Ignorable="mv" mc:PreserveAttributes="mv:*">
   <p:cSld>
     <p:spTree>
       <p:nvGrpSpPr>
@@ -3051,7 +3051,7 @@
   <p:timing>
     <p:tnLst>
       <p:par>
-        <p:cTn xmlns:p14="http://schemas.microsoft.com/office/powerpoint/2010/main" id="1" dur="indefinite" restart="never" nodeType="tmRoot"/>
+        <p:cTn id="1" dur="indefinite" restart="never" nodeType="tmRoot"/>
       </p:par>
     </p:tnLst>
   </p:timing>
@@ -3059,7 +3059,7 @@
 </file>
 
 <file path=ppt/slides/slide10.xml><?xml version="1.0" encoding="utf-8"?>
-<p:sld xmlns:a="http://schemas.openxmlformats.org/drawingml/2006/main" xmlns:r="http://schemas.openxmlformats.org/officeDocument/2006/relationships" xmlns:p="http://schemas.openxmlformats.org/presentationml/2006/main">
+<p:sld xmlns:a="http://schemas.openxmlformats.org/drawingml/2006/main" xmlns:r="http://schemas.openxmlformats.org/officeDocument/2006/relationships" xmlns:mc="http://schemas.openxmlformats.org/markup-compatibility/2006" xmlns:mv="urn:schemas-microsoft-com:mac:vml" xmlns:p="http://schemas.openxmlformats.org/presentationml/2006/main" mc:Ignorable="mv" mc:PreserveAttributes="mv:*">
   <p:cSld>
     <p:spTree>
       <p:nvGrpSpPr>
@@ -3153,7 +3153,7 @@
     </p:spTree>
     <p:extLst>
       <p:ext uri="{BB962C8B-B14F-4D97-AF65-F5344CB8AC3E}">
-        <p14:creationId xmlns:p14="http://schemas.microsoft.com/office/powerpoint/2010/main" val="4198014329"/>
+        <p14:creationId xmlns:p14="http://schemas.microsoft.com/office/powerpoint/2010/main" xmlns:p="http://schemas.openxmlformats.org/presentationml/2006/main" xmlns:r="http://schemas.openxmlformats.org/officeDocument/2006/relationships" xmlns:a="http://schemas.openxmlformats.org/drawingml/2006/main" xmlns="" val="4198014329"/>
       </p:ext>
     </p:extLst>
   </p:cSld>
@@ -3163,7 +3163,7 @@
   <p:timing>
     <p:tnLst>
       <p:par>
-        <p:cTn xmlns:p14="http://schemas.microsoft.com/office/powerpoint/2010/main" id="1" dur="indefinite" restart="never" nodeType="tmRoot"/>
+        <p:cTn id="1" dur="indefinite" restart="never" nodeType="tmRoot"/>
       </p:par>
     </p:tnLst>
   </p:timing>
@@ -3171,7 +3171,7 @@
 </file>
 
 <file path=ppt/slides/slide11.xml><?xml version="1.0" encoding="utf-8"?>
-<p:sld xmlns:a="http://schemas.openxmlformats.org/drawingml/2006/main" xmlns:r="http://schemas.openxmlformats.org/officeDocument/2006/relationships" xmlns:p="http://schemas.openxmlformats.org/presentationml/2006/main">
+<p:sld xmlns:a="http://schemas.openxmlformats.org/drawingml/2006/main" xmlns:r="http://schemas.openxmlformats.org/officeDocument/2006/relationships" xmlns:mc="http://schemas.openxmlformats.org/markup-compatibility/2006" xmlns:mv="urn:schemas-microsoft-com:mac:vml" xmlns:p="http://schemas.openxmlformats.org/presentationml/2006/main" mc:Ignorable="mv" mc:PreserveAttributes="mv:*">
   <p:cSld>
     <p:spTree>
       <p:nvGrpSpPr>
@@ -3410,7 +3410,7 @@
     </p:spTree>
     <p:extLst>
       <p:ext uri="{BB962C8B-B14F-4D97-AF65-F5344CB8AC3E}">
-        <p14:creationId xmlns:p14="http://schemas.microsoft.com/office/powerpoint/2010/main" val="1054991098"/>
+        <p14:creationId xmlns:p14="http://schemas.microsoft.com/office/powerpoint/2010/main" xmlns:p="http://schemas.openxmlformats.org/presentationml/2006/main" xmlns:r="http://schemas.openxmlformats.org/officeDocument/2006/relationships" xmlns:a="http://schemas.openxmlformats.org/drawingml/2006/main" xmlns="" val="1054991098"/>
       </p:ext>
     </p:extLst>
   </p:cSld>
@@ -3420,7 +3420,7 @@
   <p:timing>
     <p:tnLst>
       <p:par>
-        <p:cTn xmlns:p14="http://schemas.microsoft.com/office/powerpoint/2010/main" id="1" dur="indefinite" restart="never" nodeType="tmRoot"/>
+        <p:cTn id="1" dur="indefinite" restart="never" nodeType="tmRoot"/>
       </p:par>
     </p:tnLst>
   </p:timing>
@@ -3428,7 +3428,7 @@
 </file>
 
 <file path=ppt/slides/slide12.xml><?xml version="1.0" encoding="utf-8"?>
-<p:sld xmlns:a="http://schemas.openxmlformats.org/drawingml/2006/main" xmlns:r="http://schemas.openxmlformats.org/officeDocument/2006/relationships" xmlns:p="http://schemas.openxmlformats.org/presentationml/2006/main">
+<p:sld xmlns:a="http://schemas.openxmlformats.org/drawingml/2006/main" xmlns:r="http://schemas.openxmlformats.org/officeDocument/2006/relationships" xmlns:mc="http://schemas.openxmlformats.org/markup-compatibility/2006" xmlns:mv="urn:schemas-microsoft-com:mac:vml" xmlns:p="http://schemas.openxmlformats.org/presentationml/2006/main" mc:Ignorable="mv" mc:PreserveAttributes="mv:*">
   <p:cSld>
     <p:spTree>
       <p:nvGrpSpPr>
@@ -3631,7 +3631,7 @@
     </p:spTree>
     <p:extLst>
       <p:ext uri="{BB962C8B-B14F-4D97-AF65-F5344CB8AC3E}">
-        <p14:creationId xmlns:p14="http://schemas.microsoft.com/office/powerpoint/2010/main" val="2990765515"/>
+        <p14:creationId xmlns:p14="http://schemas.microsoft.com/office/powerpoint/2010/main" xmlns:p="http://schemas.openxmlformats.org/presentationml/2006/main" xmlns:r="http://schemas.openxmlformats.org/officeDocument/2006/relationships" xmlns:a="http://schemas.openxmlformats.org/drawingml/2006/main" xmlns="" val="2990765515"/>
       </p:ext>
     </p:extLst>
   </p:cSld>
@@ -3641,7 +3641,7 @@
   <p:timing>
     <p:tnLst>
       <p:par>
-        <p:cTn xmlns:p14="http://schemas.microsoft.com/office/powerpoint/2010/main" id="1" dur="indefinite" restart="never" nodeType="tmRoot"/>
+        <p:cTn id="1" dur="indefinite" restart="never" nodeType="tmRoot"/>
       </p:par>
     </p:tnLst>
   </p:timing>
@@ -3649,7 +3649,7 @@
 </file>
 
 <file path=ppt/slides/slide13.xml><?xml version="1.0" encoding="utf-8"?>
-<p:sld xmlns:a="http://schemas.openxmlformats.org/drawingml/2006/main" xmlns:r="http://schemas.openxmlformats.org/officeDocument/2006/relationships" xmlns:p="http://schemas.openxmlformats.org/presentationml/2006/main">
+<p:sld xmlns:a="http://schemas.openxmlformats.org/drawingml/2006/main" xmlns:r="http://schemas.openxmlformats.org/officeDocument/2006/relationships" xmlns:mc="http://schemas.openxmlformats.org/markup-compatibility/2006" xmlns:mv="urn:schemas-microsoft-com:mac:vml" xmlns:p="http://schemas.openxmlformats.org/presentationml/2006/main" mc:Ignorable="mv" mc:PreserveAttributes="mv:*">
   <p:cSld>
     <p:spTree>
       <p:nvGrpSpPr>
@@ -3802,7 +3802,7 @@
     </p:spTree>
     <p:extLst>
       <p:ext uri="{BB962C8B-B14F-4D97-AF65-F5344CB8AC3E}">
-        <p14:creationId xmlns:p14="http://schemas.microsoft.com/office/powerpoint/2010/main" val="1819968272"/>
+        <p14:creationId xmlns:p14="http://schemas.microsoft.com/office/powerpoint/2010/main" xmlns:p="http://schemas.openxmlformats.org/presentationml/2006/main" xmlns:r="http://schemas.openxmlformats.org/officeDocument/2006/relationships" xmlns:a="http://schemas.openxmlformats.org/drawingml/2006/main" xmlns="" val="1819968272"/>
       </p:ext>
     </p:extLst>
   </p:cSld>
@@ -3812,7 +3812,7 @@
   <p:timing>
     <p:tnLst>
       <p:par>
-        <p:cTn xmlns:p14="http://schemas.microsoft.com/office/powerpoint/2010/main" id="1" dur="indefinite" restart="never" nodeType="tmRoot"/>
+        <p:cTn id="1" dur="indefinite" restart="never" nodeType="tmRoot"/>
       </p:par>
     </p:tnLst>
   </p:timing>
@@ -3820,7 +3820,7 @@
 </file>
 
 <file path=ppt/slides/slide14.xml><?xml version="1.0" encoding="utf-8"?>
-<p:sld xmlns:a="http://schemas.openxmlformats.org/drawingml/2006/main" xmlns:r="http://schemas.openxmlformats.org/officeDocument/2006/relationships" xmlns:p="http://schemas.openxmlformats.org/presentationml/2006/main">
+<p:sld xmlns:a="http://schemas.openxmlformats.org/drawingml/2006/main" xmlns:r="http://schemas.openxmlformats.org/officeDocument/2006/relationships" xmlns:mc="http://schemas.openxmlformats.org/markup-compatibility/2006" xmlns:mv="urn:schemas-microsoft-com:mac:vml" xmlns:p="http://schemas.openxmlformats.org/presentationml/2006/main" mc:Ignorable="mv" mc:PreserveAttributes="mv:*">
   <p:cSld>
     <p:spTree>
       <p:nvGrpSpPr>
@@ -3992,7 +3992,7 @@
     </p:spTree>
     <p:extLst>
       <p:ext uri="{BB962C8B-B14F-4D97-AF65-F5344CB8AC3E}">
-        <p14:creationId xmlns:p14="http://schemas.microsoft.com/office/powerpoint/2010/main" val="4246708240"/>
+        <p14:creationId xmlns:p14="http://schemas.microsoft.com/office/powerpoint/2010/main" xmlns:p="http://schemas.openxmlformats.org/presentationml/2006/main" xmlns:r="http://schemas.openxmlformats.org/officeDocument/2006/relationships" xmlns:a="http://schemas.openxmlformats.org/drawingml/2006/main" xmlns="" val="4246708240"/>
       </p:ext>
     </p:extLst>
   </p:cSld>
@@ -4002,7 +4002,7 @@
   <p:timing>
     <p:tnLst>
       <p:par>
-        <p:cTn xmlns:p14="http://schemas.microsoft.com/office/powerpoint/2010/main" id="1" dur="indefinite" restart="never" nodeType="tmRoot"/>
+        <p:cTn id="1" dur="indefinite" restart="never" nodeType="tmRoot"/>
       </p:par>
     </p:tnLst>
   </p:timing>
@@ -4010,7 +4010,7 @@
 </file>
 
 <file path=ppt/slides/slide15.xml><?xml version="1.0" encoding="utf-8"?>
-<p:sld xmlns:a="http://schemas.openxmlformats.org/drawingml/2006/main" xmlns:r="http://schemas.openxmlformats.org/officeDocument/2006/relationships" xmlns:p="http://schemas.openxmlformats.org/presentationml/2006/main">
+<p:sld xmlns:a="http://schemas.openxmlformats.org/drawingml/2006/main" xmlns:r="http://schemas.openxmlformats.org/officeDocument/2006/relationships" xmlns:mc="http://schemas.openxmlformats.org/markup-compatibility/2006" xmlns:mv="urn:schemas-microsoft-com:mac:vml" xmlns:p="http://schemas.openxmlformats.org/presentationml/2006/main" mc:Ignorable="mv" mc:PreserveAttributes="mv:*">
   <p:cSld>
     <p:spTree>
       <p:nvGrpSpPr>
@@ -4111,7 +4111,7 @@
     </p:spTree>
     <p:extLst>
       <p:ext uri="{BB962C8B-B14F-4D97-AF65-F5344CB8AC3E}">
-        <p14:creationId xmlns:p14="http://schemas.microsoft.com/office/powerpoint/2010/main" val="2184776519"/>
+        <p14:creationId xmlns:p14="http://schemas.microsoft.com/office/powerpoint/2010/main" xmlns:p="http://schemas.openxmlformats.org/presentationml/2006/main" xmlns:r="http://schemas.openxmlformats.org/officeDocument/2006/relationships" xmlns:a="http://schemas.openxmlformats.org/drawingml/2006/main" xmlns="" val="2184776519"/>
       </p:ext>
     </p:extLst>
   </p:cSld>
@@ -4121,7 +4121,7 @@
   <p:timing>
     <p:tnLst>
       <p:par>
-        <p:cTn xmlns:p14="http://schemas.microsoft.com/office/powerpoint/2010/main" id="1" dur="indefinite" restart="never" nodeType="tmRoot"/>
+        <p:cTn id="1" dur="indefinite" restart="never" nodeType="tmRoot"/>
       </p:par>
     </p:tnLst>
   </p:timing>
@@ -4129,7 +4129,7 @@
 </file>
 
 <file path=ppt/slides/slide16.xml><?xml version="1.0" encoding="utf-8"?>
-<p:sld xmlns:a="http://schemas.openxmlformats.org/drawingml/2006/main" xmlns:r="http://schemas.openxmlformats.org/officeDocument/2006/relationships" xmlns:p="http://schemas.openxmlformats.org/presentationml/2006/main">
+<p:sld xmlns:a="http://schemas.openxmlformats.org/drawingml/2006/main" xmlns:r="http://schemas.openxmlformats.org/officeDocument/2006/relationships" xmlns:mc="http://schemas.openxmlformats.org/markup-compatibility/2006" xmlns:mv="urn:schemas-microsoft-com:mac:vml" xmlns:p="http://schemas.openxmlformats.org/presentationml/2006/main" mc:Ignorable="mv" mc:PreserveAttributes="mv:*">
   <p:cSld>
     <p:spTree>
       <p:nvGrpSpPr>
@@ -4262,7 +4262,7 @@
           <a:blip r:embed="rId2">
             <a:extLst>
               <a:ext uri="{28A0092B-C50C-407E-A947-70E740481C1C}">
-                <a14:useLocalDpi xmlns:a14="http://schemas.microsoft.com/office/drawing/2010/main" val="0"/>
+                <a14:useLocalDpi xmlns:a14="http://schemas.microsoft.com/office/drawing/2010/main" xmlns:p="http://schemas.openxmlformats.org/presentationml/2006/main" xmlns:r="http://schemas.openxmlformats.org/officeDocument/2006/relationships" xmlns:a="http://schemas.openxmlformats.org/drawingml/2006/main" xmlns="" val="0"/>
               </a:ext>
             </a:extLst>
           </a:blip>
@@ -4283,7 +4283,7 @@
     </p:spTree>
     <p:extLst>
       <p:ext uri="{BB962C8B-B14F-4D97-AF65-F5344CB8AC3E}">
-        <p14:creationId xmlns:p14="http://schemas.microsoft.com/office/powerpoint/2010/main" val="2330916061"/>
+        <p14:creationId xmlns:p14="http://schemas.microsoft.com/office/powerpoint/2010/main" xmlns:p="http://schemas.openxmlformats.org/presentationml/2006/main" xmlns:r="http://schemas.openxmlformats.org/officeDocument/2006/relationships" xmlns:a="http://schemas.openxmlformats.org/drawingml/2006/main" xmlns="" val="2330916061"/>
       </p:ext>
     </p:extLst>
   </p:cSld>
@@ -4293,7 +4293,7 @@
   <p:timing>
     <p:tnLst>
       <p:par>
-        <p:cTn xmlns:p14="http://schemas.microsoft.com/office/powerpoint/2010/main" id="1" dur="indefinite" restart="never" nodeType="tmRoot"/>
+        <p:cTn id="1" dur="indefinite" restart="never" nodeType="tmRoot"/>
       </p:par>
     </p:tnLst>
   </p:timing>
@@ -4301,7 +4301,7 @@
 </file>
 
 <file path=ppt/slides/slide17.xml><?xml version="1.0" encoding="utf-8"?>
-<p:sld xmlns:a="http://schemas.openxmlformats.org/drawingml/2006/main" xmlns:r="http://schemas.openxmlformats.org/officeDocument/2006/relationships" xmlns:p="http://schemas.openxmlformats.org/presentationml/2006/main">
+<p:sld xmlns:a="http://schemas.openxmlformats.org/drawingml/2006/main" xmlns:r="http://schemas.openxmlformats.org/officeDocument/2006/relationships" xmlns:mc="http://schemas.openxmlformats.org/markup-compatibility/2006" xmlns:mv="urn:schemas-microsoft-com:mac:vml" xmlns:p="http://schemas.openxmlformats.org/presentationml/2006/main" mc:Ignorable="mv" mc:PreserveAttributes="mv:*">
   <p:cSld>
     <p:spTree>
       <p:nvGrpSpPr>
@@ -4355,7 +4355,7 @@
           <a:blip r:embed="rId2">
             <a:extLst>
               <a:ext uri="{28A0092B-C50C-407E-A947-70E740481C1C}">
-                <a14:useLocalDpi xmlns:a14="http://schemas.microsoft.com/office/drawing/2010/main" val="0"/>
+                <a14:useLocalDpi xmlns:a14="http://schemas.microsoft.com/office/drawing/2010/main" xmlns:p="http://schemas.openxmlformats.org/presentationml/2006/main" xmlns:r="http://schemas.openxmlformats.org/officeDocument/2006/relationships" xmlns:a="http://schemas.openxmlformats.org/drawingml/2006/main" xmlns="" val="0"/>
               </a:ext>
             </a:extLst>
           </a:blip>
@@ -4376,7 +4376,7 @@
     </p:spTree>
     <p:extLst>
       <p:ext uri="{BB962C8B-B14F-4D97-AF65-F5344CB8AC3E}">
-        <p14:creationId xmlns:p14="http://schemas.microsoft.com/office/powerpoint/2010/main" val="3745986714"/>
+        <p14:creationId xmlns:p14="http://schemas.microsoft.com/office/powerpoint/2010/main" xmlns:p="http://schemas.openxmlformats.org/presentationml/2006/main" xmlns:r="http://schemas.openxmlformats.org/officeDocument/2006/relationships" xmlns:a="http://schemas.openxmlformats.org/drawingml/2006/main" xmlns="" val="3745986714"/>
       </p:ext>
     </p:extLst>
   </p:cSld>
@@ -4386,7 +4386,7 @@
   <p:timing>
     <p:tnLst>
       <p:par>
-        <p:cTn xmlns:p14="http://schemas.microsoft.com/office/powerpoint/2010/main" id="1" dur="indefinite" restart="never" nodeType="tmRoot"/>
+        <p:cTn id="1" dur="indefinite" restart="never" nodeType="tmRoot"/>
       </p:par>
     </p:tnLst>
   </p:timing>
@@ -4394,7 +4394,7 @@
 </file>
 
 <file path=ppt/slides/slide2.xml><?xml version="1.0" encoding="utf-8"?>
-<p:sld xmlns:a="http://schemas.openxmlformats.org/drawingml/2006/main" xmlns:r="http://schemas.openxmlformats.org/officeDocument/2006/relationships" xmlns:p="http://schemas.openxmlformats.org/presentationml/2006/main">
+<p:sld xmlns:a="http://schemas.openxmlformats.org/drawingml/2006/main" xmlns:r="http://schemas.openxmlformats.org/officeDocument/2006/relationships" xmlns:mc="http://schemas.openxmlformats.org/markup-compatibility/2006" xmlns:mv="urn:schemas-microsoft-com:mac:vml" xmlns:p="http://schemas.openxmlformats.org/presentationml/2006/main" mc:Ignorable="mv" mc:PreserveAttributes="mv:*">
   <p:cSld>
     <p:spTree>
       <p:nvGrpSpPr>
@@ -4567,7 +4567,7 @@
     </p:spTree>
     <p:extLst>
       <p:ext uri="{BB962C8B-B14F-4D97-AF65-F5344CB8AC3E}">
-        <p14:creationId xmlns:p14="http://schemas.microsoft.com/office/powerpoint/2010/main" val="703293322"/>
+        <p14:creationId xmlns:p14="http://schemas.microsoft.com/office/powerpoint/2010/main" xmlns:p="http://schemas.openxmlformats.org/presentationml/2006/main" xmlns:r="http://schemas.openxmlformats.org/officeDocument/2006/relationships" xmlns:a="http://schemas.openxmlformats.org/drawingml/2006/main" xmlns="" val="703293322"/>
       </p:ext>
     </p:extLst>
   </p:cSld>
@@ -4577,7 +4577,7 @@
   <p:timing>
     <p:tnLst>
       <p:par>
-        <p:cTn xmlns:p14="http://schemas.microsoft.com/office/powerpoint/2010/main" id="1" dur="indefinite" restart="never" nodeType="tmRoot"/>
+        <p:cTn id="1" dur="indefinite" restart="never" nodeType="tmRoot"/>
       </p:par>
     </p:tnLst>
   </p:timing>
@@ -4585,7 +4585,7 @@
 </file>
 
 <file path=ppt/slides/slide3.xml><?xml version="1.0" encoding="utf-8"?>
-<p:sld xmlns:a="http://schemas.openxmlformats.org/drawingml/2006/main" xmlns:r="http://schemas.openxmlformats.org/officeDocument/2006/relationships" xmlns:p="http://schemas.openxmlformats.org/presentationml/2006/main">
+<p:sld xmlns:a="http://schemas.openxmlformats.org/drawingml/2006/main" xmlns:r="http://schemas.openxmlformats.org/officeDocument/2006/relationships" xmlns:mc="http://schemas.openxmlformats.org/markup-compatibility/2006" xmlns:mv="urn:schemas-microsoft-com:mac:vml" xmlns:p="http://schemas.openxmlformats.org/presentationml/2006/main" mc:Ignorable="mv" mc:PreserveAttributes="mv:*">
   <p:cSld>
     <p:spTree>
       <p:nvGrpSpPr>
@@ -4729,7 +4729,7 @@
     </p:spTree>
     <p:extLst>
       <p:ext uri="{BB962C8B-B14F-4D97-AF65-F5344CB8AC3E}">
-        <p14:creationId xmlns:p14="http://schemas.microsoft.com/office/powerpoint/2010/main" val="3137281573"/>
+        <p14:creationId xmlns:p14="http://schemas.microsoft.com/office/powerpoint/2010/main" xmlns:p="http://schemas.openxmlformats.org/presentationml/2006/main" xmlns:r="http://schemas.openxmlformats.org/officeDocument/2006/relationships" xmlns:a="http://schemas.openxmlformats.org/drawingml/2006/main" xmlns="" val="3137281573"/>
       </p:ext>
     </p:extLst>
   </p:cSld>
@@ -4739,7 +4739,7 @@
   <p:timing>
     <p:tnLst>
       <p:par>
-        <p:cTn xmlns:p14="http://schemas.microsoft.com/office/powerpoint/2010/main" id="1" dur="indefinite" restart="never" nodeType="tmRoot"/>
+        <p:cTn id="1" dur="indefinite" restart="never" nodeType="tmRoot"/>
       </p:par>
     </p:tnLst>
   </p:timing>
@@ -4747,7 +4747,7 @@
 </file>
 
 <file path=ppt/slides/slide4.xml><?xml version="1.0" encoding="utf-8"?>
-<p:sld xmlns:a="http://schemas.openxmlformats.org/drawingml/2006/main" xmlns:r="http://schemas.openxmlformats.org/officeDocument/2006/relationships" xmlns:p="http://schemas.openxmlformats.org/presentationml/2006/main">
+<p:sld xmlns:a="http://schemas.openxmlformats.org/drawingml/2006/main" xmlns:r="http://schemas.openxmlformats.org/officeDocument/2006/relationships" xmlns:mc="http://schemas.openxmlformats.org/markup-compatibility/2006" xmlns:mv="urn:schemas-microsoft-com:mac:vml" xmlns:p="http://schemas.openxmlformats.org/presentationml/2006/main" mc:Ignorable="mv" mc:PreserveAttributes="mv:*">
   <p:cSld>
     <p:spTree>
       <p:nvGrpSpPr>
@@ -4871,7 +4871,7 @@
           <a:blip r:embed="rId2">
             <a:extLst>
               <a:ext uri="{28A0092B-C50C-407E-A947-70E740481C1C}">
-                <a14:useLocalDpi xmlns:a14="http://schemas.microsoft.com/office/drawing/2010/main" val="0"/>
+                <a14:useLocalDpi xmlns:a14="http://schemas.microsoft.com/office/drawing/2010/main" xmlns:p="http://schemas.openxmlformats.org/presentationml/2006/main" xmlns:r="http://schemas.openxmlformats.org/officeDocument/2006/relationships" xmlns:a="http://schemas.openxmlformats.org/drawingml/2006/main" xmlns="" val="0"/>
               </a:ext>
             </a:extLst>
           </a:blip>
@@ -4895,14 +4895,14 @@
           <a:effectLst/>
           <a:extLst>
             <a:ext uri="{909E8E84-426E-40dd-AFC4-6F175D3DCCD1}">
-              <a14:hiddenFill xmlns:a14="http://schemas.microsoft.com/office/drawing/2010/main">
+              <a14:hiddenFill xmlns:a14="http://schemas.microsoft.com/office/drawing/2010/main" xmlns:p="http://schemas.openxmlformats.org/presentationml/2006/main" xmlns:r="http://schemas.openxmlformats.org/officeDocument/2006/relationships" xmlns:a="http://schemas.openxmlformats.org/drawingml/2006/main" xmlns="">
                 <a:solidFill>
                   <a:schemeClr val="accent1"/>
                 </a:solidFill>
               </a14:hiddenFill>
             </a:ext>
             <a:ext uri="{91240B29-F687-4f45-9708-019B960494DF}">
-              <a14:hiddenLine xmlns:a14="http://schemas.microsoft.com/office/drawing/2010/main" w="9525">
+              <a14:hiddenLine xmlns:a14="http://schemas.microsoft.com/office/drawing/2010/main" xmlns:p="http://schemas.openxmlformats.org/presentationml/2006/main" xmlns:r="http://schemas.openxmlformats.org/officeDocument/2006/relationships" xmlns:a="http://schemas.openxmlformats.org/drawingml/2006/main" xmlns="" w="9525">
                 <a:solidFill>
                   <a:schemeClr val="tx1"/>
                 </a:solidFill>
@@ -4912,7 +4912,7 @@
               </a14:hiddenLine>
             </a:ext>
             <a:ext uri="{AF507438-7753-43e0-B8FC-AC1667EBCBE1}">
-              <a14:hiddenEffects xmlns:a14="http://schemas.microsoft.com/office/drawing/2010/main">
+              <a14:hiddenEffects xmlns:a14="http://schemas.microsoft.com/office/drawing/2010/main" xmlns:p="http://schemas.openxmlformats.org/presentationml/2006/main" xmlns:r="http://schemas.openxmlformats.org/officeDocument/2006/relationships" xmlns:a="http://schemas.openxmlformats.org/drawingml/2006/main" xmlns="">
                 <a:effectLst>
                   <a:outerShdw dist="35921" dir="2700000" algn="ctr" rotWithShape="0">
                     <a:schemeClr val="bg2"/>
@@ -4926,7 +4926,7 @@
     </p:spTree>
     <p:extLst>
       <p:ext uri="{BB962C8B-B14F-4D97-AF65-F5344CB8AC3E}">
-        <p14:creationId xmlns:p14="http://schemas.microsoft.com/office/powerpoint/2010/main" val="1539374397"/>
+        <p14:creationId xmlns:p14="http://schemas.microsoft.com/office/powerpoint/2010/main" xmlns:p="http://schemas.openxmlformats.org/presentationml/2006/main" xmlns:r="http://schemas.openxmlformats.org/officeDocument/2006/relationships" xmlns:a="http://schemas.openxmlformats.org/drawingml/2006/main" xmlns="" val="1539374397"/>
       </p:ext>
     </p:extLst>
   </p:cSld>
@@ -4936,7 +4936,7 @@
   <p:timing>
     <p:tnLst>
       <p:par>
-        <p:cTn xmlns:p14="http://schemas.microsoft.com/office/powerpoint/2010/main" id="1" dur="indefinite" restart="never" nodeType="tmRoot"/>
+        <p:cTn id="1" dur="indefinite" restart="never" nodeType="tmRoot"/>
       </p:par>
     </p:tnLst>
   </p:timing>
@@ -4944,7 +4944,7 @@
 </file>
 
 <file path=ppt/slides/slide5.xml><?xml version="1.0" encoding="utf-8"?>
-<p:sld xmlns:a="http://schemas.openxmlformats.org/drawingml/2006/main" xmlns:r="http://schemas.openxmlformats.org/officeDocument/2006/relationships" xmlns:p="http://schemas.openxmlformats.org/presentationml/2006/main">
+<p:sld xmlns:a="http://schemas.openxmlformats.org/drawingml/2006/main" xmlns:r="http://schemas.openxmlformats.org/officeDocument/2006/relationships" xmlns:mc="http://schemas.openxmlformats.org/markup-compatibility/2006" xmlns:mv="urn:schemas-microsoft-com:mac:vml" xmlns:p="http://schemas.openxmlformats.org/presentationml/2006/main" mc:Ignorable="mv" mc:PreserveAttributes="mv:*">
   <p:cSld>
     <p:spTree>
       <p:nvGrpSpPr>
@@ -5071,7 +5071,7 @@
     </p:spTree>
     <p:extLst>
       <p:ext uri="{BB962C8B-B14F-4D97-AF65-F5344CB8AC3E}">
-        <p14:creationId xmlns:p14="http://schemas.microsoft.com/office/powerpoint/2010/main" val="1614482664"/>
+        <p14:creationId xmlns:p14="http://schemas.microsoft.com/office/powerpoint/2010/main" xmlns:p="http://schemas.openxmlformats.org/presentationml/2006/main" xmlns:r="http://schemas.openxmlformats.org/officeDocument/2006/relationships" xmlns:a="http://schemas.openxmlformats.org/drawingml/2006/main" xmlns="" val="1614482664"/>
       </p:ext>
     </p:extLst>
   </p:cSld>
@@ -5082,7 +5082,7 @@
 </file>
 
 <file path=ppt/slides/slide6.xml><?xml version="1.0" encoding="utf-8"?>
-<p:sld xmlns:a="http://schemas.openxmlformats.org/drawingml/2006/main" xmlns:r="http://schemas.openxmlformats.org/officeDocument/2006/relationships" xmlns:p="http://schemas.openxmlformats.org/presentationml/2006/main">
+<p:sld xmlns:a="http://schemas.openxmlformats.org/drawingml/2006/main" xmlns:r="http://schemas.openxmlformats.org/officeDocument/2006/relationships" xmlns:mc="http://schemas.openxmlformats.org/markup-compatibility/2006" xmlns:mv="urn:schemas-microsoft-com:mac:vml" xmlns:p="http://schemas.openxmlformats.org/presentationml/2006/main" mc:Ignorable="mv" mc:PreserveAttributes="mv:*">
   <p:cSld>
     <p:spTree>
       <p:nvGrpSpPr>
@@ -5249,7 +5249,7 @@
     </p:spTree>
     <p:extLst>
       <p:ext uri="{BB962C8B-B14F-4D97-AF65-F5344CB8AC3E}">
-        <p14:creationId xmlns:p14="http://schemas.microsoft.com/office/powerpoint/2010/main" val="3789203438"/>
+        <p14:creationId xmlns:p14="http://schemas.microsoft.com/office/powerpoint/2010/main" xmlns:p="http://schemas.openxmlformats.org/presentationml/2006/main" xmlns:r="http://schemas.openxmlformats.org/officeDocument/2006/relationships" xmlns:a="http://schemas.openxmlformats.org/drawingml/2006/main" xmlns="" val="3789203438"/>
       </p:ext>
     </p:extLst>
   </p:cSld>
@@ -5259,7 +5259,7 @@
   <p:timing>
     <p:tnLst>
       <p:par>
-        <p:cTn xmlns:p14="http://schemas.microsoft.com/office/powerpoint/2010/main" id="1" dur="indefinite" restart="never" nodeType="tmRoot"/>
+        <p:cTn id="1" dur="indefinite" restart="never" nodeType="tmRoot"/>
       </p:par>
     </p:tnLst>
   </p:timing>
@@ -5267,7 +5267,7 @@
 </file>
 
 <file path=ppt/slides/slide7.xml><?xml version="1.0" encoding="utf-8"?>
-<p:sld xmlns:a="http://schemas.openxmlformats.org/drawingml/2006/main" xmlns:r="http://schemas.openxmlformats.org/officeDocument/2006/relationships" xmlns:p="http://schemas.openxmlformats.org/presentationml/2006/main">
+<p:sld xmlns:a="http://schemas.openxmlformats.org/drawingml/2006/main" xmlns:r="http://schemas.openxmlformats.org/officeDocument/2006/relationships" xmlns:mc="http://schemas.openxmlformats.org/markup-compatibility/2006" xmlns:mv="urn:schemas-microsoft-com:mac:vml" xmlns:p="http://schemas.openxmlformats.org/presentationml/2006/main" mc:Ignorable="mv" mc:PreserveAttributes="mv:*">
   <p:cSld>
     <p:spTree>
       <p:nvGrpSpPr>
@@ -5565,7 +5565,7 @@
     </p:spTree>
     <p:extLst>
       <p:ext uri="{BB962C8B-B14F-4D97-AF65-F5344CB8AC3E}">
-        <p14:creationId xmlns:p14="http://schemas.microsoft.com/office/powerpoint/2010/main" val="3537326466"/>
+        <p14:creationId xmlns:p14="http://schemas.microsoft.com/office/powerpoint/2010/main" xmlns:p="http://schemas.openxmlformats.org/presentationml/2006/main" xmlns:r="http://schemas.openxmlformats.org/officeDocument/2006/relationships" xmlns:a="http://schemas.openxmlformats.org/drawingml/2006/main" xmlns="" val="3537326466"/>
       </p:ext>
     </p:extLst>
   </p:cSld>
@@ -5575,7 +5575,7 @@
   <p:timing>
     <p:tnLst>
       <p:par>
-        <p:cTn xmlns:p14="http://schemas.microsoft.com/office/powerpoint/2010/main" id="1" dur="indefinite" restart="never" nodeType="tmRoot"/>
+        <p:cTn id="1" dur="indefinite" restart="never" nodeType="tmRoot"/>
       </p:par>
     </p:tnLst>
   </p:timing>
@@ -5583,7 +5583,7 @@
 </file>
 
 <file path=ppt/slides/slide8.xml><?xml version="1.0" encoding="utf-8"?>
-<p:sld xmlns:a="http://schemas.openxmlformats.org/drawingml/2006/main" xmlns:r="http://schemas.openxmlformats.org/officeDocument/2006/relationships" xmlns:p="http://schemas.openxmlformats.org/presentationml/2006/main">
+<p:sld xmlns:a="http://schemas.openxmlformats.org/drawingml/2006/main" xmlns:r="http://schemas.openxmlformats.org/officeDocument/2006/relationships" xmlns:mc="http://schemas.openxmlformats.org/markup-compatibility/2006" xmlns:mv="urn:schemas-microsoft-com:mac:vml" xmlns:p="http://schemas.openxmlformats.org/presentationml/2006/main" mc:Ignorable="mv" mc:PreserveAttributes="mv:*">
   <p:cSld>
     <p:spTree>
       <p:nvGrpSpPr>
@@ -5734,7 +5734,7 @@
     </p:spTree>
     <p:extLst>
       <p:ext uri="{BB962C8B-B14F-4D97-AF65-F5344CB8AC3E}">
-        <p14:creationId xmlns:p14="http://schemas.microsoft.com/office/powerpoint/2010/main" val="1194156412"/>
+        <p14:creationId xmlns:p14="http://schemas.microsoft.com/office/powerpoint/2010/main" xmlns:p="http://schemas.openxmlformats.org/presentationml/2006/main" xmlns:r="http://schemas.openxmlformats.org/officeDocument/2006/relationships" xmlns:a="http://schemas.openxmlformats.org/drawingml/2006/main" xmlns="" val="1194156412"/>
       </p:ext>
     </p:extLst>
   </p:cSld>
@@ -5744,7 +5744,7 @@
   <p:timing>
     <p:tnLst>
       <p:par>
-        <p:cTn xmlns:p14="http://schemas.microsoft.com/office/powerpoint/2010/main" id="1" dur="indefinite" restart="never" nodeType="tmRoot"/>
+        <p:cTn id="1" dur="indefinite" restart="never" nodeType="tmRoot"/>
       </p:par>
     </p:tnLst>
   </p:timing>
@@ -5752,7 +5752,7 @@
 </file>
 
 <file path=ppt/slides/slide9.xml><?xml version="1.0" encoding="utf-8"?>
-<p:sld xmlns:a="http://schemas.openxmlformats.org/drawingml/2006/main" xmlns:r="http://schemas.openxmlformats.org/officeDocument/2006/relationships" xmlns:p="http://schemas.openxmlformats.org/presentationml/2006/main">
+<p:sld xmlns:a="http://schemas.openxmlformats.org/drawingml/2006/main" xmlns:r="http://schemas.openxmlformats.org/officeDocument/2006/relationships" xmlns:mc="http://schemas.openxmlformats.org/markup-compatibility/2006" xmlns:mv="urn:schemas-microsoft-com:mac:vml" xmlns:p="http://schemas.openxmlformats.org/presentationml/2006/main" mc:Ignorable="mv" mc:PreserveAttributes="mv:*">
   <p:cSld>
     <p:spTree>
       <p:nvGrpSpPr>
@@ -5818,7 +5818,7 @@
     </p:spTree>
     <p:extLst>
       <p:ext uri="{BB962C8B-B14F-4D97-AF65-F5344CB8AC3E}">
-        <p14:creationId xmlns:p14="http://schemas.microsoft.com/office/powerpoint/2010/main" val="1958107778"/>
+        <p14:creationId xmlns:p14="http://schemas.microsoft.com/office/powerpoint/2010/main" xmlns:p="http://schemas.openxmlformats.org/presentationml/2006/main" xmlns:r="http://schemas.openxmlformats.org/officeDocument/2006/relationships" xmlns:a="http://schemas.openxmlformats.org/drawingml/2006/main" xmlns="" val="1958107778"/>
       </p:ext>
     </p:extLst>
   </p:cSld>
@@ -5828,7 +5828,7 @@
   <p:timing>
     <p:tnLst>
       <p:par>
-        <p:cTn xmlns:p14="http://schemas.microsoft.com/office/powerpoint/2010/main" id="1" dur="indefinite" restart="never" nodeType="tmRoot"/>
+        <p:cTn id="1" dur="indefinite" restart="never" nodeType="tmRoot"/>
       </p:par>
     </p:tnLst>
   </p:timing>

--- a/2013-XSEDE-CDI.pptx
+++ b/2013-XSEDE-CDI.pptx
@@ -182,7 +182,7 @@
           <a:blip r:embed="rId2">
             <a:extLst>
               <a:ext uri="{28A0092B-C50C-407E-A947-70E740481C1C}">
-                <a14:useLocalDpi xmlns:a14="http://schemas.microsoft.com/office/drawing/2010/main" xmlns:p="http://schemas.openxmlformats.org/presentationml/2006/main" xmlns:r="http://schemas.openxmlformats.org/officeDocument/2006/relationships" xmlns:a="http://schemas.openxmlformats.org/drawingml/2006/main" xmlns="" val="0"/>
+                <a14:useLocalDpi xmlns="" xmlns:a="http://schemas.openxmlformats.org/drawingml/2006/main" xmlns:r="http://schemas.openxmlformats.org/officeDocument/2006/relationships" xmlns:p="http://schemas.openxmlformats.org/presentationml/2006/main" xmlns:a14="http://schemas.microsoft.com/office/drawing/2010/main" xmlns:mv="urn:schemas-microsoft-com:mac:vml" xmlns:mc="http://schemas.openxmlformats.org/markup-compatibility/2006" val="0"/>
               </a:ext>
             </a:extLst>
           </a:blip>
@@ -205,14 +205,14 @@
           </a:ln>
           <a:extLst>
             <a:ext uri="{909E8E84-426E-40dd-AFC4-6F175D3DCCD1}">
-              <a14:hiddenFill xmlns:a14="http://schemas.microsoft.com/office/drawing/2010/main" xmlns:p="http://schemas.openxmlformats.org/presentationml/2006/main" xmlns:r="http://schemas.openxmlformats.org/officeDocument/2006/relationships" xmlns:a="http://schemas.openxmlformats.org/drawingml/2006/main" xmlns="">
+              <a14:hiddenFill xmlns="" xmlns:a="http://schemas.openxmlformats.org/drawingml/2006/main" xmlns:r="http://schemas.openxmlformats.org/officeDocument/2006/relationships" xmlns:p="http://schemas.openxmlformats.org/presentationml/2006/main" xmlns:a14="http://schemas.microsoft.com/office/drawing/2010/main" xmlns:mv="urn:schemas-microsoft-com:mac:vml" xmlns:mc="http://schemas.openxmlformats.org/markup-compatibility/2006">
                 <a:solidFill>
                   <a:srgbClr val="FFFFFF"/>
                 </a:solidFill>
               </a14:hiddenFill>
             </a:ext>
             <a:ext uri="{91240B29-F687-4f45-9708-019B960494DF}">
-              <a14:hiddenLine xmlns:a14="http://schemas.microsoft.com/office/drawing/2010/main" xmlns:p="http://schemas.openxmlformats.org/presentationml/2006/main" xmlns:r="http://schemas.openxmlformats.org/officeDocument/2006/relationships" xmlns:a="http://schemas.openxmlformats.org/drawingml/2006/main" xmlns="" w="9525">
+              <a14:hiddenLine xmlns="" xmlns:a="http://schemas.openxmlformats.org/drawingml/2006/main" xmlns:r="http://schemas.openxmlformats.org/officeDocument/2006/relationships" xmlns:p="http://schemas.openxmlformats.org/presentationml/2006/main" xmlns:a14="http://schemas.microsoft.com/office/drawing/2010/main" xmlns:mv="urn:schemas-microsoft-com:mac:vml" xmlns:mc="http://schemas.openxmlformats.org/markup-compatibility/2006" w="9525">
                 <a:solidFill>
                   <a:srgbClr val="000000"/>
                 </a:solidFill>
@@ -301,7 +301,7 @@
     </p:spTree>
     <p:extLst>
       <p:ext uri="{BB962C8B-B14F-4D97-AF65-F5344CB8AC3E}">
-        <p14:creationId xmlns:p14="http://schemas.microsoft.com/office/powerpoint/2010/main" xmlns:p="http://schemas.openxmlformats.org/presentationml/2006/main" xmlns:r="http://schemas.openxmlformats.org/officeDocument/2006/relationships" xmlns:a="http://schemas.openxmlformats.org/drawingml/2006/main" xmlns="" val="67712113"/>
+        <p14:creationId xmlns="" xmlns:a="http://schemas.openxmlformats.org/drawingml/2006/main" xmlns:r="http://schemas.openxmlformats.org/officeDocument/2006/relationships" xmlns:p="http://schemas.openxmlformats.org/presentationml/2006/main" xmlns:p14="http://schemas.microsoft.com/office/powerpoint/2010/main" xmlns:mv="urn:schemas-microsoft-com:mac:vml" xmlns:mc="http://schemas.openxmlformats.org/markup-compatibility/2006" val="67712113"/>
       </p:ext>
     </p:extLst>
   </p:cSld>
@@ -441,7 +441,7 @@
     </p:spTree>
     <p:extLst>
       <p:ext uri="{BB962C8B-B14F-4D97-AF65-F5344CB8AC3E}">
-        <p14:creationId xmlns:p14="http://schemas.microsoft.com/office/powerpoint/2010/main" xmlns:p="http://schemas.openxmlformats.org/presentationml/2006/main" xmlns:r="http://schemas.openxmlformats.org/officeDocument/2006/relationships" xmlns:a="http://schemas.openxmlformats.org/drawingml/2006/main" xmlns="" val="1921024505"/>
+        <p14:creationId xmlns="" xmlns:a="http://schemas.openxmlformats.org/drawingml/2006/main" xmlns:r="http://schemas.openxmlformats.org/officeDocument/2006/relationships" xmlns:p="http://schemas.openxmlformats.org/presentationml/2006/main" xmlns:p14="http://schemas.microsoft.com/office/powerpoint/2010/main" xmlns:mv="urn:schemas-microsoft-com:mac:vml" xmlns:mc="http://schemas.openxmlformats.org/markup-compatibility/2006" val="1921024505"/>
       </p:ext>
     </p:extLst>
   </p:cSld>
@@ -591,7 +591,7 @@
     </p:spTree>
     <p:extLst>
       <p:ext uri="{BB962C8B-B14F-4D97-AF65-F5344CB8AC3E}">
-        <p14:creationId xmlns:p14="http://schemas.microsoft.com/office/powerpoint/2010/main" xmlns:p="http://schemas.openxmlformats.org/presentationml/2006/main" xmlns:r="http://schemas.openxmlformats.org/officeDocument/2006/relationships" xmlns:a="http://schemas.openxmlformats.org/drawingml/2006/main" xmlns="" val="2214459555"/>
+        <p14:creationId xmlns="" xmlns:a="http://schemas.openxmlformats.org/drawingml/2006/main" xmlns:r="http://schemas.openxmlformats.org/officeDocument/2006/relationships" xmlns:p="http://schemas.openxmlformats.org/presentationml/2006/main" xmlns:p14="http://schemas.microsoft.com/office/powerpoint/2010/main" xmlns:mv="urn:schemas-microsoft-com:mac:vml" xmlns:mc="http://schemas.openxmlformats.org/markup-compatibility/2006" val="2214459555"/>
       </p:ext>
     </p:extLst>
   </p:cSld>
@@ -731,7 +731,7 @@
     </p:spTree>
     <p:extLst>
       <p:ext uri="{BB962C8B-B14F-4D97-AF65-F5344CB8AC3E}">
-        <p14:creationId xmlns:p14="http://schemas.microsoft.com/office/powerpoint/2010/main" xmlns:p="http://schemas.openxmlformats.org/presentationml/2006/main" xmlns:r="http://schemas.openxmlformats.org/officeDocument/2006/relationships" xmlns:a="http://schemas.openxmlformats.org/drawingml/2006/main" xmlns="" val="3770358045"/>
+        <p14:creationId xmlns="" xmlns:a="http://schemas.openxmlformats.org/drawingml/2006/main" xmlns:r="http://schemas.openxmlformats.org/officeDocument/2006/relationships" xmlns:p="http://schemas.openxmlformats.org/presentationml/2006/main" xmlns:p14="http://schemas.microsoft.com/office/powerpoint/2010/main" xmlns:mv="urn:schemas-microsoft-com:mac:vml" xmlns:mc="http://schemas.openxmlformats.org/markup-compatibility/2006" val="3770358045"/>
       </p:ext>
     </p:extLst>
   </p:cSld>
@@ -893,7 +893,7 @@
     </p:spTree>
     <p:extLst>
       <p:ext uri="{BB962C8B-B14F-4D97-AF65-F5344CB8AC3E}">
-        <p14:creationId xmlns:p14="http://schemas.microsoft.com/office/powerpoint/2010/main" xmlns:p="http://schemas.openxmlformats.org/presentationml/2006/main" xmlns:r="http://schemas.openxmlformats.org/officeDocument/2006/relationships" xmlns:a="http://schemas.openxmlformats.org/drawingml/2006/main" xmlns="" val="1862549300"/>
+        <p14:creationId xmlns="" xmlns:a="http://schemas.openxmlformats.org/drawingml/2006/main" xmlns:r="http://schemas.openxmlformats.org/officeDocument/2006/relationships" xmlns:p="http://schemas.openxmlformats.org/presentationml/2006/main" xmlns:p14="http://schemas.microsoft.com/office/powerpoint/2010/main" xmlns:mv="urn:schemas-microsoft-com:mac:vml" xmlns:mc="http://schemas.openxmlformats.org/markup-compatibility/2006" val="1862549300"/>
       </p:ext>
     </p:extLst>
   </p:cSld>
@@ -1151,7 +1151,7 @@
     </p:spTree>
     <p:extLst>
       <p:ext uri="{BB962C8B-B14F-4D97-AF65-F5344CB8AC3E}">
-        <p14:creationId xmlns:p14="http://schemas.microsoft.com/office/powerpoint/2010/main" xmlns:p="http://schemas.openxmlformats.org/presentationml/2006/main" xmlns:r="http://schemas.openxmlformats.org/officeDocument/2006/relationships" xmlns:a="http://schemas.openxmlformats.org/drawingml/2006/main" xmlns="" val="3471441873"/>
+        <p14:creationId xmlns="" xmlns:a="http://schemas.openxmlformats.org/drawingml/2006/main" xmlns:r="http://schemas.openxmlformats.org/officeDocument/2006/relationships" xmlns:p="http://schemas.openxmlformats.org/presentationml/2006/main" xmlns:p14="http://schemas.microsoft.com/office/powerpoint/2010/main" xmlns:mv="urn:schemas-microsoft-com:mac:vml" xmlns:mc="http://schemas.openxmlformats.org/markup-compatibility/2006" val="3471441873"/>
       </p:ext>
     </p:extLst>
   </p:cSld>
@@ -1548,7 +1548,7 @@
     </p:spTree>
     <p:extLst>
       <p:ext uri="{BB962C8B-B14F-4D97-AF65-F5344CB8AC3E}">
-        <p14:creationId xmlns:p14="http://schemas.microsoft.com/office/powerpoint/2010/main" xmlns:p="http://schemas.openxmlformats.org/presentationml/2006/main" xmlns:r="http://schemas.openxmlformats.org/officeDocument/2006/relationships" xmlns:a="http://schemas.openxmlformats.org/drawingml/2006/main" xmlns="" val="1563413478"/>
+        <p14:creationId xmlns="" xmlns:a="http://schemas.openxmlformats.org/drawingml/2006/main" xmlns:r="http://schemas.openxmlformats.org/officeDocument/2006/relationships" xmlns:p="http://schemas.openxmlformats.org/presentationml/2006/main" xmlns:p14="http://schemas.microsoft.com/office/powerpoint/2010/main" xmlns:mv="urn:schemas-microsoft-com:mac:vml" xmlns:mc="http://schemas.openxmlformats.org/markup-compatibility/2006" val="1563413478"/>
       </p:ext>
     </p:extLst>
   </p:cSld>
@@ -1636,7 +1636,7 @@
     </p:spTree>
     <p:extLst>
       <p:ext uri="{BB962C8B-B14F-4D97-AF65-F5344CB8AC3E}">
-        <p14:creationId xmlns:p14="http://schemas.microsoft.com/office/powerpoint/2010/main" xmlns:p="http://schemas.openxmlformats.org/presentationml/2006/main" xmlns:r="http://schemas.openxmlformats.org/officeDocument/2006/relationships" xmlns:a="http://schemas.openxmlformats.org/drawingml/2006/main" xmlns="" val="3370480776"/>
+        <p14:creationId xmlns="" xmlns:a="http://schemas.openxmlformats.org/drawingml/2006/main" xmlns:r="http://schemas.openxmlformats.org/officeDocument/2006/relationships" xmlns:p="http://schemas.openxmlformats.org/presentationml/2006/main" xmlns:p14="http://schemas.microsoft.com/office/powerpoint/2010/main" xmlns:mv="urn:schemas-microsoft-com:mac:vml" xmlns:mc="http://schemas.openxmlformats.org/markup-compatibility/2006" val="3370480776"/>
       </p:ext>
     </p:extLst>
   </p:cSld>
@@ -1701,7 +1701,7 @@
     </p:spTree>
     <p:extLst>
       <p:ext uri="{BB962C8B-B14F-4D97-AF65-F5344CB8AC3E}">
-        <p14:creationId xmlns:p14="http://schemas.microsoft.com/office/powerpoint/2010/main" xmlns:p="http://schemas.openxmlformats.org/presentationml/2006/main" xmlns:r="http://schemas.openxmlformats.org/officeDocument/2006/relationships" xmlns:a="http://schemas.openxmlformats.org/drawingml/2006/main" xmlns="" val="2668922964"/>
+        <p14:creationId xmlns="" xmlns:a="http://schemas.openxmlformats.org/drawingml/2006/main" xmlns:r="http://schemas.openxmlformats.org/officeDocument/2006/relationships" xmlns:p="http://schemas.openxmlformats.org/presentationml/2006/main" xmlns:p14="http://schemas.microsoft.com/office/powerpoint/2010/main" xmlns:mv="urn:schemas-microsoft-com:mac:vml" xmlns:mc="http://schemas.openxmlformats.org/markup-compatibility/2006" val="2668922964"/>
       </p:ext>
     </p:extLst>
   </p:cSld>
@@ -1948,7 +1948,7 @@
     </p:spTree>
     <p:extLst>
       <p:ext uri="{BB962C8B-B14F-4D97-AF65-F5344CB8AC3E}">
-        <p14:creationId xmlns:p14="http://schemas.microsoft.com/office/powerpoint/2010/main" xmlns:p="http://schemas.openxmlformats.org/presentationml/2006/main" xmlns:r="http://schemas.openxmlformats.org/officeDocument/2006/relationships" xmlns:a="http://schemas.openxmlformats.org/drawingml/2006/main" xmlns="" val="1731634667"/>
+        <p14:creationId xmlns="" xmlns:a="http://schemas.openxmlformats.org/drawingml/2006/main" xmlns:r="http://schemas.openxmlformats.org/officeDocument/2006/relationships" xmlns:p="http://schemas.openxmlformats.org/presentationml/2006/main" xmlns:p14="http://schemas.microsoft.com/office/powerpoint/2010/main" xmlns:mv="urn:schemas-microsoft-com:mac:vml" xmlns:mc="http://schemas.openxmlformats.org/markup-compatibility/2006" val="1731634667"/>
       </p:ext>
     </p:extLst>
   </p:cSld>
@@ -2175,7 +2175,7 @@
     </p:spTree>
     <p:extLst>
       <p:ext uri="{BB962C8B-B14F-4D97-AF65-F5344CB8AC3E}">
-        <p14:creationId xmlns:p14="http://schemas.microsoft.com/office/powerpoint/2010/main" xmlns:p="http://schemas.openxmlformats.org/presentationml/2006/main" xmlns:r="http://schemas.openxmlformats.org/officeDocument/2006/relationships" xmlns:a="http://schemas.openxmlformats.org/drawingml/2006/main" xmlns="" val="2345041706"/>
+        <p14:creationId xmlns="" xmlns:a="http://schemas.openxmlformats.org/drawingml/2006/main" xmlns:r="http://schemas.openxmlformats.org/officeDocument/2006/relationships" xmlns:p="http://schemas.openxmlformats.org/presentationml/2006/main" xmlns:p14="http://schemas.microsoft.com/office/powerpoint/2010/main" xmlns:mv="urn:schemas-microsoft-com:mac:vml" xmlns:mc="http://schemas.openxmlformats.org/markup-compatibility/2006" val="2345041706"/>
       </p:ext>
     </p:extLst>
   </p:cSld>
@@ -2234,14 +2234,14 @@
           </a:ln>
           <a:extLst>
             <a:ext uri="{909E8E84-426E-40dd-AFC4-6F175D3DCCD1}">
-              <a14:hiddenFill xmlns:a14="http://schemas.microsoft.com/office/drawing/2010/main" xmlns:p="http://schemas.openxmlformats.org/presentationml/2006/main" xmlns:r="http://schemas.openxmlformats.org/officeDocument/2006/relationships" xmlns:a="http://schemas.openxmlformats.org/drawingml/2006/main" xmlns="">
+              <a14:hiddenFill xmlns="" xmlns:a="http://schemas.openxmlformats.org/drawingml/2006/main" xmlns:r="http://schemas.openxmlformats.org/officeDocument/2006/relationships" xmlns:p="http://schemas.openxmlformats.org/presentationml/2006/main" xmlns:a14="http://schemas.microsoft.com/office/drawing/2010/main" xmlns:mv="urn:schemas-microsoft-com:mac:vml" xmlns:mc="http://schemas.openxmlformats.org/markup-compatibility/2006">
                 <a:solidFill>
                   <a:srgbClr val="FFFFFF"/>
                 </a:solidFill>
               </a14:hiddenFill>
             </a:ext>
             <a:ext uri="{91240B29-F687-4f45-9708-019B960494DF}">
-              <a14:hiddenLine xmlns:a14="http://schemas.microsoft.com/office/drawing/2010/main" xmlns:p="http://schemas.openxmlformats.org/presentationml/2006/main" xmlns:r="http://schemas.openxmlformats.org/officeDocument/2006/relationships" xmlns:a="http://schemas.openxmlformats.org/drawingml/2006/main" xmlns="" w="9525">
+              <a14:hiddenLine xmlns="" xmlns:a="http://schemas.openxmlformats.org/drawingml/2006/main" xmlns:r="http://schemas.openxmlformats.org/officeDocument/2006/relationships" xmlns:p="http://schemas.openxmlformats.org/presentationml/2006/main" xmlns:a14="http://schemas.microsoft.com/office/drawing/2010/main" xmlns:mv="urn:schemas-microsoft-com:mac:vml" xmlns:mc="http://schemas.openxmlformats.org/markup-compatibility/2006" w="9525">
                 <a:solidFill>
                   <a:srgbClr val="000000"/>
                 </a:solidFill>
@@ -2292,14 +2292,14 @@
           </a:ln>
           <a:extLst>
             <a:ext uri="{909E8E84-426E-40dd-AFC4-6F175D3DCCD1}">
-              <a14:hiddenFill xmlns:a14="http://schemas.microsoft.com/office/drawing/2010/main" xmlns:p="http://schemas.openxmlformats.org/presentationml/2006/main" xmlns:r="http://schemas.openxmlformats.org/officeDocument/2006/relationships" xmlns:a="http://schemas.openxmlformats.org/drawingml/2006/main" xmlns="">
+              <a14:hiddenFill xmlns="" xmlns:a="http://schemas.openxmlformats.org/drawingml/2006/main" xmlns:r="http://schemas.openxmlformats.org/officeDocument/2006/relationships" xmlns:p="http://schemas.openxmlformats.org/presentationml/2006/main" xmlns:a14="http://schemas.microsoft.com/office/drawing/2010/main" xmlns:mv="urn:schemas-microsoft-com:mac:vml" xmlns:mc="http://schemas.openxmlformats.org/markup-compatibility/2006">
                 <a:solidFill>
                   <a:srgbClr val="FFFFFF"/>
                 </a:solidFill>
               </a14:hiddenFill>
             </a:ext>
             <a:ext uri="{91240B29-F687-4f45-9708-019B960494DF}">
-              <a14:hiddenLine xmlns:a14="http://schemas.microsoft.com/office/drawing/2010/main" xmlns:p="http://schemas.openxmlformats.org/presentationml/2006/main" xmlns:r="http://schemas.openxmlformats.org/officeDocument/2006/relationships" xmlns:a="http://schemas.openxmlformats.org/drawingml/2006/main" xmlns="" w="9525">
+              <a14:hiddenLine xmlns="" xmlns:a="http://schemas.openxmlformats.org/drawingml/2006/main" xmlns:r="http://schemas.openxmlformats.org/officeDocument/2006/relationships" xmlns:p="http://schemas.openxmlformats.org/presentationml/2006/main" xmlns:a14="http://schemas.microsoft.com/office/drawing/2010/main" xmlns:mv="urn:schemas-microsoft-com:mac:vml" xmlns:mc="http://schemas.openxmlformats.org/markup-compatibility/2006" w="9525">
                 <a:solidFill>
                   <a:srgbClr val="000000"/>
                 </a:solidFill>
@@ -2423,7 +2423,7 @@
           <a:blip r:embed="rId13">
             <a:extLst>
               <a:ext uri="{28A0092B-C50C-407E-A947-70E740481C1C}">
-                <a14:useLocalDpi xmlns:a14="http://schemas.microsoft.com/office/drawing/2010/main" xmlns:p="http://schemas.openxmlformats.org/presentationml/2006/main" xmlns:r="http://schemas.openxmlformats.org/officeDocument/2006/relationships" xmlns:a="http://schemas.openxmlformats.org/drawingml/2006/main" xmlns="" val="0"/>
+                <a14:useLocalDpi xmlns="" xmlns:a="http://schemas.openxmlformats.org/drawingml/2006/main" xmlns:r="http://schemas.openxmlformats.org/officeDocument/2006/relationships" xmlns:p="http://schemas.openxmlformats.org/presentationml/2006/main" xmlns:a14="http://schemas.microsoft.com/office/drawing/2010/main" xmlns:mv="urn:schemas-microsoft-com:mac:vml" xmlns:mc="http://schemas.openxmlformats.org/markup-compatibility/2006" val="0"/>
               </a:ext>
             </a:extLst>
           </a:blip>
@@ -2446,14 +2446,14 @@
           </a:ln>
           <a:extLst>
             <a:ext uri="{909E8E84-426E-40dd-AFC4-6F175D3DCCD1}">
-              <a14:hiddenFill xmlns:a14="http://schemas.microsoft.com/office/drawing/2010/main" xmlns:p="http://schemas.openxmlformats.org/presentationml/2006/main" xmlns:r="http://schemas.openxmlformats.org/officeDocument/2006/relationships" xmlns:a="http://schemas.openxmlformats.org/drawingml/2006/main" xmlns="">
+              <a14:hiddenFill xmlns="" xmlns:a="http://schemas.openxmlformats.org/drawingml/2006/main" xmlns:r="http://schemas.openxmlformats.org/officeDocument/2006/relationships" xmlns:p="http://schemas.openxmlformats.org/presentationml/2006/main" xmlns:a14="http://schemas.microsoft.com/office/drawing/2010/main" xmlns:mv="urn:schemas-microsoft-com:mac:vml" xmlns:mc="http://schemas.openxmlformats.org/markup-compatibility/2006">
                 <a:solidFill>
                   <a:srgbClr val="FFFFFF"/>
                 </a:solidFill>
               </a14:hiddenFill>
             </a:ext>
             <a:ext uri="{91240B29-F687-4f45-9708-019B960494DF}">
-              <a14:hiddenLine xmlns:a14="http://schemas.microsoft.com/office/drawing/2010/main" xmlns:p="http://schemas.openxmlformats.org/presentationml/2006/main" xmlns:r="http://schemas.openxmlformats.org/officeDocument/2006/relationships" xmlns:a="http://schemas.openxmlformats.org/drawingml/2006/main" xmlns="" w="9525">
+              <a14:hiddenLine xmlns="" xmlns:a="http://schemas.openxmlformats.org/drawingml/2006/main" xmlns:r="http://schemas.openxmlformats.org/officeDocument/2006/relationships" xmlns:p="http://schemas.openxmlformats.org/presentationml/2006/main" xmlns:a14="http://schemas.microsoft.com/office/drawing/2010/main" xmlns:mv="urn:schemas-microsoft-com:mac:vml" xmlns:mc="http://schemas.openxmlformats.org/markup-compatibility/2006" w="9525">
                 <a:solidFill>
                   <a:srgbClr val="000000"/>
                 </a:solidFill>
@@ -3153,7 +3153,7 @@
     </p:spTree>
     <p:extLst>
       <p:ext uri="{BB962C8B-B14F-4D97-AF65-F5344CB8AC3E}">
-        <p14:creationId xmlns:p14="http://schemas.microsoft.com/office/powerpoint/2010/main" xmlns:p="http://schemas.openxmlformats.org/presentationml/2006/main" xmlns:r="http://schemas.openxmlformats.org/officeDocument/2006/relationships" xmlns:a="http://schemas.openxmlformats.org/drawingml/2006/main" xmlns="" val="4198014329"/>
+        <p14:creationId xmlns="" xmlns:a="http://schemas.openxmlformats.org/drawingml/2006/main" xmlns:r="http://schemas.openxmlformats.org/officeDocument/2006/relationships" xmlns:p="http://schemas.openxmlformats.org/presentationml/2006/main" xmlns:p14="http://schemas.microsoft.com/office/powerpoint/2010/main" xmlns:mv="urn:schemas-microsoft-com:mac:vml" xmlns:mc="http://schemas.openxmlformats.org/markup-compatibility/2006" val="4198014329"/>
       </p:ext>
     </p:extLst>
   </p:cSld>
@@ -3410,7 +3410,7 @@
     </p:spTree>
     <p:extLst>
       <p:ext uri="{BB962C8B-B14F-4D97-AF65-F5344CB8AC3E}">
-        <p14:creationId xmlns:p14="http://schemas.microsoft.com/office/powerpoint/2010/main" xmlns:p="http://schemas.openxmlformats.org/presentationml/2006/main" xmlns:r="http://schemas.openxmlformats.org/officeDocument/2006/relationships" xmlns:a="http://schemas.openxmlformats.org/drawingml/2006/main" xmlns="" val="1054991098"/>
+        <p14:creationId xmlns="" xmlns:a="http://schemas.openxmlformats.org/drawingml/2006/main" xmlns:r="http://schemas.openxmlformats.org/officeDocument/2006/relationships" xmlns:p="http://schemas.openxmlformats.org/presentationml/2006/main" xmlns:p14="http://schemas.microsoft.com/office/powerpoint/2010/main" xmlns:mv="urn:schemas-microsoft-com:mac:vml" xmlns:mc="http://schemas.openxmlformats.org/markup-compatibility/2006" val="1054991098"/>
       </p:ext>
     </p:extLst>
   </p:cSld>
@@ -3631,7 +3631,7 @@
     </p:spTree>
     <p:extLst>
       <p:ext uri="{BB962C8B-B14F-4D97-AF65-F5344CB8AC3E}">
-        <p14:creationId xmlns:p14="http://schemas.microsoft.com/office/powerpoint/2010/main" xmlns:p="http://schemas.openxmlformats.org/presentationml/2006/main" xmlns:r="http://schemas.openxmlformats.org/officeDocument/2006/relationships" xmlns:a="http://schemas.openxmlformats.org/drawingml/2006/main" xmlns="" val="2990765515"/>
+        <p14:creationId xmlns="" xmlns:a="http://schemas.openxmlformats.org/drawingml/2006/main" xmlns:r="http://schemas.openxmlformats.org/officeDocument/2006/relationships" xmlns:p="http://schemas.openxmlformats.org/presentationml/2006/main" xmlns:p14="http://schemas.microsoft.com/office/powerpoint/2010/main" xmlns:mv="urn:schemas-microsoft-com:mac:vml" xmlns:mc="http://schemas.openxmlformats.org/markup-compatibility/2006" val="2990765515"/>
       </p:ext>
     </p:extLst>
   </p:cSld>
@@ -3802,7 +3802,7 @@
     </p:spTree>
     <p:extLst>
       <p:ext uri="{BB962C8B-B14F-4D97-AF65-F5344CB8AC3E}">
-        <p14:creationId xmlns:p14="http://schemas.microsoft.com/office/powerpoint/2010/main" xmlns:p="http://schemas.openxmlformats.org/presentationml/2006/main" xmlns:r="http://schemas.openxmlformats.org/officeDocument/2006/relationships" xmlns:a="http://schemas.openxmlformats.org/drawingml/2006/main" xmlns="" val="1819968272"/>
+        <p14:creationId xmlns="" xmlns:a="http://schemas.openxmlformats.org/drawingml/2006/main" xmlns:r="http://schemas.openxmlformats.org/officeDocument/2006/relationships" xmlns:p="http://schemas.openxmlformats.org/presentationml/2006/main" xmlns:p14="http://schemas.microsoft.com/office/powerpoint/2010/main" xmlns:mv="urn:schemas-microsoft-com:mac:vml" xmlns:mc="http://schemas.openxmlformats.org/markup-compatibility/2006" val="1819968272"/>
       </p:ext>
     </p:extLst>
   </p:cSld>
@@ -3992,7 +3992,7 @@
     </p:spTree>
     <p:extLst>
       <p:ext uri="{BB962C8B-B14F-4D97-AF65-F5344CB8AC3E}">
-        <p14:creationId xmlns:p14="http://schemas.microsoft.com/office/powerpoint/2010/main" xmlns:p="http://schemas.openxmlformats.org/presentationml/2006/main" xmlns:r="http://schemas.openxmlformats.org/officeDocument/2006/relationships" xmlns:a="http://schemas.openxmlformats.org/drawingml/2006/main" xmlns="" val="4246708240"/>
+        <p14:creationId xmlns="" xmlns:a="http://schemas.openxmlformats.org/drawingml/2006/main" xmlns:r="http://schemas.openxmlformats.org/officeDocument/2006/relationships" xmlns:p="http://schemas.openxmlformats.org/presentationml/2006/main" xmlns:p14="http://schemas.microsoft.com/office/powerpoint/2010/main" xmlns:mv="urn:schemas-microsoft-com:mac:vml" xmlns:mc="http://schemas.openxmlformats.org/markup-compatibility/2006" val="4246708240"/>
       </p:ext>
     </p:extLst>
   </p:cSld>
@@ -4111,7 +4111,7 @@
     </p:spTree>
     <p:extLst>
       <p:ext uri="{BB962C8B-B14F-4D97-AF65-F5344CB8AC3E}">
-        <p14:creationId xmlns:p14="http://schemas.microsoft.com/office/powerpoint/2010/main" xmlns:p="http://schemas.openxmlformats.org/presentationml/2006/main" xmlns:r="http://schemas.openxmlformats.org/officeDocument/2006/relationships" xmlns:a="http://schemas.openxmlformats.org/drawingml/2006/main" xmlns="" val="2184776519"/>
+        <p14:creationId xmlns="" xmlns:a="http://schemas.openxmlformats.org/drawingml/2006/main" xmlns:r="http://schemas.openxmlformats.org/officeDocument/2006/relationships" xmlns:p="http://schemas.openxmlformats.org/presentationml/2006/main" xmlns:p14="http://schemas.microsoft.com/office/powerpoint/2010/main" xmlns:mv="urn:schemas-microsoft-com:mac:vml" xmlns:mc="http://schemas.openxmlformats.org/markup-compatibility/2006" val="2184776519"/>
       </p:ext>
     </p:extLst>
   </p:cSld>
@@ -4262,7 +4262,7 @@
           <a:blip r:embed="rId2">
             <a:extLst>
               <a:ext uri="{28A0092B-C50C-407E-A947-70E740481C1C}">
-                <a14:useLocalDpi xmlns:a14="http://schemas.microsoft.com/office/drawing/2010/main" xmlns:p="http://schemas.openxmlformats.org/presentationml/2006/main" xmlns:r="http://schemas.openxmlformats.org/officeDocument/2006/relationships" xmlns:a="http://schemas.openxmlformats.org/drawingml/2006/main" xmlns="" val="0"/>
+                <a14:useLocalDpi xmlns="" xmlns:a="http://schemas.openxmlformats.org/drawingml/2006/main" xmlns:r="http://schemas.openxmlformats.org/officeDocument/2006/relationships" xmlns:p="http://schemas.openxmlformats.org/presentationml/2006/main" xmlns:a14="http://schemas.microsoft.com/office/drawing/2010/main" xmlns:mv="urn:schemas-microsoft-com:mac:vml" xmlns:mc="http://schemas.openxmlformats.org/markup-compatibility/2006" val="0"/>
               </a:ext>
             </a:extLst>
           </a:blip>
@@ -4283,7 +4283,7 @@
     </p:spTree>
     <p:extLst>
       <p:ext uri="{BB962C8B-B14F-4D97-AF65-F5344CB8AC3E}">
-        <p14:creationId xmlns:p14="http://schemas.microsoft.com/office/powerpoint/2010/main" xmlns:p="http://schemas.openxmlformats.org/presentationml/2006/main" xmlns:r="http://schemas.openxmlformats.org/officeDocument/2006/relationships" xmlns:a="http://schemas.openxmlformats.org/drawingml/2006/main" xmlns="" val="2330916061"/>
+        <p14:creationId xmlns="" xmlns:a="http://schemas.openxmlformats.org/drawingml/2006/main" xmlns:r="http://schemas.openxmlformats.org/officeDocument/2006/relationships" xmlns:p="http://schemas.openxmlformats.org/presentationml/2006/main" xmlns:p14="http://schemas.microsoft.com/office/powerpoint/2010/main" xmlns:mv="urn:schemas-microsoft-com:mac:vml" xmlns:mc="http://schemas.openxmlformats.org/markup-compatibility/2006" val="2330916061"/>
       </p:ext>
     </p:extLst>
   </p:cSld>
@@ -4355,7 +4355,7 @@
           <a:blip r:embed="rId2">
             <a:extLst>
               <a:ext uri="{28A0092B-C50C-407E-A947-70E740481C1C}">
-                <a14:useLocalDpi xmlns:a14="http://schemas.microsoft.com/office/drawing/2010/main" xmlns:p="http://schemas.openxmlformats.org/presentationml/2006/main" xmlns:r="http://schemas.openxmlformats.org/officeDocument/2006/relationships" xmlns:a="http://schemas.openxmlformats.org/drawingml/2006/main" xmlns="" val="0"/>
+                <a14:useLocalDpi xmlns="" xmlns:a="http://schemas.openxmlformats.org/drawingml/2006/main" xmlns:r="http://schemas.openxmlformats.org/officeDocument/2006/relationships" xmlns:p="http://schemas.openxmlformats.org/presentationml/2006/main" xmlns:a14="http://schemas.microsoft.com/office/drawing/2010/main" xmlns:mv="urn:schemas-microsoft-com:mac:vml" xmlns:mc="http://schemas.openxmlformats.org/markup-compatibility/2006" val="0"/>
               </a:ext>
             </a:extLst>
           </a:blip>
@@ -4376,7 +4376,7 @@
     </p:spTree>
     <p:extLst>
       <p:ext uri="{BB962C8B-B14F-4D97-AF65-F5344CB8AC3E}">
-        <p14:creationId xmlns:p14="http://schemas.microsoft.com/office/powerpoint/2010/main" xmlns:p="http://schemas.openxmlformats.org/presentationml/2006/main" xmlns:r="http://schemas.openxmlformats.org/officeDocument/2006/relationships" xmlns:a="http://schemas.openxmlformats.org/drawingml/2006/main" xmlns="" val="3745986714"/>
+        <p14:creationId xmlns="" xmlns:a="http://schemas.openxmlformats.org/drawingml/2006/main" xmlns:r="http://schemas.openxmlformats.org/officeDocument/2006/relationships" xmlns:p="http://schemas.openxmlformats.org/presentationml/2006/main" xmlns:p14="http://schemas.microsoft.com/office/powerpoint/2010/main" xmlns:mv="urn:schemas-microsoft-com:mac:vml" xmlns:mc="http://schemas.openxmlformats.org/markup-compatibility/2006" val="3745986714"/>
       </p:ext>
     </p:extLst>
   </p:cSld>
@@ -4567,7 +4567,7 @@
     </p:spTree>
     <p:extLst>
       <p:ext uri="{BB962C8B-B14F-4D97-AF65-F5344CB8AC3E}">
-        <p14:creationId xmlns:p14="http://schemas.microsoft.com/office/powerpoint/2010/main" xmlns:p="http://schemas.openxmlformats.org/presentationml/2006/main" xmlns:r="http://schemas.openxmlformats.org/officeDocument/2006/relationships" xmlns:a="http://schemas.openxmlformats.org/drawingml/2006/main" xmlns="" val="703293322"/>
+        <p14:creationId xmlns="" xmlns:a="http://schemas.openxmlformats.org/drawingml/2006/main" xmlns:r="http://schemas.openxmlformats.org/officeDocument/2006/relationships" xmlns:p="http://schemas.openxmlformats.org/presentationml/2006/main" xmlns:p14="http://schemas.microsoft.com/office/powerpoint/2010/main" xmlns:mv="urn:schemas-microsoft-com:mac:vml" xmlns:mc="http://schemas.openxmlformats.org/markup-compatibility/2006" val="703293322"/>
       </p:ext>
     </p:extLst>
   </p:cSld>
@@ -4729,7 +4729,7 @@
     </p:spTree>
     <p:extLst>
       <p:ext uri="{BB962C8B-B14F-4D97-AF65-F5344CB8AC3E}">
-        <p14:creationId xmlns:p14="http://schemas.microsoft.com/office/powerpoint/2010/main" xmlns:p="http://schemas.openxmlformats.org/presentationml/2006/main" xmlns:r="http://schemas.openxmlformats.org/officeDocument/2006/relationships" xmlns:a="http://schemas.openxmlformats.org/drawingml/2006/main" xmlns="" val="3137281573"/>
+        <p14:creationId xmlns="" xmlns:a="http://schemas.openxmlformats.org/drawingml/2006/main" xmlns:r="http://schemas.openxmlformats.org/officeDocument/2006/relationships" xmlns:p="http://schemas.openxmlformats.org/presentationml/2006/main" xmlns:p14="http://schemas.microsoft.com/office/powerpoint/2010/main" xmlns:mv="urn:schemas-microsoft-com:mac:vml" xmlns:mc="http://schemas.openxmlformats.org/markup-compatibility/2006" val="3137281573"/>
       </p:ext>
     </p:extLst>
   </p:cSld>
@@ -4871,7 +4871,7 @@
           <a:blip r:embed="rId2">
             <a:extLst>
               <a:ext uri="{28A0092B-C50C-407E-A947-70E740481C1C}">
-                <a14:useLocalDpi xmlns:a14="http://schemas.microsoft.com/office/drawing/2010/main" xmlns:p="http://schemas.openxmlformats.org/presentationml/2006/main" xmlns:r="http://schemas.openxmlformats.org/officeDocument/2006/relationships" xmlns:a="http://schemas.openxmlformats.org/drawingml/2006/main" xmlns="" val="0"/>
+                <a14:useLocalDpi xmlns="" xmlns:a="http://schemas.openxmlformats.org/drawingml/2006/main" xmlns:r="http://schemas.openxmlformats.org/officeDocument/2006/relationships" xmlns:p="http://schemas.openxmlformats.org/presentationml/2006/main" xmlns:a14="http://schemas.microsoft.com/office/drawing/2010/main" xmlns:mv="urn:schemas-microsoft-com:mac:vml" xmlns:mc="http://schemas.openxmlformats.org/markup-compatibility/2006" val="0"/>
               </a:ext>
             </a:extLst>
           </a:blip>
@@ -4895,14 +4895,14 @@
           <a:effectLst/>
           <a:extLst>
             <a:ext uri="{909E8E84-426E-40dd-AFC4-6F175D3DCCD1}">
-              <a14:hiddenFill xmlns:a14="http://schemas.microsoft.com/office/drawing/2010/main" xmlns:p="http://schemas.openxmlformats.org/presentationml/2006/main" xmlns:r="http://schemas.openxmlformats.org/officeDocument/2006/relationships" xmlns:a="http://schemas.openxmlformats.org/drawingml/2006/main" xmlns="">
+              <a14:hiddenFill xmlns="" xmlns:a="http://schemas.openxmlformats.org/drawingml/2006/main" xmlns:r="http://schemas.openxmlformats.org/officeDocument/2006/relationships" xmlns:p="http://schemas.openxmlformats.org/presentationml/2006/main" xmlns:a14="http://schemas.microsoft.com/office/drawing/2010/main" xmlns:mv="urn:schemas-microsoft-com:mac:vml" xmlns:mc="http://schemas.openxmlformats.org/markup-compatibility/2006">
                 <a:solidFill>
                   <a:schemeClr val="accent1"/>
                 </a:solidFill>
               </a14:hiddenFill>
             </a:ext>
             <a:ext uri="{91240B29-F687-4f45-9708-019B960494DF}">
-              <a14:hiddenLine xmlns:a14="http://schemas.microsoft.com/office/drawing/2010/main" xmlns:p="http://schemas.openxmlformats.org/presentationml/2006/main" xmlns:r="http://schemas.openxmlformats.org/officeDocument/2006/relationships" xmlns:a="http://schemas.openxmlformats.org/drawingml/2006/main" xmlns="" w="9525">
+              <a14:hiddenLine xmlns="" xmlns:a="http://schemas.openxmlformats.org/drawingml/2006/main" xmlns:r="http://schemas.openxmlformats.org/officeDocument/2006/relationships" xmlns:p="http://schemas.openxmlformats.org/presentationml/2006/main" xmlns:a14="http://schemas.microsoft.com/office/drawing/2010/main" xmlns:mv="urn:schemas-microsoft-com:mac:vml" xmlns:mc="http://schemas.openxmlformats.org/markup-compatibility/2006" w="9525">
                 <a:solidFill>
                   <a:schemeClr val="tx1"/>
                 </a:solidFill>
@@ -4912,7 +4912,7 @@
               </a14:hiddenLine>
             </a:ext>
             <a:ext uri="{AF507438-7753-43e0-B8FC-AC1667EBCBE1}">
-              <a14:hiddenEffects xmlns:a14="http://schemas.microsoft.com/office/drawing/2010/main" xmlns:p="http://schemas.openxmlformats.org/presentationml/2006/main" xmlns:r="http://schemas.openxmlformats.org/officeDocument/2006/relationships" xmlns:a="http://schemas.openxmlformats.org/drawingml/2006/main" xmlns="">
+              <a14:hiddenEffects xmlns="" xmlns:a="http://schemas.openxmlformats.org/drawingml/2006/main" xmlns:r="http://schemas.openxmlformats.org/officeDocument/2006/relationships" xmlns:p="http://schemas.openxmlformats.org/presentationml/2006/main" xmlns:a14="http://schemas.microsoft.com/office/drawing/2010/main" xmlns:mv="urn:schemas-microsoft-com:mac:vml" xmlns:mc="http://schemas.openxmlformats.org/markup-compatibility/2006">
                 <a:effectLst>
                   <a:outerShdw dist="35921" dir="2700000" algn="ctr" rotWithShape="0">
                     <a:schemeClr val="bg2"/>
@@ -4926,7 +4926,7 @@
     </p:spTree>
     <p:extLst>
       <p:ext uri="{BB962C8B-B14F-4D97-AF65-F5344CB8AC3E}">
-        <p14:creationId xmlns:p14="http://schemas.microsoft.com/office/powerpoint/2010/main" xmlns:p="http://schemas.openxmlformats.org/presentationml/2006/main" xmlns:r="http://schemas.openxmlformats.org/officeDocument/2006/relationships" xmlns:a="http://schemas.openxmlformats.org/drawingml/2006/main" xmlns="" val="1539374397"/>
+        <p14:creationId xmlns="" xmlns:a="http://schemas.openxmlformats.org/drawingml/2006/main" xmlns:r="http://schemas.openxmlformats.org/officeDocument/2006/relationships" xmlns:p="http://schemas.openxmlformats.org/presentationml/2006/main" xmlns:p14="http://schemas.microsoft.com/office/powerpoint/2010/main" xmlns:mv="urn:schemas-microsoft-com:mac:vml" xmlns:mc="http://schemas.openxmlformats.org/markup-compatibility/2006" val="1539374397"/>
       </p:ext>
     </p:extLst>
   </p:cSld>
@@ -5071,13 +5071,20 @@
     </p:spTree>
     <p:extLst>
       <p:ext uri="{BB962C8B-B14F-4D97-AF65-F5344CB8AC3E}">
-        <p14:creationId xmlns:p14="http://schemas.microsoft.com/office/powerpoint/2010/main" xmlns:p="http://schemas.openxmlformats.org/presentationml/2006/main" xmlns:r="http://schemas.openxmlformats.org/officeDocument/2006/relationships" xmlns:a="http://schemas.openxmlformats.org/drawingml/2006/main" xmlns="" val="1614482664"/>
+        <p14:creationId xmlns="" xmlns:a="http://schemas.openxmlformats.org/drawingml/2006/main" xmlns:r="http://schemas.openxmlformats.org/officeDocument/2006/relationships" xmlns:p="http://schemas.openxmlformats.org/presentationml/2006/main" xmlns:p14="http://schemas.microsoft.com/office/powerpoint/2010/main" xmlns:mv="urn:schemas-microsoft-com:mac:vml" xmlns:mc="http://schemas.openxmlformats.org/markup-compatibility/2006" val="1614482664"/>
       </p:ext>
     </p:extLst>
   </p:cSld>
   <p:clrMapOvr>
     <a:masterClrMapping/>
   </p:clrMapOvr>
+  <p:timing>
+    <p:tnLst>
+      <p:par>
+        <p:cTn id="1" dur="indefinite" restart="never" nodeType="tmRoot"/>
+      </p:par>
+    </p:tnLst>
+  </p:timing>
 </p:sld>
 </file>
 
@@ -5249,7 +5256,7 @@
     </p:spTree>
     <p:extLst>
       <p:ext uri="{BB962C8B-B14F-4D97-AF65-F5344CB8AC3E}">
-        <p14:creationId xmlns:p14="http://schemas.microsoft.com/office/powerpoint/2010/main" xmlns:p="http://schemas.openxmlformats.org/presentationml/2006/main" xmlns:r="http://schemas.openxmlformats.org/officeDocument/2006/relationships" xmlns:a="http://schemas.openxmlformats.org/drawingml/2006/main" xmlns="" val="3789203438"/>
+        <p14:creationId xmlns="" xmlns:a="http://schemas.openxmlformats.org/drawingml/2006/main" xmlns:r="http://schemas.openxmlformats.org/officeDocument/2006/relationships" xmlns:p="http://schemas.openxmlformats.org/presentationml/2006/main" xmlns:p14="http://schemas.microsoft.com/office/powerpoint/2010/main" xmlns:mv="urn:schemas-microsoft-com:mac:vml" xmlns:mc="http://schemas.openxmlformats.org/markup-compatibility/2006" val="3789203438"/>
       </p:ext>
     </p:extLst>
   </p:cSld>
@@ -5565,7 +5572,7 @@
     </p:spTree>
     <p:extLst>
       <p:ext uri="{BB962C8B-B14F-4D97-AF65-F5344CB8AC3E}">
-        <p14:creationId xmlns:p14="http://schemas.microsoft.com/office/powerpoint/2010/main" xmlns:p="http://schemas.openxmlformats.org/presentationml/2006/main" xmlns:r="http://schemas.openxmlformats.org/officeDocument/2006/relationships" xmlns:a="http://schemas.openxmlformats.org/drawingml/2006/main" xmlns="" val="3537326466"/>
+        <p14:creationId xmlns="" xmlns:a="http://schemas.openxmlformats.org/drawingml/2006/main" xmlns:r="http://schemas.openxmlformats.org/officeDocument/2006/relationships" xmlns:p="http://schemas.openxmlformats.org/presentationml/2006/main" xmlns:p14="http://schemas.microsoft.com/office/powerpoint/2010/main" xmlns:mv="urn:schemas-microsoft-com:mac:vml" xmlns:mc="http://schemas.openxmlformats.org/markup-compatibility/2006" val="3537326466"/>
       </p:ext>
     </p:extLst>
   </p:cSld>
@@ -5734,7 +5741,7 @@
     </p:spTree>
     <p:extLst>
       <p:ext uri="{BB962C8B-B14F-4D97-AF65-F5344CB8AC3E}">
-        <p14:creationId xmlns:p14="http://schemas.microsoft.com/office/powerpoint/2010/main" xmlns:p="http://schemas.openxmlformats.org/presentationml/2006/main" xmlns:r="http://schemas.openxmlformats.org/officeDocument/2006/relationships" xmlns:a="http://schemas.openxmlformats.org/drawingml/2006/main" xmlns="" val="1194156412"/>
+        <p14:creationId xmlns="" xmlns:a="http://schemas.openxmlformats.org/drawingml/2006/main" xmlns:r="http://schemas.openxmlformats.org/officeDocument/2006/relationships" xmlns:p="http://schemas.openxmlformats.org/presentationml/2006/main" xmlns:p14="http://schemas.microsoft.com/office/powerpoint/2010/main" xmlns:mv="urn:schemas-microsoft-com:mac:vml" xmlns:mc="http://schemas.openxmlformats.org/markup-compatibility/2006" val="1194156412"/>
       </p:ext>
     </p:extLst>
   </p:cSld>
@@ -5818,7 +5825,7 @@
     </p:spTree>
     <p:extLst>
       <p:ext uri="{BB962C8B-B14F-4D97-AF65-F5344CB8AC3E}">
-        <p14:creationId xmlns:p14="http://schemas.microsoft.com/office/powerpoint/2010/main" xmlns:p="http://schemas.openxmlformats.org/presentationml/2006/main" xmlns:r="http://schemas.openxmlformats.org/officeDocument/2006/relationships" xmlns:a="http://schemas.openxmlformats.org/drawingml/2006/main" xmlns="" val="1958107778"/>
+        <p14:creationId xmlns="" xmlns:a="http://schemas.openxmlformats.org/drawingml/2006/main" xmlns:r="http://schemas.openxmlformats.org/officeDocument/2006/relationships" xmlns:p="http://schemas.openxmlformats.org/presentationml/2006/main" xmlns:p14="http://schemas.microsoft.com/office/powerpoint/2010/main" xmlns:mv="urn:schemas-microsoft-com:mac:vml" xmlns:mc="http://schemas.openxmlformats.org/markup-compatibility/2006" val="1958107778"/>
       </p:ext>
     </p:extLst>
   </p:cSld>

--- a/2013-XSEDE-CDI.pptx
+++ b/2013-XSEDE-CDI.pptx
@@ -1,27 +1,38 @@
 
 <file path=ppt/presentation.xml><?xml version="1.0" encoding="utf-8"?>
-<p:presentation xmlns:a="http://schemas.openxmlformats.org/drawingml/2006/main" xmlns:r="http://schemas.openxmlformats.org/officeDocument/2006/relationships" xmlns:mc="http://schemas.openxmlformats.org/markup-compatibility/2006" xmlns:mv="urn:schemas-microsoft-com:mac:vml" xmlns:p="http://schemas.openxmlformats.org/presentationml/2006/main" mc:Ignorable="mv" mc:PreserveAttributes="mv:*" saveSubsetFonts="1">
+<p:presentation xmlns:a="http://schemas.openxmlformats.org/drawingml/2006/main" xmlns:r="http://schemas.openxmlformats.org/officeDocument/2006/relationships" xmlns:p="http://schemas.openxmlformats.org/presentationml/2006/main" saveSubsetFonts="1">
   <p:sldMasterIdLst>
     <p:sldMasterId id="2147483648" r:id="rId1"/>
   </p:sldMasterIdLst>
   <p:sldIdLst>
     <p:sldId id="256" r:id="rId2"/>
     <p:sldId id="257" r:id="rId3"/>
-    <p:sldId id="258" r:id="rId4"/>
-    <p:sldId id="289" r:id="rId5"/>
-    <p:sldId id="259" r:id="rId6"/>
-    <p:sldId id="269" r:id="rId7"/>
-    <p:sldId id="290" r:id="rId8"/>
-    <p:sldId id="271" r:id="rId9"/>
-    <p:sldId id="291" r:id="rId10"/>
-    <p:sldId id="292" r:id="rId11"/>
-    <p:sldId id="293" r:id="rId12"/>
-    <p:sldId id="294" r:id="rId13"/>
-    <p:sldId id="295" r:id="rId14"/>
-    <p:sldId id="296" r:id="rId15"/>
-    <p:sldId id="284" r:id="rId16"/>
-    <p:sldId id="297" r:id="rId17"/>
-    <p:sldId id="298" r:id="rId18"/>
+    <p:sldId id="299" r:id="rId4"/>
+    <p:sldId id="301" r:id="rId5"/>
+    <p:sldId id="300" r:id="rId6"/>
+    <p:sldId id="302" r:id="rId7"/>
+    <p:sldId id="303" r:id="rId8"/>
+    <p:sldId id="258" r:id="rId9"/>
+    <p:sldId id="259" r:id="rId10"/>
+    <p:sldId id="305" r:id="rId11"/>
+    <p:sldId id="306" r:id="rId12"/>
+    <p:sldId id="304" r:id="rId13"/>
+    <p:sldId id="307" r:id="rId14"/>
+    <p:sldId id="308" r:id="rId15"/>
+    <p:sldId id="309" r:id="rId16"/>
+    <p:sldId id="310" r:id="rId17"/>
+    <p:sldId id="269" r:id="rId18"/>
+    <p:sldId id="271" r:id="rId19"/>
+    <p:sldId id="292" r:id="rId20"/>
+    <p:sldId id="293" r:id="rId21"/>
+    <p:sldId id="294" r:id="rId22"/>
+    <p:sldId id="295" r:id="rId23"/>
+    <p:sldId id="296" r:id="rId24"/>
+    <p:sldId id="297" r:id="rId25"/>
+    <p:sldId id="311" r:id="rId26"/>
+    <p:sldId id="312" r:id="rId27"/>
+    <p:sldId id="313" r:id="rId28"/>
+    <p:sldId id="298" r:id="rId29"/>
   </p:sldIdLst>
   <p:sldSz cx="9144000" cy="6858000" type="screen4x3"/>
   <p:notesSz cx="6858000" cy="9144000"/>
@@ -154,7 +165,7 @@
 </file>
 
 <file path=ppt/slideLayouts/slideLayout1.xml><?xml version="1.0" encoding="utf-8"?>
-<p:sldLayout xmlns:a="http://schemas.openxmlformats.org/drawingml/2006/main" xmlns:r="http://schemas.openxmlformats.org/officeDocument/2006/relationships" xmlns:mc="http://schemas.openxmlformats.org/markup-compatibility/2006" xmlns:mv="urn:schemas-microsoft-com:mac:vml" xmlns:p="http://schemas.openxmlformats.org/presentationml/2006/main" mc:Ignorable="mv" mc:PreserveAttributes="mv:*" showMasterSp="0" type="title" preserve="1">
+<p:sldLayout xmlns:a="http://schemas.openxmlformats.org/drawingml/2006/main" xmlns:r="http://schemas.openxmlformats.org/officeDocument/2006/relationships" xmlns:p="http://schemas.openxmlformats.org/presentationml/2006/main" showMasterSp="0" type="title" preserve="1">
   <p:cSld name="Title Slide">
     <p:spTree>
       <p:nvGrpSpPr>
@@ -182,7 +193,7 @@
           <a:blip r:embed="rId2">
             <a:extLst>
               <a:ext uri="{28A0092B-C50C-407E-A947-70E740481C1C}">
-                <a14:useLocalDpi xmlns="" xmlns:a="http://schemas.openxmlformats.org/drawingml/2006/main" xmlns:r="http://schemas.openxmlformats.org/officeDocument/2006/relationships" xmlns:p="http://schemas.openxmlformats.org/presentationml/2006/main" xmlns:a14="http://schemas.microsoft.com/office/drawing/2010/main" xmlns:mv="urn:schemas-microsoft-com:mac:vml" xmlns:mc="http://schemas.openxmlformats.org/markup-compatibility/2006" val="0"/>
+                <a14:useLocalDpi xmlns:a14="http://schemas.microsoft.com/office/drawing/2010/main" val="0"/>
               </a:ext>
             </a:extLst>
           </a:blip>
@@ -205,14 +216,14 @@
           </a:ln>
           <a:extLst>
             <a:ext uri="{909E8E84-426E-40dd-AFC4-6F175D3DCCD1}">
-              <a14:hiddenFill xmlns="" xmlns:a="http://schemas.openxmlformats.org/drawingml/2006/main" xmlns:r="http://schemas.openxmlformats.org/officeDocument/2006/relationships" xmlns:p="http://schemas.openxmlformats.org/presentationml/2006/main" xmlns:a14="http://schemas.microsoft.com/office/drawing/2010/main" xmlns:mv="urn:schemas-microsoft-com:mac:vml" xmlns:mc="http://schemas.openxmlformats.org/markup-compatibility/2006">
+              <a14:hiddenFill xmlns:a14="http://schemas.microsoft.com/office/drawing/2010/main">
                 <a:solidFill>
                   <a:srgbClr val="FFFFFF"/>
                 </a:solidFill>
               </a14:hiddenFill>
             </a:ext>
             <a:ext uri="{91240B29-F687-4f45-9708-019B960494DF}">
-              <a14:hiddenLine xmlns="" xmlns:a="http://schemas.openxmlformats.org/drawingml/2006/main" xmlns:r="http://schemas.openxmlformats.org/officeDocument/2006/relationships" xmlns:p="http://schemas.openxmlformats.org/presentationml/2006/main" xmlns:a14="http://schemas.microsoft.com/office/drawing/2010/main" xmlns:mv="urn:schemas-microsoft-com:mac:vml" xmlns:mc="http://schemas.openxmlformats.org/markup-compatibility/2006" w="9525">
+              <a14:hiddenLine xmlns:a14="http://schemas.microsoft.com/office/drawing/2010/main" w="9525">
                 <a:solidFill>
                   <a:srgbClr val="000000"/>
                 </a:solidFill>
@@ -301,7 +312,7 @@
     </p:spTree>
     <p:extLst>
       <p:ext uri="{BB962C8B-B14F-4D97-AF65-F5344CB8AC3E}">
-        <p14:creationId xmlns="" xmlns:a="http://schemas.openxmlformats.org/drawingml/2006/main" xmlns:r="http://schemas.openxmlformats.org/officeDocument/2006/relationships" xmlns:p="http://schemas.openxmlformats.org/presentationml/2006/main" xmlns:p14="http://schemas.microsoft.com/office/powerpoint/2010/main" xmlns:mv="urn:schemas-microsoft-com:mac:vml" xmlns:mc="http://schemas.openxmlformats.org/markup-compatibility/2006" val="67712113"/>
+        <p14:creationId xmlns:p14="http://schemas.microsoft.com/office/powerpoint/2010/main" val="67712113"/>
       </p:ext>
     </p:extLst>
   </p:cSld>
@@ -312,7 +323,7 @@
 </file>
 
 <file path=ppt/slideLayouts/slideLayout10.xml><?xml version="1.0" encoding="utf-8"?>
-<p:sldLayout xmlns:a="http://schemas.openxmlformats.org/drawingml/2006/main" xmlns:r="http://schemas.openxmlformats.org/officeDocument/2006/relationships" xmlns:mc="http://schemas.openxmlformats.org/markup-compatibility/2006" xmlns:mv="urn:schemas-microsoft-com:mac:vml" xmlns:p="http://schemas.openxmlformats.org/presentationml/2006/main" mc:Ignorable="mv" mc:PreserveAttributes="mv:*" type="vertTx" preserve="1">
+<p:sldLayout xmlns:a="http://schemas.openxmlformats.org/drawingml/2006/main" xmlns:r="http://schemas.openxmlformats.org/officeDocument/2006/relationships" xmlns:p="http://schemas.openxmlformats.org/presentationml/2006/main" type="vertTx" preserve="1">
   <p:cSld name="Title and Vertical Text">
     <p:spTree>
       <p:nvGrpSpPr>
@@ -441,7 +452,7 @@
     </p:spTree>
     <p:extLst>
       <p:ext uri="{BB962C8B-B14F-4D97-AF65-F5344CB8AC3E}">
-        <p14:creationId xmlns="" xmlns:a="http://schemas.openxmlformats.org/drawingml/2006/main" xmlns:r="http://schemas.openxmlformats.org/officeDocument/2006/relationships" xmlns:p="http://schemas.openxmlformats.org/presentationml/2006/main" xmlns:p14="http://schemas.microsoft.com/office/powerpoint/2010/main" xmlns:mv="urn:schemas-microsoft-com:mac:vml" xmlns:mc="http://schemas.openxmlformats.org/markup-compatibility/2006" val="1921024505"/>
+        <p14:creationId xmlns:p14="http://schemas.microsoft.com/office/powerpoint/2010/main" val="1921024505"/>
       </p:ext>
     </p:extLst>
   </p:cSld>
@@ -452,7 +463,7 @@
 </file>
 
 <file path=ppt/slideLayouts/slideLayout11.xml><?xml version="1.0" encoding="utf-8"?>
-<p:sldLayout xmlns:a="http://schemas.openxmlformats.org/drawingml/2006/main" xmlns:r="http://schemas.openxmlformats.org/officeDocument/2006/relationships" xmlns:mc="http://schemas.openxmlformats.org/markup-compatibility/2006" xmlns:mv="urn:schemas-microsoft-com:mac:vml" xmlns:p="http://schemas.openxmlformats.org/presentationml/2006/main" mc:Ignorable="mv" mc:PreserveAttributes="mv:*" type="vertTitleAndTx" preserve="1">
+<p:sldLayout xmlns:a="http://schemas.openxmlformats.org/drawingml/2006/main" xmlns:r="http://schemas.openxmlformats.org/officeDocument/2006/relationships" xmlns:p="http://schemas.openxmlformats.org/presentationml/2006/main" type="vertTitleAndTx" preserve="1">
   <p:cSld name="Vertical Title and Text">
     <p:spTree>
       <p:nvGrpSpPr>
@@ -591,7 +602,7 @@
     </p:spTree>
     <p:extLst>
       <p:ext uri="{BB962C8B-B14F-4D97-AF65-F5344CB8AC3E}">
-        <p14:creationId xmlns="" xmlns:a="http://schemas.openxmlformats.org/drawingml/2006/main" xmlns:r="http://schemas.openxmlformats.org/officeDocument/2006/relationships" xmlns:p="http://schemas.openxmlformats.org/presentationml/2006/main" xmlns:p14="http://schemas.microsoft.com/office/powerpoint/2010/main" xmlns:mv="urn:schemas-microsoft-com:mac:vml" xmlns:mc="http://schemas.openxmlformats.org/markup-compatibility/2006" val="2214459555"/>
+        <p14:creationId xmlns:p14="http://schemas.microsoft.com/office/powerpoint/2010/main" val="2214459555"/>
       </p:ext>
     </p:extLst>
   </p:cSld>
@@ -602,7 +613,7 @@
 </file>
 
 <file path=ppt/slideLayouts/slideLayout2.xml><?xml version="1.0" encoding="utf-8"?>
-<p:sldLayout xmlns:a="http://schemas.openxmlformats.org/drawingml/2006/main" xmlns:r="http://schemas.openxmlformats.org/officeDocument/2006/relationships" xmlns:mc="http://schemas.openxmlformats.org/markup-compatibility/2006" xmlns:mv="urn:schemas-microsoft-com:mac:vml" xmlns:p="http://schemas.openxmlformats.org/presentationml/2006/main" mc:Ignorable="mv" mc:PreserveAttributes="mv:*" type="obj" preserve="1">
+<p:sldLayout xmlns:a="http://schemas.openxmlformats.org/drawingml/2006/main" xmlns:r="http://schemas.openxmlformats.org/officeDocument/2006/relationships" xmlns:p="http://schemas.openxmlformats.org/presentationml/2006/main" type="obj" preserve="1">
   <p:cSld name="Title and Content">
     <p:spTree>
       <p:nvGrpSpPr>
@@ -731,7 +742,7 @@
     </p:spTree>
     <p:extLst>
       <p:ext uri="{BB962C8B-B14F-4D97-AF65-F5344CB8AC3E}">
-        <p14:creationId xmlns="" xmlns:a="http://schemas.openxmlformats.org/drawingml/2006/main" xmlns:r="http://schemas.openxmlformats.org/officeDocument/2006/relationships" xmlns:p="http://schemas.openxmlformats.org/presentationml/2006/main" xmlns:p14="http://schemas.microsoft.com/office/powerpoint/2010/main" xmlns:mv="urn:schemas-microsoft-com:mac:vml" xmlns:mc="http://schemas.openxmlformats.org/markup-compatibility/2006" val="3770358045"/>
+        <p14:creationId xmlns:p14="http://schemas.microsoft.com/office/powerpoint/2010/main" val="3770358045"/>
       </p:ext>
     </p:extLst>
   </p:cSld>
@@ -742,7 +753,7 @@
 </file>
 
 <file path=ppt/slideLayouts/slideLayout3.xml><?xml version="1.0" encoding="utf-8"?>
-<p:sldLayout xmlns:a="http://schemas.openxmlformats.org/drawingml/2006/main" xmlns:r="http://schemas.openxmlformats.org/officeDocument/2006/relationships" xmlns:mc="http://schemas.openxmlformats.org/markup-compatibility/2006" xmlns:mv="urn:schemas-microsoft-com:mac:vml" xmlns:p="http://schemas.openxmlformats.org/presentationml/2006/main" mc:Ignorable="mv" mc:PreserveAttributes="mv:*" type="secHead" preserve="1">
+<p:sldLayout xmlns:a="http://schemas.openxmlformats.org/drawingml/2006/main" xmlns:r="http://schemas.openxmlformats.org/officeDocument/2006/relationships" xmlns:p="http://schemas.openxmlformats.org/presentationml/2006/main" type="secHead" preserve="1">
   <p:cSld name="Section Header">
     <p:spTree>
       <p:nvGrpSpPr>
@@ -893,7 +904,7 @@
     </p:spTree>
     <p:extLst>
       <p:ext uri="{BB962C8B-B14F-4D97-AF65-F5344CB8AC3E}">
-        <p14:creationId xmlns="" xmlns:a="http://schemas.openxmlformats.org/drawingml/2006/main" xmlns:r="http://schemas.openxmlformats.org/officeDocument/2006/relationships" xmlns:p="http://schemas.openxmlformats.org/presentationml/2006/main" xmlns:p14="http://schemas.microsoft.com/office/powerpoint/2010/main" xmlns:mv="urn:schemas-microsoft-com:mac:vml" xmlns:mc="http://schemas.openxmlformats.org/markup-compatibility/2006" val="1862549300"/>
+        <p14:creationId xmlns:p14="http://schemas.microsoft.com/office/powerpoint/2010/main" val="1862549300"/>
       </p:ext>
     </p:extLst>
   </p:cSld>
@@ -904,7 +915,7 @@
 </file>
 
 <file path=ppt/slideLayouts/slideLayout4.xml><?xml version="1.0" encoding="utf-8"?>
-<p:sldLayout xmlns:a="http://schemas.openxmlformats.org/drawingml/2006/main" xmlns:r="http://schemas.openxmlformats.org/officeDocument/2006/relationships" xmlns:mc="http://schemas.openxmlformats.org/markup-compatibility/2006" xmlns:mv="urn:schemas-microsoft-com:mac:vml" xmlns:p="http://schemas.openxmlformats.org/presentationml/2006/main" mc:Ignorable="mv" mc:PreserveAttributes="mv:*" type="twoObj" preserve="1">
+<p:sldLayout xmlns:a="http://schemas.openxmlformats.org/drawingml/2006/main" xmlns:r="http://schemas.openxmlformats.org/officeDocument/2006/relationships" xmlns:p="http://schemas.openxmlformats.org/presentationml/2006/main" type="twoObj" preserve="1">
   <p:cSld name="Two Content">
     <p:spTree>
       <p:nvGrpSpPr>
@@ -1151,7 +1162,7 @@
     </p:spTree>
     <p:extLst>
       <p:ext uri="{BB962C8B-B14F-4D97-AF65-F5344CB8AC3E}">
-        <p14:creationId xmlns="" xmlns:a="http://schemas.openxmlformats.org/drawingml/2006/main" xmlns:r="http://schemas.openxmlformats.org/officeDocument/2006/relationships" xmlns:p="http://schemas.openxmlformats.org/presentationml/2006/main" xmlns:p14="http://schemas.microsoft.com/office/powerpoint/2010/main" xmlns:mv="urn:schemas-microsoft-com:mac:vml" xmlns:mc="http://schemas.openxmlformats.org/markup-compatibility/2006" val="3471441873"/>
+        <p14:creationId xmlns:p14="http://schemas.microsoft.com/office/powerpoint/2010/main" val="3471441873"/>
       </p:ext>
     </p:extLst>
   </p:cSld>
@@ -1162,7 +1173,7 @@
 </file>
 
 <file path=ppt/slideLayouts/slideLayout5.xml><?xml version="1.0" encoding="utf-8"?>
-<p:sldLayout xmlns:a="http://schemas.openxmlformats.org/drawingml/2006/main" xmlns:r="http://schemas.openxmlformats.org/officeDocument/2006/relationships" xmlns:mc="http://schemas.openxmlformats.org/markup-compatibility/2006" xmlns:mv="urn:schemas-microsoft-com:mac:vml" xmlns:p="http://schemas.openxmlformats.org/presentationml/2006/main" mc:Ignorable="mv" mc:PreserveAttributes="mv:*" type="twoTxTwoObj" preserve="1">
+<p:sldLayout xmlns:a="http://schemas.openxmlformats.org/drawingml/2006/main" xmlns:r="http://schemas.openxmlformats.org/officeDocument/2006/relationships" xmlns:p="http://schemas.openxmlformats.org/presentationml/2006/main" type="twoTxTwoObj" preserve="1">
   <p:cSld name="Comparison">
     <p:spTree>
       <p:nvGrpSpPr>
@@ -1548,7 +1559,7 @@
     </p:spTree>
     <p:extLst>
       <p:ext uri="{BB962C8B-B14F-4D97-AF65-F5344CB8AC3E}">
-        <p14:creationId xmlns="" xmlns:a="http://schemas.openxmlformats.org/drawingml/2006/main" xmlns:r="http://schemas.openxmlformats.org/officeDocument/2006/relationships" xmlns:p="http://schemas.openxmlformats.org/presentationml/2006/main" xmlns:p14="http://schemas.microsoft.com/office/powerpoint/2010/main" xmlns:mv="urn:schemas-microsoft-com:mac:vml" xmlns:mc="http://schemas.openxmlformats.org/markup-compatibility/2006" val="1563413478"/>
+        <p14:creationId xmlns:p14="http://schemas.microsoft.com/office/powerpoint/2010/main" val="1563413478"/>
       </p:ext>
     </p:extLst>
   </p:cSld>
@@ -1559,7 +1570,7 @@
 </file>
 
 <file path=ppt/slideLayouts/slideLayout6.xml><?xml version="1.0" encoding="utf-8"?>
-<p:sldLayout xmlns:a="http://schemas.openxmlformats.org/drawingml/2006/main" xmlns:r="http://schemas.openxmlformats.org/officeDocument/2006/relationships" xmlns:mc="http://schemas.openxmlformats.org/markup-compatibility/2006" xmlns:mv="urn:schemas-microsoft-com:mac:vml" xmlns:p="http://schemas.openxmlformats.org/presentationml/2006/main" mc:Ignorable="mv" mc:PreserveAttributes="mv:*" type="titleOnly" preserve="1">
+<p:sldLayout xmlns:a="http://schemas.openxmlformats.org/drawingml/2006/main" xmlns:r="http://schemas.openxmlformats.org/officeDocument/2006/relationships" xmlns:p="http://schemas.openxmlformats.org/presentationml/2006/main" type="titleOnly" preserve="1">
   <p:cSld name="Title Only">
     <p:spTree>
       <p:nvGrpSpPr>
@@ -1636,7 +1647,7 @@
     </p:spTree>
     <p:extLst>
       <p:ext uri="{BB962C8B-B14F-4D97-AF65-F5344CB8AC3E}">
-        <p14:creationId xmlns="" xmlns:a="http://schemas.openxmlformats.org/drawingml/2006/main" xmlns:r="http://schemas.openxmlformats.org/officeDocument/2006/relationships" xmlns:p="http://schemas.openxmlformats.org/presentationml/2006/main" xmlns:p14="http://schemas.microsoft.com/office/powerpoint/2010/main" xmlns:mv="urn:schemas-microsoft-com:mac:vml" xmlns:mc="http://schemas.openxmlformats.org/markup-compatibility/2006" val="3370480776"/>
+        <p14:creationId xmlns:p14="http://schemas.microsoft.com/office/powerpoint/2010/main" val="3370480776"/>
       </p:ext>
     </p:extLst>
   </p:cSld>
@@ -1647,7 +1658,7 @@
 </file>
 
 <file path=ppt/slideLayouts/slideLayout7.xml><?xml version="1.0" encoding="utf-8"?>
-<p:sldLayout xmlns:a="http://schemas.openxmlformats.org/drawingml/2006/main" xmlns:r="http://schemas.openxmlformats.org/officeDocument/2006/relationships" xmlns:mc="http://schemas.openxmlformats.org/markup-compatibility/2006" xmlns:mv="urn:schemas-microsoft-com:mac:vml" xmlns:p="http://schemas.openxmlformats.org/presentationml/2006/main" mc:Ignorable="mv" mc:PreserveAttributes="mv:*" type="blank" preserve="1">
+<p:sldLayout xmlns:a="http://schemas.openxmlformats.org/drawingml/2006/main" xmlns:r="http://schemas.openxmlformats.org/officeDocument/2006/relationships" xmlns:p="http://schemas.openxmlformats.org/presentationml/2006/main" type="blank" preserve="1">
   <p:cSld name="Blank">
     <p:spTree>
       <p:nvGrpSpPr>
@@ -1701,7 +1712,7 @@
     </p:spTree>
     <p:extLst>
       <p:ext uri="{BB962C8B-B14F-4D97-AF65-F5344CB8AC3E}">
-        <p14:creationId xmlns="" xmlns:a="http://schemas.openxmlformats.org/drawingml/2006/main" xmlns:r="http://schemas.openxmlformats.org/officeDocument/2006/relationships" xmlns:p="http://schemas.openxmlformats.org/presentationml/2006/main" xmlns:p14="http://schemas.microsoft.com/office/powerpoint/2010/main" xmlns:mv="urn:schemas-microsoft-com:mac:vml" xmlns:mc="http://schemas.openxmlformats.org/markup-compatibility/2006" val="2668922964"/>
+        <p14:creationId xmlns:p14="http://schemas.microsoft.com/office/powerpoint/2010/main" val="2668922964"/>
       </p:ext>
     </p:extLst>
   </p:cSld>
@@ -1712,7 +1723,7 @@
 </file>
 
 <file path=ppt/slideLayouts/slideLayout8.xml><?xml version="1.0" encoding="utf-8"?>
-<p:sldLayout xmlns:a="http://schemas.openxmlformats.org/drawingml/2006/main" xmlns:r="http://schemas.openxmlformats.org/officeDocument/2006/relationships" xmlns:mc="http://schemas.openxmlformats.org/markup-compatibility/2006" xmlns:mv="urn:schemas-microsoft-com:mac:vml" xmlns:p="http://schemas.openxmlformats.org/presentationml/2006/main" mc:Ignorable="mv" mc:PreserveAttributes="mv:*" type="objTx" preserve="1">
+<p:sldLayout xmlns:a="http://schemas.openxmlformats.org/drawingml/2006/main" xmlns:r="http://schemas.openxmlformats.org/officeDocument/2006/relationships" xmlns:p="http://schemas.openxmlformats.org/presentationml/2006/main" type="objTx" preserve="1">
   <p:cSld name="Content with Caption">
     <p:spTree>
       <p:nvGrpSpPr>
@@ -1948,7 +1959,7 @@
     </p:spTree>
     <p:extLst>
       <p:ext uri="{BB962C8B-B14F-4D97-AF65-F5344CB8AC3E}">
-        <p14:creationId xmlns="" xmlns:a="http://schemas.openxmlformats.org/drawingml/2006/main" xmlns:r="http://schemas.openxmlformats.org/officeDocument/2006/relationships" xmlns:p="http://schemas.openxmlformats.org/presentationml/2006/main" xmlns:p14="http://schemas.microsoft.com/office/powerpoint/2010/main" xmlns:mv="urn:schemas-microsoft-com:mac:vml" xmlns:mc="http://schemas.openxmlformats.org/markup-compatibility/2006" val="1731634667"/>
+        <p14:creationId xmlns:p14="http://schemas.microsoft.com/office/powerpoint/2010/main" val="1731634667"/>
       </p:ext>
     </p:extLst>
   </p:cSld>
@@ -1959,7 +1970,7 @@
 </file>
 
 <file path=ppt/slideLayouts/slideLayout9.xml><?xml version="1.0" encoding="utf-8"?>
-<p:sldLayout xmlns:a="http://schemas.openxmlformats.org/drawingml/2006/main" xmlns:r="http://schemas.openxmlformats.org/officeDocument/2006/relationships" xmlns:mc="http://schemas.openxmlformats.org/markup-compatibility/2006" xmlns:mv="urn:schemas-microsoft-com:mac:vml" xmlns:p="http://schemas.openxmlformats.org/presentationml/2006/main" mc:Ignorable="mv" mc:PreserveAttributes="mv:*" type="picTx" preserve="1">
+<p:sldLayout xmlns:a="http://schemas.openxmlformats.org/drawingml/2006/main" xmlns:r="http://schemas.openxmlformats.org/officeDocument/2006/relationships" xmlns:p="http://schemas.openxmlformats.org/presentationml/2006/main" type="picTx" preserve="1">
   <p:cSld name="Picture with Caption">
     <p:spTree>
       <p:nvGrpSpPr>
@@ -2175,7 +2186,7 @@
     </p:spTree>
     <p:extLst>
       <p:ext uri="{BB962C8B-B14F-4D97-AF65-F5344CB8AC3E}">
-        <p14:creationId xmlns="" xmlns:a="http://schemas.openxmlformats.org/drawingml/2006/main" xmlns:r="http://schemas.openxmlformats.org/officeDocument/2006/relationships" xmlns:p="http://schemas.openxmlformats.org/presentationml/2006/main" xmlns:p14="http://schemas.microsoft.com/office/powerpoint/2010/main" xmlns:mv="urn:schemas-microsoft-com:mac:vml" xmlns:mc="http://schemas.openxmlformats.org/markup-compatibility/2006" val="2345041706"/>
+        <p14:creationId xmlns:p14="http://schemas.microsoft.com/office/powerpoint/2010/main" val="2345041706"/>
       </p:ext>
     </p:extLst>
   </p:cSld>
@@ -2186,7 +2197,7 @@
 </file>
 
 <file path=ppt/slideMasters/slideMaster1.xml><?xml version="1.0" encoding="utf-8"?>
-<p:sldMaster xmlns:a="http://schemas.openxmlformats.org/drawingml/2006/main" xmlns:r="http://schemas.openxmlformats.org/officeDocument/2006/relationships" xmlns:mc="http://schemas.openxmlformats.org/markup-compatibility/2006" xmlns:mv="urn:schemas-microsoft-com:mac:vml" xmlns:p="http://schemas.openxmlformats.org/presentationml/2006/main" mc:Ignorable="mv" mc:PreserveAttributes="mv:*">
+<p:sldMaster xmlns:a="http://schemas.openxmlformats.org/drawingml/2006/main" xmlns:r="http://schemas.openxmlformats.org/officeDocument/2006/relationships" xmlns:p="http://schemas.openxmlformats.org/presentationml/2006/main">
   <p:cSld>
     <p:bg>
       <p:bgPr>
@@ -2234,14 +2245,14 @@
           </a:ln>
           <a:extLst>
             <a:ext uri="{909E8E84-426E-40dd-AFC4-6F175D3DCCD1}">
-              <a14:hiddenFill xmlns="" xmlns:a="http://schemas.openxmlformats.org/drawingml/2006/main" xmlns:r="http://schemas.openxmlformats.org/officeDocument/2006/relationships" xmlns:p="http://schemas.openxmlformats.org/presentationml/2006/main" xmlns:a14="http://schemas.microsoft.com/office/drawing/2010/main" xmlns:mv="urn:schemas-microsoft-com:mac:vml" xmlns:mc="http://schemas.openxmlformats.org/markup-compatibility/2006">
+              <a14:hiddenFill xmlns:a14="http://schemas.microsoft.com/office/drawing/2010/main">
                 <a:solidFill>
                   <a:srgbClr val="FFFFFF"/>
                 </a:solidFill>
               </a14:hiddenFill>
             </a:ext>
             <a:ext uri="{91240B29-F687-4f45-9708-019B960494DF}">
-              <a14:hiddenLine xmlns="" xmlns:a="http://schemas.openxmlformats.org/drawingml/2006/main" xmlns:r="http://schemas.openxmlformats.org/officeDocument/2006/relationships" xmlns:p="http://schemas.openxmlformats.org/presentationml/2006/main" xmlns:a14="http://schemas.microsoft.com/office/drawing/2010/main" xmlns:mv="urn:schemas-microsoft-com:mac:vml" xmlns:mc="http://schemas.openxmlformats.org/markup-compatibility/2006" w="9525">
+              <a14:hiddenLine xmlns:a14="http://schemas.microsoft.com/office/drawing/2010/main" w="9525">
                 <a:solidFill>
                   <a:srgbClr val="000000"/>
                 </a:solidFill>
@@ -2292,14 +2303,14 @@
           </a:ln>
           <a:extLst>
             <a:ext uri="{909E8E84-426E-40dd-AFC4-6F175D3DCCD1}">
-              <a14:hiddenFill xmlns="" xmlns:a="http://schemas.openxmlformats.org/drawingml/2006/main" xmlns:r="http://schemas.openxmlformats.org/officeDocument/2006/relationships" xmlns:p="http://schemas.openxmlformats.org/presentationml/2006/main" xmlns:a14="http://schemas.microsoft.com/office/drawing/2010/main" xmlns:mv="urn:schemas-microsoft-com:mac:vml" xmlns:mc="http://schemas.openxmlformats.org/markup-compatibility/2006">
+              <a14:hiddenFill xmlns:a14="http://schemas.microsoft.com/office/drawing/2010/main">
                 <a:solidFill>
                   <a:srgbClr val="FFFFFF"/>
                 </a:solidFill>
               </a14:hiddenFill>
             </a:ext>
             <a:ext uri="{91240B29-F687-4f45-9708-019B960494DF}">
-              <a14:hiddenLine xmlns="" xmlns:a="http://schemas.openxmlformats.org/drawingml/2006/main" xmlns:r="http://schemas.openxmlformats.org/officeDocument/2006/relationships" xmlns:p="http://schemas.openxmlformats.org/presentationml/2006/main" xmlns:a14="http://schemas.microsoft.com/office/drawing/2010/main" xmlns:mv="urn:schemas-microsoft-com:mac:vml" xmlns:mc="http://schemas.openxmlformats.org/markup-compatibility/2006" w="9525">
+              <a14:hiddenLine xmlns:a14="http://schemas.microsoft.com/office/drawing/2010/main" w="9525">
                 <a:solidFill>
                   <a:srgbClr val="000000"/>
                 </a:solidFill>
@@ -2423,7 +2434,7 @@
           <a:blip r:embed="rId13">
             <a:extLst>
               <a:ext uri="{28A0092B-C50C-407E-A947-70E740481C1C}">
-                <a14:useLocalDpi xmlns="" xmlns:a="http://schemas.openxmlformats.org/drawingml/2006/main" xmlns:r="http://schemas.openxmlformats.org/officeDocument/2006/relationships" xmlns:p="http://schemas.openxmlformats.org/presentationml/2006/main" xmlns:a14="http://schemas.microsoft.com/office/drawing/2010/main" xmlns:mv="urn:schemas-microsoft-com:mac:vml" xmlns:mc="http://schemas.openxmlformats.org/markup-compatibility/2006" val="0"/>
+                <a14:useLocalDpi xmlns:a14="http://schemas.microsoft.com/office/drawing/2010/main" val="0"/>
               </a:ext>
             </a:extLst>
           </a:blip>
@@ -2446,14 +2457,14 @@
           </a:ln>
           <a:extLst>
             <a:ext uri="{909E8E84-426E-40dd-AFC4-6F175D3DCCD1}">
-              <a14:hiddenFill xmlns="" xmlns:a="http://schemas.openxmlformats.org/drawingml/2006/main" xmlns:r="http://schemas.openxmlformats.org/officeDocument/2006/relationships" xmlns:p="http://schemas.openxmlformats.org/presentationml/2006/main" xmlns:a14="http://schemas.microsoft.com/office/drawing/2010/main" xmlns:mv="urn:schemas-microsoft-com:mac:vml" xmlns:mc="http://schemas.openxmlformats.org/markup-compatibility/2006">
+              <a14:hiddenFill xmlns:a14="http://schemas.microsoft.com/office/drawing/2010/main">
                 <a:solidFill>
                   <a:srgbClr val="FFFFFF"/>
                 </a:solidFill>
               </a14:hiddenFill>
             </a:ext>
             <a:ext uri="{91240B29-F687-4f45-9708-019B960494DF}">
-              <a14:hiddenLine xmlns="" xmlns:a="http://schemas.openxmlformats.org/drawingml/2006/main" xmlns:r="http://schemas.openxmlformats.org/officeDocument/2006/relationships" xmlns:p="http://schemas.openxmlformats.org/presentationml/2006/main" xmlns:a14="http://schemas.microsoft.com/office/drawing/2010/main" xmlns:mv="urn:schemas-microsoft-com:mac:vml" xmlns:mc="http://schemas.openxmlformats.org/markup-compatibility/2006" w="9525">
+              <a14:hiddenLine xmlns:a14="http://schemas.microsoft.com/office/drawing/2010/main" w="9525">
                 <a:solidFill>
                   <a:srgbClr val="000000"/>
                 </a:solidFill>
@@ -2934,7 +2945,7 @@
 </file>
 
 <file path=ppt/slides/slide1.xml><?xml version="1.0" encoding="utf-8"?>
-<p:sld xmlns:a="http://schemas.openxmlformats.org/drawingml/2006/main" xmlns:r="http://schemas.openxmlformats.org/officeDocument/2006/relationships" xmlns:mc="http://schemas.openxmlformats.org/markup-compatibility/2006" xmlns:mv="urn:schemas-microsoft-com:mac:vml" xmlns:p="http://schemas.openxmlformats.org/presentationml/2006/main" mc:Ignorable="mv" mc:PreserveAttributes="mv:*">
+<p:sld xmlns:a="http://schemas.openxmlformats.org/drawingml/2006/main" xmlns:r="http://schemas.openxmlformats.org/officeDocument/2006/relationships" xmlns:p="http://schemas.openxmlformats.org/presentationml/2006/main">
   <p:cSld>
     <p:spTree>
       <p:nvGrpSpPr>
@@ -2990,7 +3001,55 @@
           <a:p>
             <a:r>
               <a:rPr lang="en-US" dirty="0" smtClean="0"/>
-              <a:t>Melissa Romanus, Ole Weidner, </a:t>
+              <a:t>Brian K. </a:t>
+            </a:r>
+            <a:r>
+              <a:rPr lang="en-US" dirty="0" err="1" smtClean="0"/>
+              <a:t>Radak</a:t>
+            </a:r>
+            <a:r>
+              <a:rPr lang="en-US" dirty="0" smtClean="0"/>
+              <a:t>, </a:t>
+            </a:r>
+            <a:r>
+              <a:rPr lang="en-US" b="1" dirty="0" smtClean="0"/>
+              <a:t>Melissa </a:t>
+            </a:r>
+            <a:r>
+              <a:rPr lang="en-US" b="1" dirty="0" smtClean="0"/>
+              <a:t>Romanus</a:t>
+            </a:r>
+            <a:r>
+              <a:rPr lang="en-US" dirty="0" smtClean="0"/>
+              <a:t>, </a:t>
+            </a:r>
+            <a:r>
+              <a:rPr lang="en-US" dirty="0" smtClean="0"/>
+              <a:t>Emilio </a:t>
+            </a:r>
+            <a:r>
+              <a:rPr lang="en-US" dirty="0" err="1" smtClean="0"/>
+              <a:t>Gallicchio</a:t>
+            </a:r>
+            <a:r>
+              <a:rPr lang="en-US" dirty="0" smtClean="0"/>
+              <a:t>, Tai-Sung Lee, Ole Weidner, Nan-</a:t>
+            </a:r>
+            <a:r>
+              <a:rPr lang="en-US" dirty="0" err="1" smtClean="0"/>
+              <a:t>Jie</a:t>
+            </a:r>
+            <a:r>
+              <a:rPr lang="en-US" dirty="0" smtClean="0"/>
+              <a:t> Deng, </a:t>
+            </a:r>
+            <a:r>
+              <a:rPr lang="en-US" dirty="0" err="1" smtClean="0"/>
+              <a:t>Peng</a:t>
+            </a:r>
+            <a:r>
+              <a:rPr lang="en-US" dirty="0" smtClean="0"/>
+              <a:t> He, Wei Dai, Darrin York, Ronald Levy, </a:t>
             </a:r>
             <a:r>
               <a:rPr lang="en-US" dirty="0" err="1" smtClean="0"/>
@@ -3004,42 +3063,7 @@
               <a:rPr lang="en-US" dirty="0" err="1" smtClean="0"/>
               <a:t>Jha</a:t>
             </a:r>
-            <a:r>
-              <a:rPr lang="en-US" dirty="0" smtClean="0"/>
-              <a:t>, Brian K. </a:t>
-            </a:r>
-            <a:r>
-              <a:rPr lang="en-US" dirty="0" err="1" smtClean="0"/>
-              <a:t>Radak</a:t>
-            </a:r>
-            <a:r>
-              <a:rPr lang="en-US" dirty="0" smtClean="0"/>
-              <a:t>, Emilio </a:t>
-            </a:r>
-            <a:r>
-              <a:rPr lang="en-US" dirty="0" err="1" smtClean="0"/>
-              <a:t>Gallicchio</a:t>
-            </a:r>
-            <a:r>
-              <a:rPr lang="en-US" dirty="0" smtClean="0"/>
-              <a:t>, Tai-Sung Lee, Darrin M. York, </a:t>
-            </a:r>
-            <a:r>
-              <a:rPr lang="en-US" dirty="0" err="1" smtClean="0"/>
-              <a:t>Peng</a:t>
-            </a:r>
-            <a:r>
-              <a:rPr lang="en-US" dirty="0" smtClean="0"/>
-              <a:t> He, Nan-</a:t>
-            </a:r>
-            <a:r>
-              <a:rPr lang="en-US" dirty="0" err="1" smtClean="0"/>
-              <a:t>Jie</a:t>
-            </a:r>
-            <a:r>
-              <a:rPr lang="en-US" dirty="0" smtClean="0"/>
-              <a:t> Deng, Wei Dai, Ronald M. Levy</a:t>
-            </a:r>
+            <a:endParaRPr lang="en-US" dirty="0" smtClean="0"/>
           </a:p>
         </p:txBody>
       </p:sp>
@@ -3051,7 +3075,7 @@
   <p:timing>
     <p:tnLst>
       <p:par>
-        <p:cTn id="1" dur="indefinite" restart="never" nodeType="tmRoot"/>
+        <p:cTn xmlns:p14="http://schemas.microsoft.com/office/powerpoint/2010/main" id="1" dur="indefinite" restart="never" nodeType="tmRoot"/>
       </p:par>
     </p:tnLst>
   </p:timing>
@@ -3059,7 +3083,7 @@
 </file>
 
 <file path=ppt/slides/slide10.xml><?xml version="1.0" encoding="utf-8"?>
-<p:sld xmlns:a="http://schemas.openxmlformats.org/drawingml/2006/main" xmlns:r="http://schemas.openxmlformats.org/officeDocument/2006/relationships" xmlns:mc="http://schemas.openxmlformats.org/markup-compatibility/2006" xmlns:mv="urn:schemas-microsoft-com:mac:vml" xmlns:p="http://schemas.openxmlformats.org/presentationml/2006/main" mc:Ignorable="mv" mc:PreserveAttributes="mv:*">
+<p:sld xmlns:a="http://schemas.openxmlformats.org/drawingml/2006/main" xmlns:r="http://schemas.openxmlformats.org/officeDocument/2006/relationships" xmlns:p="http://schemas.openxmlformats.org/presentationml/2006/main">
   <p:cSld>
     <p:spTree>
       <p:nvGrpSpPr>
@@ -3092,7 +3116,7 @@
           <a:p>
             <a:r>
               <a:rPr lang="en-US" dirty="0" smtClean="0"/>
-              <a:t>Let’s Talk Pilots</a:t>
+              <a:t>Job and Data Management using Pilots</a:t>
             </a:r>
             <a:endParaRPr lang="en-US" dirty="0"/>
           </a:p>
@@ -3108,44 +3132,141 @@
             <p:ph idx="1"/>
           </p:nvPr>
         </p:nvSpPr>
-        <p:spPr>
-          <a:xfrm>
-            <a:off x="688895" y="1545523"/>
-            <a:ext cx="8229600" cy="4533900"/>
-          </a:xfrm>
-        </p:spPr>
+        <p:spPr/>
         <p:txBody>
           <a:bodyPr/>
           <a:lstStyle/>
           <a:p>
             <a:r>
-              <a:rPr lang="en-US" sz="2400" dirty="0" smtClean="0"/>
-              <a:t>IMPACT (Systems 1 and 2): Fixed Pilot Size, fixed Pilot runtime, and varying number of replicas in proportion to the number of cores per replica</a:t>
-            </a:r>
-          </a:p>
-          <a:p>
-            <a:pPr marL="0" indent="0">
-              <a:buNone/>
-            </a:pPr>
-            <a:endParaRPr lang="en-US" sz="2400" dirty="0" smtClean="0"/>
-          </a:p>
-          <a:p>
-            <a:r>
-              <a:rPr lang="en-US" sz="2400" dirty="0" smtClean="0"/>
-              <a:t>AMBER (System 3): Fixed Pilot Size, approx. fixed cycle length (in CPU time) while varying the number of concurrent jobs (i.e. the number of cores per job) and the simulation time of each cycle</a:t>
-            </a:r>
-          </a:p>
-          <a:p>
-            <a:pPr marL="0" indent="0">
-              <a:buNone/>
-            </a:pPr>
-            <a:endParaRPr lang="en-US" sz="2400" dirty="0" smtClean="0"/>
-          </a:p>
-          <a:p>
-            <a:r>
-              <a:rPr lang="en-US" sz="2400" dirty="0" smtClean="0"/>
-              <a:t>AMBER (System 4): Fixed replica count (192) while varying Pilot size</a:t>
-            </a:r>
+              <a:rPr lang="en-US" dirty="0" smtClean="0"/>
+              <a:t>Job </a:t>
+            </a:r>
+            <a:r>
+              <a:rPr lang="en-US" dirty="0"/>
+              <a:t>launching and monitoring occurs through the use of </a:t>
+            </a:r>
+            <a:r>
+              <a:rPr lang="en-US" dirty="0" err="1" smtClean="0"/>
+              <a:t>BigJob</a:t>
+            </a:r>
+            <a:r>
+              <a:rPr lang="en-US" dirty="0"/>
+              <a:t> (</a:t>
+            </a:r>
+            <a:r>
+              <a:rPr lang="en-US" dirty="0">
+                <a:hlinkClick r:id="rId2"/>
+              </a:rPr>
+              <a:t>http://saga-project.github.io/BigJob</a:t>
+            </a:r>
+            <a:r>
+              <a:rPr lang="en-US" dirty="0" smtClean="0">
+                <a:hlinkClick r:id="rId2"/>
+              </a:rPr>
+              <a:t>/</a:t>
+            </a:r>
+            <a:r>
+              <a:rPr lang="en-US" dirty="0" smtClean="0"/>
+              <a:t>)</a:t>
+            </a:r>
+          </a:p>
+          <a:p>
+            <a:pPr lvl="1"/>
+            <a:r>
+              <a:rPr lang="en-US" dirty="0" smtClean="0"/>
+              <a:t>Flexible, extensible Pilot-Job system</a:t>
+            </a:r>
+          </a:p>
+          <a:p>
+            <a:pPr lvl="1"/>
+            <a:r>
+              <a:rPr lang="en-US" dirty="0" smtClean="0"/>
+              <a:t>Pilot-Jobs allow you to submit a “container” job to a batch queue; i.e. 100 tasks does not require 100 separate jobs to the queue – submit 1 job with space for 100 tasks and allow </a:t>
+            </a:r>
+            <a:r>
+              <a:rPr lang="en-US" dirty="0" err="1" smtClean="0"/>
+              <a:t>BigJob</a:t>
+            </a:r>
+            <a:r>
+              <a:rPr lang="en-US" dirty="0" smtClean="0"/>
+              <a:t> to manage</a:t>
+            </a:r>
+          </a:p>
+          <a:p>
+            <a:pPr lvl="1"/>
+            <a:r>
+              <a:rPr lang="en-US" dirty="0" err="1" smtClean="0"/>
+              <a:t>BigJob</a:t>
+            </a:r>
+            <a:r>
+              <a:rPr lang="en-US" dirty="0" smtClean="0"/>
+              <a:t> is built upon SAGA (Simple API for Grid Applications) – an “access layer” for Distributed Computing Infrastructure</a:t>
+            </a:r>
+          </a:p>
+          <a:p>
+            <a:pPr lvl="2"/>
+            <a:r>
+              <a:rPr lang="en-US" dirty="0" smtClean="0"/>
+              <a:t>SAGA is an OGF standard</a:t>
+            </a:r>
+          </a:p>
+          <a:p>
+            <a:pPr lvl="2"/>
+            <a:r>
+              <a:rPr lang="en-US" dirty="0" smtClean="0"/>
+              <a:t>Particular implementation of SAGA by RADICAL group: saga-python (</a:t>
+            </a:r>
+            <a:r>
+              <a:rPr lang="en-US" dirty="0">
+                <a:hlinkClick r:id="rId2"/>
+              </a:rPr>
+              <a:t>http://saga-project.github.io</a:t>
+            </a:r>
+            <a:r>
+              <a:rPr lang="en-US" dirty="0" smtClean="0">
+                <a:hlinkClick r:id="rId2"/>
+              </a:rPr>
+              <a:t>/saga-python/</a:t>
+            </a:r>
+            <a:r>
+              <a:rPr lang="en-US" dirty="0"/>
+              <a:t>)</a:t>
+            </a:r>
+            <a:endParaRPr lang="en-US" dirty="0" smtClean="0"/>
+          </a:p>
+          <a:p>
+            <a:pPr lvl="3"/>
+            <a:r>
+              <a:rPr lang="en-US" dirty="0" smtClean="0"/>
+              <a:t>Write code in a well-defined API and be able to access different middleware and operating systems</a:t>
+            </a:r>
+          </a:p>
+          <a:p>
+            <a:pPr lvl="4"/>
+            <a:r>
+              <a:rPr lang="en-US" dirty="0" smtClean="0"/>
+              <a:t>Use same job description to submit to PBS or SLURM or Clouds</a:t>
+            </a:r>
+          </a:p>
+          <a:p>
+            <a:r>
+              <a:rPr lang="en-US" dirty="0" err="1" smtClean="0"/>
+              <a:t>BigJob</a:t>
+            </a:r>
+            <a:r>
+              <a:rPr lang="en-US" dirty="0" smtClean="0"/>
+              <a:t> is an open-source python module</a:t>
+            </a:r>
+          </a:p>
+          <a:p>
+            <a:pPr lvl="1"/>
+            <a:r>
+              <a:rPr lang="en-US" dirty="0" smtClean="0"/>
+              <a:t>Can be used as an underlying “framework” to develop more advanced applications</a:t>
+            </a:r>
+          </a:p>
+          <a:p>
+            <a:pPr lvl="1"/>
             <a:endParaRPr lang="en-US" dirty="0" smtClean="0"/>
           </a:p>
         </p:txBody>
@@ -3153,7 +3274,1310 @@
     </p:spTree>
     <p:extLst>
       <p:ext uri="{BB962C8B-B14F-4D97-AF65-F5344CB8AC3E}">
-        <p14:creationId xmlns="" xmlns:a="http://schemas.openxmlformats.org/drawingml/2006/main" xmlns:r="http://schemas.openxmlformats.org/officeDocument/2006/relationships" xmlns:p="http://schemas.openxmlformats.org/presentationml/2006/main" xmlns:p14="http://schemas.microsoft.com/office/powerpoint/2010/main" xmlns:mv="urn:schemas-microsoft-com:mac:vml" xmlns:mc="http://schemas.openxmlformats.org/markup-compatibility/2006" val="4198014329"/>
+        <p14:creationId xmlns:p14="http://schemas.microsoft.com/office/powerpoint/2010/main" val="1466901342"/>
+      </p:ext>
+    </p:extLst>
+  </p:cSld>
+  <p:clrMapOvr>
+    <a:masterClrMapping/>
+  </p:clrMapOvr>
+</p:sld>
+</file>
+
+<file path=ppt/slides/slide11.xml><?xml version="1.0" encoding="utf-8"?>
+<p:sld xmlns:a="http://schemas.openxmlformats.org/drawingml/2006/main" xmlns:r="http://schemas.openxmlformats.org/officeDocument/2006/relationships" xmlns:p="http://schemas.openxmlformats.org/presentationml/2006/main">
+  <p:cSld>
+    <p:spTree>
+      <p:nvGrpSpPr>
+        <p:cNvPr id="1" name=""/>
+        <p:cNvGrpSpPr/>
+        <p:nvPr/>
+      </p:nvGrpSpPr>
+      <p:grpSpPr>
+        <a:xfrm>
+          <a:off x="0" y="0"/>
+          <a:ext cx="0" cy="0"/>
+          <a:chOff x="0" y="0"/>
+          <a:chExt cx="0" cy="0"/>
+        </a:xfrm>
+      </p:grpSpPr>
+      <p:sp>
+        <p:nvSpPr>
+          <p:cNvPr id="2" name="Title 1"/>
+          <p:cNvSpPr>
+            <a:spLocks noGrp="1"/>
+          </p:cNvSpPr>
+          <p:nvPr>
+            <p:ph type="title"/>
+          </p:nvPr>
+        </p:nvSpPr>
+        <p:spPr/>
+        <p:txBody>
+          <a:bodyPr/>
+          <a:lstStyle/>
+          <a:p>
+            <a:r>
+              <a:rPr lang="en-US" dirty="0" err="1"/>
+              <a:t>AsyncRE</a:t>
+            </a:r>
+            <a:r>
+              <a:rPr lang="en-US" dirty="0"/>
+              <a:t>: Python Utility for File-Based</a:t>
+            </a:r>
+            <a:br>
+              <a:rPr lang="en-US" dirty="0"/>
+            </a:br>
+            <a:r>
+              <a:rPr lang="en-US" dirty="0"/>
+              <a:t>Asynchronous RE</a:t>
+            </a:r>
+            <a:endParaRPr lang="en-US" dirty="0"/>
+          </a:p>
+        </p:txBody>
+      </p:sp>
+      <p:sp>
+        <p:nvSpPr>
+          <p:cNvPr id="7" name="Content Placeholder 6"/>
+          <p:cNvSpPr>
+            <a:spLocks noGrp="1"/>
+          </p:cNvSpPr>
+          <p:nvPr>
+            <p:ph idx="1"/>
+          </p:nvPr>
+        </p:nvSpPr>
+        <p:spPr/>
+        <p:txBody>
+          <a:bodyPr/>
+          <a:lstStyle/>
+          <a:p>
+            <a:r>
+              <a:rPr lang="en-US" dirty="0"/>
+              <a:t>Main architecture:</a:t>
+            </a:r>
+          </a:p>
+          <a:p>
+            <a:pPr lvl="1"/>
+            <a:r>
+              <a:rPr lang="en-US" dirty="0" smtClean="0"/>
+              <a:t>Replicas </a:t>
+            </a:r>
+            <a:r>
+              <a:rPr lang="en-US" dirty="0"/>
+              <a:t>are prepared in individual directories (r1, …, </a:t>
+            </a:r>
+            <a:r>
+              <a:rPr lang="en-US" dirty="0" err="1"/>
+              <a:t>rM</a:t>
+            </a:r>
+            <a:r>
+              <a:rPr lang="en-US" dirty="0"/>
+              <a:t>)) </a:t>
+            </a:r>
+            <a:r>
+              <a:rPr lang="en-US" dirty="0" smtClean="0"/>
+              <a:t>starting from </a:t>
+            </a:r>
+            <a:r>
+              <a:rPr lang="en-US" dirty="0"/>
+              <a:t>template input files, or similar.</a:t>
+            </a:r>
+          </a:p>
+          <a:p>
+            <a:pPr lvl="1"/>
+            <a:r>
+              <a:rPr lang="en-US" dirty="0" smtClean="0"/>
+              <a:t>A </a:t>
+            </a:r>
+            <a:r>
+              <a:rPr lang="en-US" dirty="0"/>
+              <a:t>subset of replicas is launched via </a:t>
+            </a:r>
+            <a:r>
+              <a:rPr lang="en-US" dirty="0" err="1"/>
+              <a:t>BigJob</a:t>
+            </a:r>
+            <a:r>
+              <a:rPr lang="en-US" dirty="0"/>
+              <a:t>. They enter </a:t>
+            </a:r>
+            <a:r>
+              <a:rPr lang="en-US" dirty="0" smtClean="0"/>
+              <a:t>running “</a:t>
+            </a:r>
+            <a:r>
+              <a:rPr lang="en-US" dirty="0"/>
+              <a:t>R” </a:t>
+            </a:r>
+            <a:r>
+              <a:rPr lang="en-US" dirty="0" smtClean="0"/>
+              <a:t>state.</a:t>
+            </a:r>
+          </a:p>
+          <a:p>
+            <a:pPr lvl="1"/>
+            <a:r>
+              <a:rPr lang="en-US" dirty="0" smtClean="0"/>
+              <a:t>When </a:t>
+            </a:r>
+            <a:r>
+              <a:rPr lang="en-US" dirty="0"/>
+              <a:t>a replica completes a run it enters a "W" (wait) </a:t>
+            </a:r>
+            <a:r>
+              <a:rPr lang="en-US" dirty="0" smtClean="0"/>
+              <a:t>state.</a:t>
+            </a:r>
+          </a:p>
+          <a:p>
+            <a:pPr lvl="1"/>
+            <a:r>
+              <a:rPr lang="en-US" dirty="0" smtClean="0"/>
+              <a:t>Exchanges </a:t>
+            </a:r>
+            <a:r>
+              <a:rPr lang="en-US" dirty="0"/>
+              <a:t>of thermodynamic parameters are conducted by </a:t>
+            </a:r>
+            <a:r>
+              <a:rPr lang="en-US" dirty="0" smtClean="0"/>
+              <a:t>Gibbs sampling </a:t>
+            </a:r>
+            <a:r>
+              <a:rPr lang="en-US" dirty="0"/>
+              <a:t>among waiting </a:t>
+            </a:r>
+            <a:r>
+              <a:rPr lang="en-US" dirty="0" smtClean="0"/>
+              <a:t>replicas</a:t>
+            </a:r>
+          </a:p>
+          <a:p>
+            <a:pPr lvl="1"/>
+            <a:r>
+              <a:rPr lang="en-US" dirty="0" smtClean="0"/>
+              <a:t>Cycle </a:t>
+            </a:r>
+            <a:r>
+              <a:rPr lang="en-US" dirty="0"/>
+              <a:t>is repeated</a:t>
+            </a:r>
+            <a:r>
+              <a:rPr lang="en-US" dirty="0" smtClean="0"/>
+              <a:t>.</a:t>
+            </a:r>
+          </a:p>
+          <a:p>
+            <a:pPr lvl="1"/>
+            <a:endParaRPr lang="en-US" dirty="0"/>
+          </a:p>
+          <a:p>
+            <a:pPr lvl="1"/>
+            <a:r>
+              <a:rPr lang="en-US" dirty="0" smtClean="0"/>
+              <a:t>Detection </a:t>
+            </a:r>
+            <a:r>
+              <a:rPr lang="en-US" dirty="0"/>
+              <a:t>of failed replicas: automatically resubmitted.</a:t>
+            </a:r>
+          </a:p>
+          <a:p>
+            <a:pPr lvl="1"/>
+            <a:r>
+              <a:rPr lang="en-US" dirty="0" err="1" smtClean="0"/>
+              <a:t>Checkpointing</a:t>
+            </a:r>
+            <a:r>
+              <a:rPr lang="en-US" dirty="0" smtClean="0"/>
+              <a:t> </a:t>
+            </a:r>
+            <a:r>
+              <a:rPr lang="en-US" dirty="0"/>
+              <a:t>and </a:t>
+            </a:r>
+            <a:r>
+              <a:rPr lang="en-US" dirty="0" smtClean="0"/>
+              <a:t>restart.</a:t>
+            </a:r>
+          </a:p>
+          <a:p>
+            <a:pPr lvl="1"/>
+            <a:r>
+              <a:rPr lang="en-US" dirty="0" smtClean="0"/>
+              <a:t>Resilient </a:t>
+            </a:r>
+            <a:r>
+              <a:rPr lang="en-US" dirty="0"/>
+              <a:t>execution (i.e. file system errors)</a:t>
+            </a:r>
+            <a:r>
+              <a:rPr lang="en-US" dirty="0" smtClean="0"/>
+              <a:t>.</a:t>
+            </a:r>
+          </a:p>
+          <a:p>
+            <a:pPr lvl="1"/>
+            <a:r>
+              <a:rPr lang="en-US" dirty="0" smtClean="0"/>
+              <a:t>Run </a:t>
+            </a:r>
+            <a:r>
+              <a:rPr lang="en-US" dirty="0"/>
+              <a:t>and “forget”</a:t>
+            </a:r>
+            <a:endParaRPr lang="en-US" dirty="0"/>
+          </a:p>
+        </p:txBody>
+      </p:sp>
+      <p:cxnSp>
+        <p:nvCxnSpPr>
+          <p:cNvPr id="22" name="Straight Arrow Connector 21"/>
+          <p:cNvCxnSpPr/>
+          <p:nvPr/>
+        </p:nvCxnSpPr>
+        <p:spPr>
+          <a:xfrm>
+            <a:off x="369890" y="2687720"/>
+            <a:ext cx="468528" cy="0"/>
+          </a:xfrm>
+          <a:prstGeom prst="straightConnector1">
+            <a:avLst/>
+          </a:prstGeom>
+          <a:ln>
+            <a:solidFill>
+              <a:srgbClr val="000000"/>
+            </a:solidFill>
+            <a:tailEnd type="arrow"/>
+          </a:ln>
+        </p:spPr>
+        <p:style>
+          <a:lnRef idx="2">
+            <a:schemeClr val="accent1"/>
+          </a:lnRef>
+          <a:fillRef idx="0">
+            <a:schemeClr val="accent1"/>
+          </a:fillRef>
+          <a:effectRef idx="1">
+            <a:schemeClr val="accent1"/>
+          </a:effectRef>
+          <a:fontRef idx="minor">
+            <a:schemeClr val="tx1"/>
+          </a:fontRef>
+        </p:style>
+      </p:cxnSp>
+      <p:cxnSp>
+        <p:nvCxnSpPr>
+          <p:cNvPr id="24" name="Straight Connector 23"/>
+          <p:cNvCxnSpPr/>
+          <p:nvPr/>
+        </p:nvCxnSpPr>
+        <p:spPr>
+          <a:xfrm>
+            <a:off x="357561" y="2675391"/>
+            <a:ext cx="24659" cy="1578110"/>
+          </a:xfrm>
+          <a:prstGeom prst="line">
+            <a:avLst/>
+          </a:prstGeom>
+          <a:ln>
+            <a:solidFill>
+              <a:srgbClr val="000000"/>
+            </a:solidFill>
+          </a:ln>
+        </p:spPr>
+        <p:style>
+          <a:lnRef idx="2">
+            <a:schemeClr val="accent1"/>
+          </a:lnRef>
+          <a:fillRef idx="0">
+            <a:schemeClr val="accent1"/>
+          </a:fillRef>
+          <a:effectRef idx="1">
+            <a:schemeClr val="accent1"/>
+          </a:effectRef>
+          <a:fontRef idx="minor">
+            <a:schemeClr val="tx1"/>
+          </a:fontRef>
+        </p:style>
+      </p:cxnSp>
+      <p:cxnSp>
+        <p:nvCxnSpPr>
+          <p:cNvPr id="26" name="Straight Connector 25"/>
+          <p:cNvCxnSpPr/>
+          <p:nvPr/>
+        </p:nvCxnSpPr>
+        <p:spPr>
+          <a:xfrm>
+            <a:off x="394550" y="4253501"/>
+            <a:ext cx="517846" cy="0"/>
+          </a:xfrm>
+          <a:prstGeom prst="line">
+            <a:avLst/>
+          </a:prstGeom>
+          <a:ln>
+            <a:solidFill>
+              <a:srgbClr val="000000"/>
+            </a:solidFill>
+          </a:ln>
+        </p:spPr>
+        <p:style>
+          <a:lnRef idx="2">
+            <a:schemeClr val="accent1"/>
+          </a:lnRef>
+          <a:fillRef idx="0">
+            <a:schemeClr val="accent1"/>
+          </a:fillRef>
+          <a:effectRef idx="1">
+            <a:schemeClr val="accent1"/>
+          </a:effectRef>
+          <a:fontRef idx="minor">
+            <a:schemeClr val="tx1"/>
+          </a:fontRef>
+        </p:style>
+      </p:cxnSp>
+    </p:spTree>
+    <p:extLst>
+      <p:ext uri="{BB962C8B-B14F-4D97-AF65-F5344CB8AC3E}">
+        <p14:creationId xmlns:p14="http://schemas.microsoft.com/office/powerpoint/2010/main" val="598993552"/>
+      </p:ext>
+    </p:extLst>
+  </p:cSld>
+  <p:clrMapOvr>
+    <a:masterClrMapping/>
+  </p:clrMapOvr>
+</p:sld>
+</file>
+
+<file path=ppt/slides/slide12.xml><?xml version="1.0" encoding="utf-8"?>
+<p:sld xmlns:a="http://schemas.openxmlformats.org/drawingml/2006/main" xmlns:r="http://schemas.openxmlformats.org/officeDocument/2006/relationships" xmlns:p="http://schemas.openxmlformats.org/presentationml/2006/main">
+  <p:cSld>
+    <p:spTree>
+      <p:nvGrpSpPr>
+        <p:cNvPr id="1" name=""/>
+        <p:cNvGrpSpPr/>
+        <p:nvPr/>
+      </p:nvGrpSpPr>
+      <p:grpSpPr>
+        <a:xfrm>
+          <a:off x="0" y="0"/>
+          <a:ext cx="0" cy="0"/>
+          <a:chOff x="0" y="0"/>
+          <a:chExt cx="0" cy="0"/>
+        </a:xfrm>
+      </p:grpSpPr>
+      <p:sp>
+        <p:nvSpPr>
+          <p:cNvPr id="2" name="Title 1"/>
+          <p:cNvSpPr>
+            <a:spLocks noGrp="1"/>
+          </p:cNvSpPr>
+          <p:nvPr>
+            <p:ph type="title"/>
+          </p:nvPr>
+        </p:nvSpPr>
+        <p:spPr/>
+        <p:txBody>
+          <a:bodyPr/>
+          <a:lstStyle/>
+          <a:p>
+            <a:r>
+              <a:rPr lang="en-US" dirty="0" err="1" smtClean="0"/>
+              <a:t>Async</a:t>
+            </a:r>
+            <a:r>
+              <a:rPr lang="en-US" dirty="0" smtClean="0"/>
+              <a:t> RE Package Current Analysis Methods</a:t>
+            </a:r>
+            <a:endParaRPr lang="en-US" dirty="0"/>
+          </a:p>
+        </p:txBody>
+      </p:sp>
+      <p:pic>
+        <p:nvPicPr>
+          <p:cNvPr id="5" name="Content Placeholder 4" descr="Screen Shot 2013-07-24 at 9.36.42 AM.png"/>
+          <p:cNvPicPr>
+            <a:picLocks noGrp="1" noChangeAspect="1"/>
+          </p:cNvPicPr>
+          <p:nvPr>
+            <p:ph idx="1"/>
+          </p:nvPr>
+        </p:nvPicPr>
+        <p:blipFill>
+          <a:blip r:embed="rId2">
+            <a:extLst>
+              <a:ext uri="{28A0092B-C50C-407E-A947-70E740481C1C}">
+                <a14:useLocalDpi xmlns:a14="http://schemas.microsoft.com/office/drawing/2010/main" val="0"/>
+              </a:ext>
+            </a:extLst>
+          </a:blip>
+          <a:srcRect t="1204" b="1204"/>
+          <a:stretch>
+            <a:fillRect/>
+          </a:stretch>
+        </p:blipFill>
+        <p:spPr>
+          <a:prstGeom prst="rect">
+            <a:avLst/>
+          </a:prstGeom>
+        </p:spPr>
+      </p:pic>
+    </p:spTree>
+    <p:extLst>
+      <p:ext uri="{BB962C8B-B14F-4D97-AF65-F5344CB8AC3E}">
+        <p14:creationId xmlns:p14="http://schemas.microsoft.com/office/powerpoint/2010/main" val="2323699141"/>
+      </p:ext>
+    </p:extLst>
+  </p:cSld>
+  <p:clrMapOvr>
+    <a:masterClrMapping/>
+  </p:clrMapOvr>
+</p:sld>
+</file>
+
+<file path=ppt/slides/slide13.xml><?xml version="1.0" encoding="utf-8"?>
+<p:sld xmlns:a="http://schemas.openxmlformats.org/drawingml/2006/main" xmlns:r="http://schemas.openxmlformats.org/officeDocument/2006/relationships" xmlns:p="http://schemas.openxmlformats.org/presentationml/2006/main">
+  <p:cSld>
+    <p:spTree>
+      <p:nvGrpSpPr>
+        <p:cNvPr id="1" name=""/>
+        <p:cNvGrpSpPr/>
+        <p:nvPr/>
+      </p:nvGrpSpPr>
+      <p:grpSpPr>
+        <a:xfrm>
+          <a:off x="0" y="0"/>
+          <a:ext cx="0" cy="0"/>
+          <a:chOff x="0" y="0"/>
+          <a:chExt cx="0" cy="0"/>
+        </a:xfrm>
+      </p:grpSpPr>
+      <p:sp>
+        <p:nvSpPr>
+          <p:cNvPr id="2" name="Title 1"/>
+          <p:cNvSpPr>
+            <a:spLocks noGrp="1"/>
+          </p:cNvSpPr>
+          <p:nvPr>
+            <p:ph type="title"/>
+          </p:nvPr>
+        </p:nvSpPr>
+        <p:spPr/>
+        <p:txBody>
+          <a:bodyPr/>
+          <a:lstStyle/>
+          <a:p>
+            <a:r>
+              <a:rPr lang="en-US" dirty="0" err="1" smtClean="0"/>
+              <a:t>AsyncRE</a:t>
+            </a:r>
+            <a:r>
+              <a:rPr lang="en-US" dirty="0" smtClean="0"/>
+              <a:t> Software Implementation</a:t>
+            </a:r>
+            <a:endParaRPr lang="en-US" dirty="0"/>
+          </a:p>
+        </p:txBody>
+      </p:sp>
+      <p:pic>
+        <p:nvPicPr>
+          <p:cNvPr id="4" name="Content Placeholder 3"/>
+          <p:cNvPicPr>
+            <a:picLocks noGrp="1" noChangeAspect="1"/>
+          </p:cNvPicPr>
+          <p:nvPr>
+            <p:ph idx="1"/>
+          </p:nvPr>
+        </p:nvPicPr>
+        <p:blipFill>
+          <a:blip r:embed="rId2"/>
+          <a:srcRect t="2616" b="2616"/>
+          <a:stretch>
+            <a:fillRect/>
+          </a:stretch>
+        </p:blipFill>
+        <p:spPr/>
+      </p:pic>
+      <p:sp>
+        <p:nvSpPr>
+          <p:cNvPr id="6" name="Rectangle 5"/>
+          <p:cNvSpPr/>
+          <p:nvPr/>
+        </p:nvSpPr>
+        <p:spPr>
+          <a:xfrm>
+            <a:off x="295912" y="6263126"/>
+            <a:ext cx="8581459" cy="345212"/>
+          </a:xfrm>
+          <a:prstGeom prst="rect">
+            <a:avLst/>
+          </a:prstGeom>
+        </p:spPr>
+        <p:style>
+          <a:lnRef idx="0">
+            <a:schemeClr val="dk1"/>
+          </a:lnRef>
+          <a:fillRef idx="3">
+            <a:schemeClr val="dk1"/>
+          </a:fillRef>
+          <a:effectRef idx="3">
+            <a:schemeClr val="dk1"/>
+          </a:effectRef>
+          <a:fontRef idx="minor">
+            <a:schemeClr val="lt1"/>
+          </a:fontRef>
+        </p:style>
+        <p:txBody>
+          <a:bodyPr rtlCol="0" anchor="ctr"/>
+          <a:lstStyle/>
+          <a:p>
+            <a:pPr algn="ctr"/>
+            <a:r>
+              <a:rPr lang="en-US" dirty="0"/>
+              <a:t>https://</a:t>
+            </a:r>
+            <a:r>
+              <a:rPr lang="en-US" dirty="0" err="1"/>
+              <a:t>github.com</a:t>
+            </a:r>
+            <a:r>
+              <a:rPr lang="en-US" dirty="0"/>
+              <a:t>/saga-project/</a:t>
+            </a:r>
+            <a:r>
+              <a:rPr lang="en-US" dirty="0" err="1"/>
+              <a:t>asyncre-</a:t>
+            </a:r>
+            <a:r>
+              <a:rPr lang="en-US" dirty="0" err="1" smtClean="0"/>
+              <a:t>bigjob</a:t>
+            </a:r>
+            <a:endParaRPr lang="en-US" dirty="0"/>
+          </a:p>
+        </p:txBody>
+      </p:sp>
+    </p:spTree>
+    <p:extLst>
+      <p:ext uri="{BB962C8B-B14F-4D97-AF65-F5344CB8AC3E}">
+        <p14:creationId xmlns:p14="http://schemas.microsoft.com/office/powerpoint/2010/main" val="1110257008"/>
+      </p:ext>
+    </p:extLst>
+  </p:cSld>
+  <p:clrMapOvr>
+    <a:masterClrMapping/>
+  </p:clrMapOvr>
+</p:sld>
+</file>
+
+<file path=ppt/slides/slide14.xml><?xml version="1.0" encoding="utf-8"?>
+<p:sld xmlns:a="http://schemas.openxmlformats.org/drawingml/2006/main" xmlns:r="http://schemas.openxmlformats.org/officeDocument/2006/relationships" xmlns:p="http://schemas.openxmlformats.org/presentationml/2006/main">
+  <p:cSld>
+    <p:spTree>
+      <p:nvGrpSpPr>
+        <p:cNvPr id="1" name=""/>
+        <p:cNvGrpSpPr/>
+        <p:nvPr/>
+      </p:nvGrpSpPr>
+      <p:grpSpPr>
+        <a:xfrm>
+          <a:off x="0" y="0"/>
+          <a:ext cx="0" cy="0"/>
+          <a:chOff x="0" y="0"/>
+          <a:chExt cx="0" cy="0"/>
+        </a:xfrm>
+      </p:grpSpPr>
+      <p:sp>
+        <p:nvSpPr>
+          <p:cNvPr id="2" name="Title 1"/>
+          <p:cNvSpPr>
+            <a:spLocks noGrp="1"/>
+          </p:cNvSpPr>
+          <p:nvPr>
+            <p:ph type="title"/>
+          </p:nvPr>
+        </p:nvSpPr>
+        <p:spPr/>
+        <p:txBody>
+          <a:bodyPr/>
+          <a:lstStyle/>
+          <a:p>
+            <a:r>
+              <a:rPr lang="en-US" dirty="0" err="1" smtClean="0"/>
+              <a:t>AsyncRE</a:t>
+            </a:r>
+            <a:r>
+              <a:rPr lang="en-US" dirty="0" smtClean="0"/>
+              <a:t> Software Implementation</a:t>
+            </a:r>
+            <a:endParaRPr lang="en-US" dirty="0"/>
+          </a:p>
+        </p:txBody>
+      </p:sp>
+      <p:pic>
+        <p:nvPicPr>
+          <p:cNvPr id="3" name="Picture 2"/>
+          <p:cNvPicPr>
+            <a:picLocks noChangeAspect="1"/>
+          </p:cNvPicPr>
+          <p:nvPr/>
+        </p:nvPicPr>
+        <p:blipFill>
+          <a:blip r:embed="rId2"/>
+          <a:stretch>
+            <a:fillRect/>
+          </a:stretch>
+        </p:blipFill>
+        <p:spPr>
+          <a:xfrm>
+            <a:off x="887737" y="1233813"/>
+            <a:ext cx="7632073" cy="4708734"/>
+          </a:xfrm>
+          <a:prstGeom prst="rect">
+            <a:avLst/>
+          </a:prstGeom>
+        </p:spPr>
+      </p:pic>
+      <p:sp>
+        <p:nvSpPr>
+          <p:cNvPr id="6" name="Rectangle 5"/>
+          <p:cNvSpPr/>
+          <p:nvPr/>
+        </p:nvSpPr>
+        <p:spPr>
+          <a:xfrm>
+            <a:off x="295912" y="6263126"/>
+            <a:ext cx="8581459" cy="345212"/>
+          </a:xfrm>
+          <a:prstGeom prst="rect">
+            <a:avLst/>
+          </a:prstGeom>
+        </p:spPr>
+        <p:style>
+          <a:lnRef idx="0">
+            <a:schemeClr val="dk1"/>
+          </a:lnRef>
+          <a:fillRef idx="3">
+            <a:schemeClr val="dk1"/>
+          </a:fillRef>
+          <a:effectRef idx="3">
+            <a:schemeClr val="dk1"/>
+          </a:effectRef>
+          <a:fontRef idx="minor">
+            <a:schemeClr val="lt1"/>
+          </a:fontRef>
+        </p:style>
+        <p:txBody>
+          <a:bodyPr rtlCol="0" anchor="ctr"/>
+          <a:lstStyle/>
+          <a:p>
+            <a:pPr algn="ctr"/>
+            <a:r>
+              <a:rPr lang="en-US" dirty="0"/>
+              <a:t>https://</a:t>
+            </a:r>
+            <a:r>
+              <a:rPr lang="en-US" dirty="0" err="1"/>
+              <a:t>github.com</a:t>
+            </a:r>
+            <a:r>
+              <a:rPr lang="en-US" dirty="0"/>
+              <a:t>/saga-project/</a:t>
+            </a:r>
+            <a:r>
+              <a:rPr lang="en-US" dirty="0" err="1"/>
+              <a:t>asyncre-</a:t>
+            </a:r>
+            <a:r>
+              <a:rPr lang="en-US" dirty="0" err="1" smtClean="0"/>
+              <a:t>bigjob</a:t>
+            </a:r>
+            <a:endParaRPr lang="en-US" dirty="0"/>
+          </a:p>
+        </p:txBody>
+      </p:sp>
+    </p:spTree>
+    <p:extLst>
+      <p:ext uri="{BB962C8B-B14F-4D97-AF65-F5344CB8AC3E}">
+        <p14:creationId xmlns:p14="http://schemas.microsoft.com/office/powerpoint/2010/main" val="3629405471"/>
+      </p:ext>
+    </p:extLst>
+  </p:cSld>
+  <p:clrMapOvr>
+    <a:masterClrMapping/>
+  </p:clrMapOvr>
+</p:sld>
+</file>
+
+<file path=ppt/slides/slide15.xml><?xml version="1.0" encoding="utf-8"?>
+<p:sld xmlns:a="http://schemas.openxmlformats.org/drawingml/2006/main" xmlns:r="http://schemas.openxmlformats.org/officeDocument/2006/relationships" xmlns:p="http://schemas.openxmlformats.org/presentationml/2006/main">
+  <p:cSld>
+    <p:spTree>
+      <p:nvGrpSpPr>
+        <p:cNvPr id="1" name=""/>
+        <p:cNvGrpSpPr/>
+        <p:nvPr/>
+      </p:nvGrpSpPr>
+      <p:grpSpPr>
+        <a:xfrm>
+          <a:off x="0" y="0"/>
+          <a:ext cx="0" cy="0"/>
+          <a:chOff x="0" y="0"/>
+          <a:chExt cx="0" cy="0"/>
+        </a:xfrm>
+      </p:grpSpPr>
+      <p:sp>
+        <p:nvSpPr>
+          <p:cNvPr id="2" name="Title 1"/>
+          <p:cNvSpPr>
+            <a:spLocks noGrp="1"/>
+          </p:cNvSpPr>
+          <p:nvPr>
+            <p:ph type="title"/>
+          </p:nvPr>
+        </p:nvSpPr>
+        <p:spPr/>
+        <p:txBody>
+          <a:bodyPr/>
+          <a:lstStyle/>
+          <a:p>
+            <a:r>
+              <a:rPr lang="en-US" dirty="0" err="1" smtClean="0"/>
+              <a:t>AsyncRE</a:t>
+            </a:r>
+            <a:r>
+              <a:rPr lang="en-US" dirty="0" smtClean="0"/>
+              <a:t> Software Implementation</a:t>
+            </a:r>
+            <a:endParaRPr lang="en-US" dirty="0"/>
+          </a:p>
+        </p:txBody>
+      </p:sp>
+      <p:pic>
+        <p:nvPicPr>
+          <p:cNvPr id="8" name="Picture 7"/>
+          <p:cNvPicPr>
+            <a:picLocks noChangeAspect="1"/>
+          </p:cNvPicPr>
+          <p:nvPr/>
+        </p:nvPicPr>
+        <p:blipFill>
+          <a:blip r:embed="rId2"/>
+          <a:stretch>
+            <a:fillRect/>
+          </a:stretch>
+        </p:blipFill>
+        <p:spPr>
+          <a:xfrm>
+            <a:off x="493187" y="1284876"/>
+            <a:ext cx="7985010" cy="4809504"/>
+          </a:xfrm>
+          <a:prstGeom prst="rect">
+            <a:avLst/>
+          </a:prstGeom>
+        </p:spPr>
+      </p:pic>
+      <p:sp>
+        <p:nvSpPr>
+          <p:cNvPr id="9" name="Rectangle 8"/>
+          <p:cNvSpPr/>
+          <p:nvPr/>
+        </p:nvSpPr>
+        <p:spPr>
+          <a:xfrm>
+            <a:off x="295912" y="6263126"/>
+            <a:ext cx="8581459" cy="345212"/>
+          </a:xfrm>
+          <a:prstGeom prst="rect">
+            <a:avLst/>
+          </a:prstGeom>
+        </p:spPr>
+        <p:style>
+          <a:lnRef idx="0">
+            <a:schemeClr val="dk1"/>
+          </a:lnRef>
+          <a:fillRef idx="3">
+            <a:schemeClr val="dk1"/>
+          </a:fillRef>
+          <a:effectRef idx="3">
+            <a:schemeClr val="dk1"/>
+          </a:effectRef>
+          <a:fontRef idx="minor">
+            <a:schemeClr val="lt1"/>
+          </a:fontRef>
+        </p:style>
+        <p:txBody>
+          <a:bodyPr rtlCol="0" anchor="ctr"/>
+          <a:lstStyle/>
+          <a:p>
+            <a:pPr algn="ctr"/>
+            <a:r>
+              <a:rPr lang="en-US" dirty="0"/>
+              <a:t>https://</a:t>
+            </a:r>
+            <a:r>
+              <a:rPr lang="en-US" dirty="0" err="1"/>
+              <a:t>github.com</a:t>
+            </a:r>
+            <a:r>
+              <a:rPr lang="en-US" dirty="0"/>
+              <a:t>/saga-project/</a:t>
+            </a:r>
+            <a:r>
+              <a:rPr lang="en-US" dirty="0" err="1"/>
+              <a:t>asyncre-</a:t>
+            </a:r>
+            <a:r>
+              <a:rPr lang="en-US" dirty="0" err="1" smtClean="0"/>
+              <a:t>bigjob</a:t>
+            </a:r>
+            <a:endParaRPr lang="en-US" dirty="0"/>
+          </a:p>
+        </p:txBody>
+      </p:sp>
+    </p:spTree>
+    <p:extLst>
+      <p:ext uri="{BB962C8B-B14F-4D97-AF65-F5344CB8AC3E}">
+        <p14:creationId xmlns:p14="http://schemas.microsoft.com/office/powerpoint/2010/main" val="1831439430"/>
+      </p:ext>
+    </p:extLst>
+  </p:cSld>
+  <p:clrMapOvr>
+    <a:masterClrMapping/>
+  </p:clrMapOvr>
+</p:sld>
+</file>
+
+<file path=ppt/slides/slide16.xml><?xml version="1.0" encoding="utf-8"?>
+<p:sld xmlns:a="http://schemas.openxmlformats.org/drawingml/2006/main" xmlns:r="http://schemas.openxmlformats.org/officeDocument/2006/relationships" xmlns:p="http://schemas.openxmlformats.org/presentationml/2006/main">
+  <p:cSld>
+    <p:spTree>
+      <p:nvGrpSpPr>
+        <p:cNvPr id="1" name=""/>
+        <p:cNvGrpSpPr/>
+        <p:nvPr/>
+      </p:nvGrpSpPr>
+      <p:grpSpPr>
+        <a:xfrm>
+          <a:off x="0" y="0"/>
+          <a:ext cx="0" cy="0"/>
+          <a:chOff x="0" y="0"/>
+          <a:chExt cx="0" cy="0"/>
+        </a:xfrm>
+      </p:grpSpPr>
+      <p:sp>
+        <p:nvSpPr>
+          <p:cNvPr id="2" name="Title 1"/>
+          <p:cNvSpPr>
+            <a:spLocks noGrp="1"/>
+          </p:cNvSpPr>
+          <p:nvPr>
+            <p:ph type="title"/>
+          </p:nvPr>
+        </p:nvSpPr>
+        <p:spPr/>
+        <p:txBody>
+          <a:bodyPr/>
+          <a:lstStyle/>
+          <a:p>
+            <a:r>
+              <a:rPr lang="en-US" dirty="0" err="1" smtClean="0"/>
+              <a:t>AsyncRE</a:t>
+            </a:r>
+            <a:r>
+              <a:rPr lang="en-US" dirty="0" smtClean="0"/>
+              <a:t> Installation</a:t>
+            </a:r>
+            <a:endParaRPr lang="en-US" dirty="0"/>
+          </a:p>
+        </p:txBody>
+      </p:sp>
+      <p:sp>
+        <p:nvSpPr>
+          <p:cNvPr id="9" name="Rectangle 8"/>
+          <p:cNvSpPr/>
+          <p:nvPr/>
+        </p:nvSpPr>
+        <p:spPr>
+          <a:xfrm>
+            <a:off x="271253" y="4463094"/>
+            <a:ext cx="8581459" cy="345212"/>
+          </a:xfrm>
+          <a:prstGeom prst="rect">
+            <a:avLst/>
+          </a:prstGeom>
+        </p:spPr>
+        <p:style>
+          <a:lnRef idx="0">
+            <a:schemeClr val="dk1"/>
+          </a:lnRef>
+          <a:fillRef idx="3">
+            <a:schemeClr val="dk1"/>
+          </a:fillRef>
+          <a:effectRef idx="3">
+            <a:schemeClr val="dk1"/>
+          </a:effectRef>
+          <a:fontRef idx="minor">
+            <a:schemeClr val="lt1"/>
+          </a:fontRef>
+        </p:style>
+        <p:txBody>
+          <a:bodyPr rtlCol="0" anchor="ctr"/>
+          <a:lstStyle/>
+          <a:p>
+            <a:pPr algn="ctr"/>
+            <a:r>
+              <a:rPr lang="en-US" dirty="0"/>
+              <a:t>https://</a:t>
+            </a:r>
+            <a:r>
+              <a:rPr lang="en-US" dirty="0" err="1"/>
+              <a:t>github.com</a:t>
+            </a:r>
+            <a:r>
+              <a:rPr lang="en-US" dirty="0"/>
+              <a:t>/saga-project/</a:t>
+            </a:r>
+            <a:r>
+              <a:rPr lang="en-US" dirty="0" err="1"/>
+              <a:t>asyncre-</a:t>
+            </a:r>
+            <a:r>
+              <a:rPr lang="en-US" dirty="0" err="1" smtClean="0"/>
+              <a:t>bigjob</a:t>
+            </a:r>
+            <a:endParaRPr lang="en-US" dirty="0"/>
+          </a:p>
+        </p:txBody>
+      </p:sp>
+      <p:sp>
+        <p:nvSpPr>
+          <p:cNvPr id="3" name="Rectangle 2"/>
+          <p:cNvSpPr/>
+          <p:nvPr/>
+        </p:nvSpPr>
+        <p:spPr>
+          <a:xfrm>
+            <a:off x="436548" y="1620596"/>
+            <a:ext cx="7922976" cy="2031325"/>
+          </a:xfrm>
+          <a:prstGeom prst="rect">
+            <a:avLst/>
+          </a:prstGeom>
+        </p:spPr>
+        <p:txBody>
+          <a:bodyPr wrap="square">
+            <a:spAutoFit/>
+          </a:bodyPr>
+          <a:lstStyle/>
+          <a:p>
+            <a:pPr marL="285750" indent="-285750">
+              <a:buFont typeface="Arial"/>
+              <a:buChar char="•"/>
+            </a:pPr>
+            <a:r>
+              <a:rPr lang="en-US" dirty="0" smtClean="0"/>
+              <a:t>The </a:t>
+            </a:r>
+            <a:r>
+              <a:rPr lang="en-US" dirty="0" err="1" smtClean="0"/>
+              <a:t>AsyncRE</a:t>
+            </a:r>
+            <a:r>
+              <a:rPr lang="en-US" dirty="0" smtClean="0"/>
+              <a:t> package is installed via pip (successor to </a:t>
+            </a:r>
+            <a:r>
+              <a:rPr lang="en-US" dirty="0" err="1" smtClean="0"/>
+              <a:t>easy_install</a:t>
+            </a:r>
+            <a:r>
+              <a:rPr lang="en-US" dirty="0" smtClean="0"/>
+              <a:t>). The package is available on </a:t>
+            </a:r>
+            <a:r>
+              <a:rPr lang="en-US" dirty="0" err="1" smtClean="0"/>
+              <a:t>PyPi</a:t>
+            </a:r>
+            <a:r>
+              <a:rPr lang="en-US" dirty="0" smtClean="0"/>
+              <a:t> (Python Package Index). A typical installation of the software includes only the following commands:</a:t>
+            </a:r>
+          </a:p>
+          <a:p>
+            <a:endParaRPr lang="en-US" dirty="0">
+              <a:latin typeface="Courier"/>
+              <a:cs typeface="Courier"/>
+            </a:endParaRPr>
+          </a:p>
+          <a:p>
+            <a:r>
+              <a:rPr lang="en-US" dirty="0" smtClean="0">
+                <a:latin typeface="Courier"/>
+                <a:cs typeface="Courier"/>
+              </a:rPr>
+              <a:t>pip install </a:t>
+            </a:r>
+            <a:r>
+              <a:rPr lang="en-US" dirty="0" err="1">
+                <a:latin typeface="Courier"/>
+                <a:cs typeface="Courier"/>
+              </a:rPr>
+              <a:t>numpy</a:t>
+            </a:r>
+            <a:endParaRPr lang="en-US" dirty="0">
+              <a:latin typeface="Courier"/>
+              <a:cs typeface="Courier"/>
+            </a:endParaRPr>
+          </a:p>
+          <a:p>
+            <a:r>
+              <a:rPr lang="en-US" dirty="0">
+                <a:latin typeface="Courier"/>
+                <a:cs typeface="Courier"/>
+              </a:rPr>
+              <a:t>pip </a:t>
+            </a:r>
+            <a:r>
+              <a:rPr lang="en-US" dirty="0" smtClean="0">
+                <a:latin typeface="Courier"/>
+                <a:cs typeface="Courier"/>
+              </a:rPr>
+              <a:t>install </a:t>
+            </a:r>
+            <a:r>
+              <a:rPr lang="en-US" dirty="0" err="1" smtClean="0">
+                <a:latin typeface="Courier"/>
+                <a:cs typeface="Courier"/>
+              </a:rPr>
+              <a:t>configobj</a:t>
+            </a:r>
+            <a:endParaRPr lang="en-US" dirty="0">
+              <a:latin typeface="Courier"/>
+              <a:cs typeface="Courier"/>
+            </a:endParaRPr>
+          </a:p>
+          <a:p>
+            <a:r>
+              <a:rPr lang="ro-RO" dirty="0">
+                <a:latin typeface="Courier"/>
+                <a:cs typeface="Courier"/>
+              </a:rPr>
+              <a:t>pip </a:t>
+            </a:r>
+            <a:r>
+              <a:rPr lang="ro-RO" dirty="0" smtClean="0">
+                <a:latin typeface="Courier"/>
+                <a:cs typeface="Courier"/>
+              </a:rPr>
+              <a:t>install async_re-0.1.0.t </a:t>
+            </a:r>
+            <a:r>
+              <a:rPr lang="ro-RO" dirty="0">
+                <a:latin typeface="Courier"/>
+                <a:cs typeface="Courier"/>
+              </a:rPr>
+              <a:t>a </a:t>
+            </a:r>
+            <a:r>
+              <a:rPr lang="ro-RO" dirty="0" smtClean="0">
+                <a:latin typeface="Courier"/>
+                <a:cs typeface="Courier"/>
+              </a:rPr>
+              <a:t>r.gz</a:t>
+            </a:r>
+            <a:endParaRPr lang="en-US" dirty="0">
+              <a:latin typeface="Courier"/>
+              <a:cs typeface="Courier"/>
+            </a:endParaRPr>
+          </a:p>
+        </p:txBody>
+      </p:sp>
+    </p:spTree>
+    <p:extLst>
+      <p:ext uri="{BB962C8B-B14F-4D97-AF65-F5344CB8AC3E}">
+        <p14:creationId xmlns:p14="http://schemas.microsoft.com/office/powerpoint/2010/main" val="4146358745"/>
+      </p:ext>
+    </p:extLst>
+  </p:cSld>
+  <p:clrMapOvr>
+    <a:masterClrMapping/>
+  </p:clrMapOvr>
+</p:sld>
+</file>
+
+<file path=ppt/slides/slide17.xml><?xml version="1.0" encoding="utf-8"?>
+<p:sld xmlns:a="http://schemas.openxmlformats.org/drawingml/2006/main" xmlns:r="http://schemas.openxmlformats.org/officeDocument/2006/relationships" xmlns:p="http://schemas.openxmlformats.org/presentationml/2006/main">
+  <p:cSld>
+    <p:spTree>
+      <p:nvGrpSpPr>
+        <p:cNvPr id="1" name=""/>
+        <p:cNvGrpSpPr/>
+        <p:nvPr/>
+      </p:nvGrpSpPr>
+      <p:grpSpPr>
+        <a:xfrm>
+          <a:off x="0" y="0"/>
+          <a:ext cx="0" cy="0"/>
+          <a:chOff x="0" y="0"/>
+          <a:chExt cx="0" cy="0"/>
+        </a:xfrm>
+      </p:grpSpPr>
+      <p:sp>
+        <p:nvSpPr>
+          <p:cNvPr id="2" name="Title 1"/>
+          <p:cNvSpPr>
+            <a:spLocks noGrp="1"/>
+          </p:cNvSpPr>
+          <p:nvPr>
+            <p:ph type="title"/>
+          </p:nvPr>
+        </p:nvSpPr>
+        <p:spPr/>
+        <p:txBody>
+          <a:bodyPr/>
+          <a:lstStyle/>
+          <a:p>
+            <a:r>
+              <a:rPr lang="en-US" dirty="0" smtClean="0"/>
+              <a:t>Experiments</a:t>
+            </a:r>
+            <a:endParaRPr lang="en-US" dirty="0"/>
+          </a:p>
+        </p:txBody>
+      </p:sp>
+      <p:sp>
+        <p:nvSpPr>
+          <p:cNvPr id="3" name="Content Placeholder 2"/>
+          <p:cNvSpPr>
+            <a:spLocks noGrp="1"/>
+          </p:cNvSpPr>
+          <p:nvPr>
+            <p:ph idx="1"/>
+          </p:nvPr>
+        </p:nvSpPr>
+        <p:spPr/>
+        <p:txBody>
+          <a:bodyPr/>
+          <a:lstStyle/>
+          <a:p>
+            <a:r>
+              <a:rPr lang="en-US" i="1" dirty="0" smtClean="0"/>
+              <a:t>Performance Evaluation</a:t>
+            </a:r>
+          </a:p>
+          <a:p>
+            <a:pPr lvl="1"/>
+            <a:r>
+              <a:rPr lang="en-US" dirty="0" smtClean="0"/>
+              <a:t>Software Package has three modes of potential bottlenecks:</a:t>
+            </a:r>
+          </a:p>
+          <a:p>
+            <a:pPr lvl="2"/>
+            <a:r>
+              <a:rPr lang="en-US" dirty="0" smtClean="0"/>
+              <a:t>SAGA/</a:t>
+            </a:r>
+            <a:r>
+              <a:rPr lang="en-US" dirty="0" err="1" smtClean="0"/>
+              <a:t>BigJob</a:t>
+            </a:r>
+            <a:r>
+              <a:rPr lang="en-US" dirty="0" smtClean="0"/>
+              <a:t> </a:t>
+            </a:r>
+          </a:p>
+          <a:p>
+            <a:pPr lvl="2"/>
+            <a:r>
+              <a:rPr lang="en-US" dirty="0" err="1" smtClean="0"/>
+              <a:t>AsyncRE</a:t>
+            </a:r>
+            <a:r>
+              <a:rPr lang="en-US" dirty="0" smtClean="0"/>
+              <a:t> Python Package</a:t>
+            </a:r>
+          </a:p>
+          <a:p>
+            <a:pPr lvl="2"/>
+            <a:r>
+              <a:rPr lang="en-US" dirty="0" smtClean="0"/>
+              <a:t>AMBER/IMPACT/MD simulation slow down</a:t>
+            </a:r>
+            <a:endParaRPr lang="en-US" dirty="0" smtClean="0"/>
+          </a:p>
+          <a:p>
+            <a:pPr lvl="1"/>
+            <a:r>
+              <a:rPr lang="en-US" dirty="0" smtClean="0"/>
+              <a:t>Can </a:t>
+            </a:r>
+            <a:r>
+              <a:rPr lang="en-US" dirty="0" smtClean="0"/>
+              <a:t>introduce application overhead: the fraction of the application runtime that is spent on application management logic, communication, and coordination</a:t>
+            </a:r>
+          </a:p>
+          <a:p>
+            <a:r>
+              <a:rPr lang="en-US" dirty="0" smtClean="0"/>
+              <a:t>How do we measure ‘quality’ or ‘performance’ in the MD world?</a:t>
+            </a:r>
+          </a:p>
+          <a:p>
+            <a:pPr lvl="1"/>
+            <a:r>
+              <a:rPr lang="en-US" dirty="0" smtClean="0"/>
+              <a:t>In the computational chemistry community, typically the number of nanoseconds of simulation times output per day</a:t>
+            </a:r>
+          </a:p>
+          <a:p>
+            <a:pPr lvl="1"/>
+            <a:r>
+              <a:rPr lang="en-US" dirty="0" smtClean="0"/>
+              <a:t>Must remember “not all simulation time is created equal”</a:t>
+            </a:r>
+          </a:p>
+          <a:p>
+            <a:pPr lvl="2"/>
+            <a:r>
+              <a:rPr lang="en-US" dirty="0"/>
+              <a:t>M</a:t>
+            </a:r>
+            <a:r>
+              <a:rPr lang="en-US" dirty="0" smtClean="0"/>
+              <a:t>ultiple </a:t>
+            </a:r>
+            <a:r>
+              <a:rPr lang="en-US" dirty="0"/>
+              <a:t>short simulations do </a:t>
+            </a:r>
+            <a:r>
+              <a:rPr lang="en-US" dirty="0" smtClean="0"/>
+              <a:t>not usually </a:t>
+            </a:r>
+            <a:r>
+              <a:rPr lang="en-US" dirty="0"/>
+              <a:t>contain as much statistical information as a </a:t>
+            </a:r>
+            <a:r>
+              <a:rPr lang="en-US" dirty="0" smtClean="0"/>
+              <a:t>single long </a:t>
+            </a:r>
+            <a:r>
+              <a:rPr lang="en-US" dirty="0"/>
+              <a:t>simulation of the same </a:t>
+            </a:r>
+            <a:r>
+              <a:rPr lang="en-US" dirty="0" smtClean="0"/>
+              <a:t>length</a:t>
+            </a:r>
+            <a:endParaRPr lang="en-US" dirty="0"/>
+          </a:p>
+        </p:txBody>
+      </p:sp>
+    </p:spTree>
+    <p:extLst>
+      <p:ext uri="{BB962C8B-B14F-4D97-AF65-F5344CB8AC3E}">
+        <p14:creationId xmlns:p14="http://schemas.microsoft.com/office/powerpoint/2010/main" val="3789203438"/>
       </p:ext>
     </p:extLst>
   </p:cSld>
@@ -3163,15 +4587,564 @@
   <p:timing>
     <p:tnLst>
       <p:par>
-        <p:cTn id="1" dur="indefinite" restart="never" nodeType="tmRoot"/>
+        <p:cTn xmlns:p14="http://schemas.microsoft.com/office/powerpoint/2010/main" id="1" dur="indefinite" restart="never" nodeType="tmRoot"/>
       </p:par>
     </p:tnLst>
   </p:timing>
 </p:sld>
 </file>
 
-<file path=ppt/slides/slide11.xml><?xml version="1.0" encoding="utf-8"?>
-<p:sld xmlns:a="http://schemas.openxmlformats.org/drawingml/2006/main" xmlns:r="http://schemas.openxmlformats.org/officeDocument/2006/relationships" xmlns:mc="http://schemas.openxmlformats.org/markup-compatibility/2006" xmlns:mv="urn:schemas-microsoft-com:mac:vml" xmlns:p="http://schemas.openxmlformats.org/presentationml/2006/main" mc:Ignorable="mv" mc:PreserveAttributes="mv:*">
+<file path=ppt/slides/slide18.xml><?xml version="1.0" encoding="utf-8"?>
+<p:sld xmlns:a="http://schemas.openxmlformats.org/drawingml/2006/main" xmlns:r="http://schemas.openxmlformats.org/officeDocument/2006/relationships" xmlns:p="http://schemas.openxmlformats.org/presentationml/2006/main">
+  <p:cSld>
+    <p:spTree>
+      <p:nvGrpSpPr>
+        <p:cNvPr id="1" name=""/>
+        <p:cNvGrpSpPr/>
+        <p:nvPr/>
+      </p:nvGrpSpPr>
+      <p:grpSpPr>
+        <a:xfrm>
+          <a:off x="0" y="0"/>
+          <a:ext cx="0" cy="0"/>
+          <a:chOff x="0" y="0"/>
+          <a:chExt cx="0" cy="0"/>
+        </a:xfrm>
+      </p:grpSpPr>
+      <p:sp>
+        <p:nvSpPr>
+          <p:cNvPr id="2" name="Title 1"/>
+          <p:cNvSpPr>
+            <a:spLocks noGrp="1"/>
+          </p:cNvSpPr>
+          <p:nvPr>
+            <p:ph type="title"/>
+          </p:nvPr>
+        </p:nvSpPr>
+        <p:spPr/>
+        <p:txBody>
+          <a:bodyPr/>
+          <a:lstStyle/>
+          <a:p>
+            <a:r>
+              <a:rPr lang="en-US" dirty="0" smtClean="0"/>
+              <a:t>Systems Investigated (aka SCIENCE!)</a:t>
+            </a:r>
+            <a:endParaRPr lang="en-US" dirty="0"/>
+          </a:p>
+        </p:txBody>
+      </p:sp>
+      <p:sp>
+        <p:nvSpPr>
+          <p:cNvPr id="3" name="Content Placeholder 2"/>
+          <p:cNvSpPr>
+            <a:spLocks noGrp="1"/>
+          </p:cNvSpPr>
+          <p:nvPr>
+            <p:ph idx="1"/>
+          </p:nvPr>
+        </p:nvSpPr>
+        <p:spPr>
+          <a:xfrm>
+            <a:off x="688895" y="1545523"/>
+            <a:ext cx="8229600" cy="4533900"/>
+          </a:xfrm>
+        </p:spPr>
+        <p:txBody>
+          <a:bodyPr/>
+          <a:lstStyle/>
+          <a:p>
+            <a:r>
+              <a:rPr lang="en-US" sz="2400" dirty="0" smtClean="0"/>
+              <a:t>MD engines</a:t>
+            </a:r>
+          </a:p>
+          <a:p>
+            <a:pPr lvl="1"/>
+            <a:r>
+              <a:rPr lang="en-US" sz="2000" dirty="0" smtClean="0"/>
+              <a:t>IMPACT (implicit solvent)</a:t>
+            </a:r>
+          </a:p>
+          <a:p>
+            <a:pPr lvl="2"/>
+            <a:r>
+              <a:rPr lang="en-US" dirty="0" smtClean="0"/>
+              <a:t>System 1: </a:t>
+            </a:r>
+            <a:r>
+              <a:rPr lang="en-US" dirty="0"/>
+              <a:t>Host/guest binding of </a:t>
+            </a:r>
+            <a:r>
+              <a:rPr lang="en-US" dirty="0" err="1"/>
+              <a:t>cyclooctanol</a:t>
+            </a:r>
+            <a:r>
+              <a:rPr lang="en-US" dirty="0" smtClean="0"/>
+              <a:t>/β-</a:t>
+            </a:r>
+            <a:r>
+              <a:rPr lang="en-US" dirty="0" err="1"/>
+              <a:t>cyclodextrin</a:t>
+            </a:r>
+            <a:r>
+              <a:rPr lang="en-US" dirty="0"/>
+              <a:t>. The exchange parameters are all permutations of the system temperatures and an alchemical parameter coupling the host/guest interactions</a:t>
+            </a:r>
+            <a:r>
+              <a:rPr lang="en-US" dirty="0" smtClean="0"/>
+              <a:t>.</a:t>
+            </a:r>
+          </a:p>
+          <a:p>
+            <a:pPr lvl="2"/>
+            <a:r>
+              <a:rPr lang="en-US" dirty="0" smtClean="0"/>
+              <a:t>System 2: Folding of the </a:t>
+            </a:r>
+            <a:r>
+              <a:rPr lang="en-US" dirty="0" err="1" smtClean="0"/>
+              <a:t>TrpCage</a:t>
+            </a:r>
+            <a:r>
+              <a:rPr lang="en-US" dirty="0" smtClean="0"/>
+              <a:t> mini-protein. The exchange parameters are all permutations of the system temperature and the coupling weight of a Go-type biasing potential.</a:t>
+            </a:r>
+          </a:p>
+          <a:p>
+            <a:pPr lvl="1"/>
+            <a:r>
+              <a:rPr lang="en-US" sz="2000" dirty="0" smtClean="0"/>
+              <a:t>AMBER (explicit solvent)</a:t>
+            </a:r>
+          </a:p>
+          <a:p>
+            <a:pPr lvl="2"/>
+            <a:r>
+              <a:rPr lang="en-US" dirty="0" smtClean="0"/>
+              <a:t>System 3: Umbrella sampling of the backbone conformational space of alanine dipeptide. The exchange parameters are all permutations of harmonic biasing potentials of each torsion. (i.e. CLASSICAL AMBER RUN)</a:t>
+            </a:r>
+          </a:p>
+          <a:p>
+            <a:pPr lvl="2"/>
+            <a:r>
+              <a:rPr lang="en-US" dirty="0" smtClean="0"/>
+              <a:t>System 4: Hybrid quantum mechanical/molecular mechanical umbrella sampling of </a:t>
+            </a:r>
+            <a:r>
+              <a:rPr lang="en-US" dirty="0" err="1" smtClean="0"/>
+              <a:t>phosphoryl</a:t>
+            </a:r>
+            <a:r>
+              <a:rPr lang="en-US" dirty="0" smtClean="0"/>
+              <a:t> transfer in 2-hydroxy ethyl ethyl phosphate, a model reaction for base catalyzed RNA cleavage. The exchange parameters are all permutations of harmonic biasing potentials on the breaking and forming bonds (i.e. QM/MM AMBER RUN)</a:t>
+            </a:r>
+          </a:p>
+        </p:txBody>
+      </p:sp>
+    </p:spTree>
+    <p:extLst>
+      <p:ext uri="{BB962C8B-B14F-4D97-AF65-F5344CB8AC3E}">
+        <p14:creationId xmlns:p14="http://schemas.microsoft.com/office/powerpoint/2010/main" val="1194156412"/>
+      </p:ext>
+    </p:extLst>
+  </p:cSld>
+  <p:clrMapOvr>
+    <a:masterClrMapping/>
+  </p:clrMapOvr>
+  <p:timing>
+    <p:tnLst>
+      <p:par>
+        <p:cTn xmlns:p14="http://schemas.microsoft.com/office/powerpoint/2010/main" id="1" dur="indefinite" restart="never" nodeType="tmRoot"/>
+      </p:par>
+    </p:tnLst>
+  </p:timing>
+</p:sld>
+</file>
+
+<file path=ppt/slides/slide19.xml><?xml version="1.0" encoding="utf-8"?>
+<p:sld xmlns:a="http://schemas.openxmlformats.org/drawingml/2006/main" xmlns:r="http://schemas.openxmlformats.org/officeDocument/2006/relationships" xmlns:p="http://schemas.openxmlformats.org/presentationml/2006/main">
+  <p:cSld>
+    <p:spTree>
+      <p:nvGrpSpPr>
+        <p:cNvPr id="1" name=""/>
+        <p:cNvGrpSpPr/>
+        <p:nvPr/>
+      </p:nvGrpSpPr>
+      <p:grpSpPr>
+        <a:xfrm>
+          <a:off x="0" y="0"/>
+          <a:ext cx="0" cy="0"/>
+          <a:chOff x="0" y="0"/>
+          <a:chExt cx="0" cy="0"/>
+        </a:xfrm>
+      </p:grpSpPr>
+      <p:sp>
+        <p:nvSpPr>
+          <p:cNvPr id="2" name="Title 1"/>
+          <p:cNvSpPr>
+            <a:spLocks noGrp="1"/>
+          </p:cNvSpPr>
+          <p:nvPr>
+            <p:ph type="title"/>
+          </p:nvPr>
+        </p:nvSpPr>
+        <p:spPr/>
+        <p:txBody>
+          <a:bodyPr/>
+          <a:lstStyle/>
+          <a:p>
+            <a:r>
+              <a:rPr lang="en-US" dirty="0" smtClean="0"/>
+              <a:t>Let’s Talk Pilots</a:t>
+            </a:r>
+            <a:endParaRPr lang="en-US" dirty="0"/>
+          </a:p>
+        </p:txBody>
+      </p:sp>
+      <p:sp>
+        <p:nvSpPr>
+          <p:cNvPr id="3" name="Content Placeholder 2"/>
+          <p:cNvSpPr>
+            <a:spLocks noGrp="1"/>
+          </p:cNvSpPr>
+          <p:nvPr>
+            <p:ph idx="1"/>
+          </p:nvPr>
+        </p:nvSpPr>
+        <p:spPr>
+          <a:xfrm>
+            <a:off x="688895" y="1545523"/>
+            <a:ext cx="8229600" cy="4533900"/>
+          </a:xfrm>
+        </p:spPr>
+        <p:txBody>
+          <a:bodyPr/>
+          <a:lstStyle/>
+          <a:p>
+            <a:r>
+              <a:rPr lang="en-US" sz="2400" dirty="0" smtClean="0"/>
+              <a:t>IMPACT (Systems 1 and 2): Fixed Pilot Size, fixed Pilot runtime, and varying number of replicas in proportion to the number of cores per replica</a:t>
+            </a:r>
+          </a:p>
+          <a:p>
+            <a:pPr marL="0" indent="0">
+              <a:buNone/>
+            </a:pPr>
+            <a:endParaRPr lang="en-US" sz="2400" dirty="0" smtClean="0"/>
+          </a:p>
+          <a:p>
+            <a:r>
+              <a:rPr lang="en-US" sz="2400" dirty="0" smtClean="0"/>
+              <a:t>AMBER (System 3): Fixed Pilot Size, approx. fixed cycle length (in CPU time) while varying the number of concurrent jobs (i.e. the number of cores per job) and the simulation time of each cycle</a:t>
+            </a:r>
+          </a:p>
+          <a:p>
+            <a:pPr marL="0" indent="0">
+              <a:buNone/>
+            </a:pPr>
+            <a:endParaRPr lang="en-US" sz="2400" dirty="0" smtClean="0"/>
+          </a:p>
+          <a:p>
+            <a:r>
+              <a:rPr lang="en-US" sz="2400" dirty="0" smtClean="0"/>
+              <a:t>AMBER (System 4): Fixed replica count (192) while varying Pilot size</a:t>
+            </a:r>
+            <a:endParaRPr lang="en-US" dirty="0" smtClean="0"/>
+          </a:p>
+        </p:txBody>
+      </p:sp>
+    </p:spTree>
+    <p:extLst>
+      <p:ext uri="{BB962C8B-B14F-4D97-AF65-F5344CB8AC3E}">
+        <p14:creationId xmlns:p14="http://schemas.microsoft.com/office/powerpoint/2010/main" val="4198014329"/>
+      </p:ext>
+    </p:extLst>
+  </p:cSld>
+  <p:clrMapOvr>
+    <a:masterClrMapping/>
+  </p:clrMapOvr>
+  <p:timing>
+    <p:tnLst>
+      <p:par>
+        <p:cTn xmlns:p14="http://schemas.microsoft.com/office/powerpoint/2010/main" id="1" dur="indefinite" restart="never" nodeType="tmRoot"/>
+      </p:par>
+    </p:tnLst>
+  </p:timing>
+</p:sld>
+</file>
+
+<file path=ppt/slides/slide2.xml><?xml version="1.0" encoding="utf-8"?>
+<p:sld xmlns:a="http://schemas.openxmlformats.org/drawingml/2006/main" xmlns:r="http://schemas.openxmlformats.org/officeDocument/2006/relationships" xmlns:p="http://schemas.openxmlformats.org/presentationml/2006/main">
+  <p:cSld>
+    <p:spTree>
+      <p:nvGrpSpPr>
+        <p:cNvPr id="1" name=""/>
+        <p:cNvGrpSpPr/>
+        <p:nvPr/>
+      </p:nvGrpSpPr>
+      <p:grpSpPr>
+        <a:xfrm>
+          <a:off x="0" y="0"/>
+          <a:ext cx="0" cy="0"/>
+          <a:chOff x="0" y="0"/>
+          <a:chExt cx="0" cy="0"/>
+        </a:xfrm>
+      </p:grpSpPr>
+      <p:sp>
+        <p:nvSpPr>
+          <p:cNvPr id="2" name="Title 1"/>
+          <p:cNvSpPr>
+            <a:spLocks noGrp="1"/>
+          </p:cNvSpPr>
+          <p:nvPr>
+            <p:ph type="title"/>
+          </p:nvPr>
+        </p:nvSpPr>
+        <p:spPr/>
+        <p:txBody>
+          <a:bodyPr/>
+          <a:lstStyle/>
+          <a:p>
+            <a:r>
+              <a:rPr lang="en-US" dirty="0" smtClean="0"/>
+              <a:t>Overview</a:t>
+            </a:r>
+            <a:endParaRPr lang="en-US" dirty="0"/>
+          </a:p>
+        </p:txBody>
+      </p:sp>
+      <p:sp>
+        <p:nvSpPr>
+          <p:cNvPr id="3" name="Content Placeholder 2"/>
+          <p:cNvSpPr>
+            <a:spLocks noGrp="1"/>
+          </p:cNvSpPr>
+          <p:nvPr>
+            <p:ph idx="1"/>
+          </p:nvPr>
+        </p:nvSpPr>
+        <p:spPr>
+          <a:xfrm>
+            <a:off x="457200" y="1524000"/>
+            <a:ext cx="4104782" cy="4533900"/>
+          </a:xfrm>
+        </p:spPr>
+        <p:txBody>
+          <a:bodyPr/>
+          <a:lstStyle/>
+          <a:p>
+            <a:r>
+              <a:rPr lang="en-US" dirty="0" smtClean="0"/>
+              <a:t>Introduction</a:t>
+            </a:r>
+          </a:p>
+          <a:p>
+            <a:r>
+              <a:rPr lang="en-US" dirty="0" smtClean="0"/>
+              <a:t>Replica-Exchange Algorithms</a:t>
+            </a:r>
+          </a:p>
+          <a:p>
+            <a:pPr lvl="1"/>
+            <a:r>
+              <a:rPr lang="en-US" dirty="0" smtClean="0"/>
+              <a:t>Synchronous</a:t>
+            </a:r>
+          </a:p>
+          <a:p>
+            <a:pPr lvl="1"/>
+            <a:r>
+              <a:rPr lang="en-US" dirty="0" smtClean="0"/>
+              <a:t>Asynchronous</a:t>
+            </a:r>
+            <a:endParaRPr lang="en-US" dirty="0" smtClean="0"/>
+          </a:p>
+          <a:p>
+            <a:r>
+              <a:rPr lang="en-US" dirty="0" smtClean="0"/>
+              <a:t>Making REMD Accessible for DCI</a:t>
+            </a:r>
+          </a:p>
+          <a:p>
+            <a:pPr lvl="1"/>
+            <a:r>
+              <a:rPr lang="en-US" dirty="0" err="1" smtClean="0"/>
+              <a:t>Async</a:t>
+            </a:r>
+            <a:r>
+              <a:rPr lang="en-US" dirty="0" smtClean="0"/>
+              <a:t> RE Software Package</a:t>
+            </a:r>
+          </a:p>
+          <a:p>
+            <a:pPr lvl="1"/>
+            <a:r>
+              <a:rPr lang="en-US" dirty="0" smtClean="0"/>
+              <a:t>Use of XSEDE resources via SAGA/</a:t>
+            </a:r>
+            <a:r>
+              <a:rPr lang="en-US" dirty="0" err="1" smtClean="0"/>
+              <a:t>BigJob</a:t>
+            </a:r>
+            <a:endParaRPr lang="en-US" dirty="0" smtClean="0"/>
+          </a:p>
+          <a:p>
+            <a:endParaRPr lang="en-US" dirty="0" smtClean="0"/>
+          </a:p>
+          <a:p>
+            <a:pPr lvl="1"/>
+            <a:endParaRPr lang="en-US" dirty="0" smtClean="0"/>
+          </a:p>
+          <a:p>
+            <a:endParaRPr lang="en-US" dirty="0"/>
+          </a:p>
+        </p:txBody>
+      </p:sp>
+      <p:sp>
+        <p:nvSpPr>
+          <p:cNvPr id="4" name="Rectangle 3"/>
+          <p:cNvSpPr/>
+          <p:nvPr/>
+        </p:nvSpPr>
+        <p:spPr>
+          <a:xfrm>
+            <a:off x="4406705" y="1504680"/>
+            <a:ext cx="4572000" cy="3046988"/>
+          </a:xfrm>
+          <a:prstGeom prst="rect">
+            <a:avLst/>
+          </a:prstGeom>
+        </p:spPr>
+        <p:txBody>
+          <a:bodyPr>
+            <a:spAutoFit/>
+          </a:bodyPr>
+          <a:lstStyle/>
+          <a:p>
+            <a:pPr marL="285750" indent="-285750">
+              <a:buFont typeface="Arial"/>
+              <a:buChar char="•"/>
+            </a:pPr>
+            <a:r>
+              <a:rPr lang="en-US" sz="2200" dirty="0"/>
+              <a:t>Experiments</a:t>
+            </a:r>
+          </a:p>
+          <a:p>
+            <a:pPr marL="742950" lvl="1" indent="-285750">
+              <a:buFont typeface="Wingdings" charset="2"/>
+              <a:buChar char="Ø"/>
+            </a:pPr>
+            <a:r>
+              <a:rPr lang="en-US" dirty="0" smtClean="0"/>
+              <a:t>Systems </a:t>
+            </a:r>
+            <a:r>
+              <a:rPr lang="en-US" dirty="0"/>
+              <a:t>Investigated</a:t>
+            </a:r>
+          </a:p>
+          <a:p>
+            <a:pPr marL="742950" lvl="1" indent="-285750">
+              <a:buFont typeface="Wingdings" charset="2"/>
+              <a:buChar char="Ø"/>
+            </a:pPr>
+            <a:r>
+              <a:rPr lang="en-US" dirty="0"/>
+              <a:t>Systems in PJ </a:t>
+            </a:r>
+            <a:r>
+              <a:rPr lang="en-US" dirty="0" smtClean="0"/>
+              <a:t>Terms</a:t>
+            </a:r>
+          </a:p>
+          <a:p>
+            <a:pPr lvl="1"/>
+            <a:r>
+              <a:rPr lang="en-US" dirty="0" smtClean="0"/>
+              <a:t>Results</a:t>
+            </a:r>
+            <a:endParaRPr lang="en-US" dirty="0"/>
+          </a:p>
+          <a:p>
+            <a:pPr lvl="2"/>
+            <a:r>
+              <a:rPr lang="en-US" dirty="0"/>
+              <a:t>System 1</a:t>
+            </a:r>
+          </a:p>
+          <a:p>
+            <a:pPr lvl="2"/>
+            <a:r>
+              <a:rPr lang="en-US" dirty="0"/>
+              <a:t>System 2</a:t>
+            </a:r>
+          </a:p>
+          <a:p>
+            <a:pPr lvl="2"/>
+            <a:r>
+              <a:rPr lang="en-US" dirty="0"/>
+              <a:t>System 3</a:t>
+            </a:r>
+          </a:p>
+          <a:p>
+            <a:pPr lvl="2"/>
+            <a:r>
+              <a:rPr lang="en-US" dirty="0"/>
+              <a:t>System </a:t>
+            </a:r>
+            <a:r>
+              <a:rPr lang="en-US" dirty="0" smtClean="0"/>
+              <a:t>4</a:t>
+            </a:r>
+          </a:p>
+          <a:p>
+            <a:pPr marL="285750" indent="-285750">
+              <a:buFont typeface="Arial"/>
+              <a:buChar char="•"/>
+            </a:pPr>
+            <a:r>
+              <a:rPr lang="en-US" sz="2200" dirty="0" smtClean="0"/>
+              <a:t>Future Work</a:t>
+            </a:r>
+            <a:endParaRPr lang="en-US" sz="2200" dirty="0"/>
+          </a:p>
+          <a:p>
+            <a:pPr marL="285750" indent="-285750">
+              <a:buFont typeface="Arial"/>
+              <a:buChar char="•"/>
+            </a:pPr>
+            <a:r>
+              <a:rPr lang="en-US" sz="2200" dirty="0"/>
+              <a:t>Conclusion</a:t>
+            </a:r>
+          </a:p>
+        </p:txBody>
+      </p:sp>
+    </p:spTree>
+    <p:extLst>
+      <p:ext uri="{BB962C8B-B14F-4D97-AF65-F5344CB8AC3E}">
+        <p14:creationId xmlns:p14="http://schemas.microsoft.com/office/powerpoint/2010/main" val="703293322"/>
+      </p:ext>
+    </p:extLst>
+  </p:cSld>
+  <p:clrMapOvr>
+    <a:masterClrMapping/>
+  </p:clrMapOvr>
+  <p:timing>
+    <p:tnLst>
+      <p:par>
+        <p:cTn xmlns:p14="http://schemas.microsoft.com/office/powerpoint/2010/main" id="1" dur="indefinite" restart="never" nodeType="tmRoot"/>
+      </p:par>
+    </p:tnLst>
+  </p:timing>
+</p:sld>
+</file>
+
+<file path=ppt/slides/slide20.xml><?xml version="1.0" encoding="utf-8"?>
+<p:sld xmlns:a="http://schemas.openxmlformats.org/drawingml/2006/main" xmlns:r="http://schemas.openxmlformats.org/officeDocument/2006/relationships" xmlns:p="http://schemas.openxmlformats.org/presentationml/2006/main">
   <p:cSld>
     <p:spTree>
       <p:nvGrpSpPr>
@@ -3380,7 +5353,11 @@
             </a:r>
             <a:r>
               <a:rPr lang="en-US" dirty="0" smtClean="0"/>
-              <a:t> capable of handling 4000 </a:t>
+              <a:t> capable of handling </a:t>
+            </a:r>
+            <a:r>
+              <a:rPr lang="en-US" dirty="0" smtClean="0"/>
+              <a:t>~4000 </a:t>
             </a:r>
             <a:r>
               <a:rPr lang="en-US" dirty="0" err="1" smtClean="0"/>
@@ -3388,8 +5365,13 @@
             </a:r>
             <a:r>
               <a:rPr lang="en-US" dirty="0" smtClean="0"/>
-              <a:t> launches per hour</a:t>
-            </a:r>
+              <a:t> launches per </a:t>
+            </a:r>
+            <a:r>
+              <a:rPr lang="en-US" dirty="0" smtClean="0"/>
+              <a:t>hour for this particular system</a:t>
+            </a:r>
+            <a:endParaRPr lang="en-US" dirty="0" smtClean="0"/>
           </a:p>
           <a:p>
             <a:pPr marL="742950" lvl="1" indent="-285750">
@@ -3410,7 +5392,7 @@
     </p:spTree>
     <p:extLst>
       <p:ext uri="{BB962C8B-B14F-4D97-AF65-F5344CB8AC3E}">
-        <p14:creationId xmlns="" xmlns:a="http://schemas.openxmlformats.org/drawingml/2006/main" xmlns:r="http://schemas.openxmlformats.org/officeDocument/2006/relationships" xmlns:p="http://schemas.openxmlformats.org/presentationml/2006/main" xmlns:p14="http://schemas.microsoft.com/office/powerpoint/2010/main" xmlns:mv="urn:schemas-microsoft-com:mac:vml" xmlns:mc="http://schemas.openxmlformats.org/markup-compatibility/2006" val="1054991098"/>
+        <p14:creationId xmlns:p14="http://schemas.microsoft.com/office/powerpoint/2010/main" val="1054991098"/>
       </p:ext>
     </p:extLst>
   </p:cSld>
@@ -3420,15 +5402,15 @@
   <p:timing>
     <p:tnLst>
       <p:par>
-        <p:cTn id="1" dur="indefinite" restart="never" nodeType="tmRoot"/>
+        <p:cTn xmlns:p14="http://schemas.microsoft.com/office/powerpoint/2010/main" id="1" dur="indefinite" restart="never" nodeType="tmRoot"/>
       </p:par>
     </p:tnLst>
   </p:timing>
 </p:sld>
 </file>
 
-<file path=ppt/slides/slide12.xml><?xml version="1.0" encoding="utf-8"?>
-<p:sld xmlns:a="http://schemas.openxmlformats.org/drawingml/2006/main" xmlns:r="http://schemas.openxmlformats.org/officeDocument/2006/relationships" xmlns:mc="http://schemas.openxmlformats.org/markup-compatibility/2006" xmlns:mv="urn:schemas-microsoft-com:mac:vml" xmlns:p="http://schemas.openxmlformats.org/presentationml/2006/main" mc:Ignorable="mv" mc:PreserveAttributes="mv:*">
+<file path=ppt/slides/slide21.xml><?xml version="1.0" encoding="utf-8"?>
+<p:sld xmlns:a="http://schemas.openxmlformats.org/drawingml/2006/main" xmlns:r="http://schemas.openxmlformats.org/officeDocument/2006/relationships" xmlns:p="http://schemas.openxmlformats.org/presentationml/2006/main">
   <p:cSld>
     <p:spTree>
       <p:nvGrpSpPr>
@@ -3631,7 +5613,7 @@
     </p:spTree>
     <p:extLst>
       <p:ext uri="{BB962C8B-B14F-4D97-AF65-F5344CB8AC3E}">
-        <p14:creationId xmlns="" xmlns:a="http://schemas.openxmlformats.org/drawingml/2006/main" xmlns:r="http://schemas.openxmlformats.org/officeDocument/2006/relationships" xmlns:p="http://schemas.openxmlformats.org/presentationml/2006/main" xmlns:p14="http://schemas.microsoft.com/office/powerpoint/2010/main" xmlns:mv="urn:schemas-microsoft-com:mac:vml" xmlns:mc="http://schemas.openxmlformats.org/markup-compatibility/2006" val="2990765515"/>
+        <p14:creationId xmlns:p14="http://schemas.microsoft.com/office/powerpoint/2010/main" val="2990765515"/>
       </p:ext>
     </p:extLst>
   </p:cSld>
@@ -3641,15 +5623,15 @@
   <p:timing>
     <p:tnLst>
       <p:par>
-        <p:cTn id="1" dur="indefinite" restart="never" nodeType="tmRoot"/>
+        <p:cTn xmlns:p14="http://schemas.microsoft.com/office/powerpoint/2010/main" id="1" dur="indefinite" restart="never" nodeType="tmRoot"/>
       </p:par>
     </p:tnLst>
   </p:timing>
 </p:sld>
 </file>
 
-<file path=ppt/slides/slide13.xml><?xml version="1.0" encoding="utf-8"?>
-<p:sld xmlns:a="http://schemas.openxmlformats.org/drawingml/2006/main" xmlns:r="http://schemas.openxmlformats.org/officeDocument/2006/relationships" xmlns:mc="http://schemas.openxmlformats.org/markup-compatibility/2006" xmlns:mv="urn:schemas-microsoft-com:mac:vml" xmlns:p="http://schemas.openxmlformats.org/presentationml/2006/main" mc:Ignorable="mv" mc:PreserveAttributes="mv:*">
+<file path=ppt/slides/slide22.xml><?xml version="1.0" encoding="utf-8"?>
+<p:sld xmlns:a="http://schemas.openxmlformats.org/drawingml/2006/main" xmlns:r="http://schemas.openxmlformats.org/officeDocument/2006/relationships" xmlns:p="http://schemas.openxmlformats.org/presentationml/2006/main">
   <p:cSld>
     <p:spTree>
       <p:nvGrpSpPr>
@@ -3696,7 +5678,7 @@
         </p:nvSpPr>
         <p:spPr>
           <a:xfrm>
-            <a:off x="862488" y="4297180"/>
+            <a:off x="998114" y="4237494"/>
             <a:ext cx="7362561" cy="3139321"/>
           </a:xfrm>
           <a:prstGeom prst="rect">
@@ -3716,7 +5698,11 @@
             </a:pPr>
             <a:r>
               <a:rPr lang="en-US" dirty="0" smtClean="0"/>
-              <a:t>Length of each simulation cycle (i.e. the frequency with which simulations are coordinated) was fixed in real time by varying the simulation time per cycle</a:t>
+              <a:t>Length </a:t>
+            </a:r>
+            <a:r>
+              <a:rPr lang="en-US" dirty="0" smtClean="0"/>
+              <a:t>of each simulation cycle (i.e. the frequency with which simulations are coordinated) was fixed in real time by varying the simulation time per cycle</a:t>
             </a:r>
           </a:p>
           <a:p>
@@ -3726,8 +5712,13 @@
             </a:pPr>
             <a:r>
               <a:rPr lang="en-US" dirty="0" smtClean="0"/>
-              <a:t>Ideal performance = black line</a:t>
-            </a:r>
+              <a:t>Ideal performance </a:t>
+            </a:r>
+            <a:r>
+              <a:rPr lang="en-US" dirty="0" smtClean="0"/>
+              <a:t>considered to be zero coupling in this case</a:t>
+            </a:r>
+            <a:endParaRPr lang="en-US" dirty="0" smtClean="0"/>
           </a:p>
           <a:p>
             <a:pPr marL="285750" indent="-285750">
@@ -3791,7 +5782,7 @@
         </p:blipFill>
         <p:spPr>
           <a:xfrm>
-            <a:off x="2354743" y="1267471"/>
+            <a:off x="2354743" y="1181168"/>
             <a:ext cx="4394200" cy="3073400"/>
           </a:xfrm>
           <a:prstGeom prst="rect">
@@ -3799,10 +5790,51 @@
           </a:prstGeom>
         </p:spPr>
       </p:pic>
+      <p:sp>
+        <p:nvSpPr>
+          <p:cNvPr id="3" name="Rectangle 2"/>
+          <p:cNvSpPr/>
+          <p:nvPr/>
+        </p:nvSpPr>
+        <p:spPr>
+          <a:xfrm>
+            <a:off x="152965" y="1568398"/>
+            <a:ext cx="2189674" cy="1569660"/>
+          </a:xfrm>
+          <a:prstGeom prst="rect">
+            <a:avLst/>
+          </a:prstGeom>
+        </p:spPr>
+        <p:txBody>
+          <a:bodyPr wrap="square">
+            <a:spAutoFit/>
+          </a:bodyPr>
+          <a:lstStyle/>
+          <a:p>
+            <a:r>
+              <a:rPr lang="en-US" sz="1200" dirty="0"/>
+              <a:t>Umbrella sampling of the backbone conformational space of alanine</a:t>
+            </a:r>
+          </a:p>
+          <a:p>
+            <a:r>
+              <a:rPr lang="en-US" sz="1200" dirty="0"/>
+              <a:t>dipeptide. The exchange parameters are all permutations of harmonic</a:t>
+            </a:r>
+          </a:p>
+          <a:p>
+            <a:r>
+              <a:rPr lang="en-US" sz="1200" dirty="0"/>
+              <a:t>biasing potentials on each torsion.</a:t>
+            </a:r>
+            <a:endParaRPr lang="en-US" sz="1200" dirty="0"/>
+          </a:p>
+        </p:txBody>
+      </p:sp>
     </p:spTree>
     <p:extLst>
       <p:ext uri="{BB962C8B-B14F-4D97-AF65-F5344CB8AC3E}">
-        <p14:creationId xmlns="" xmlns:a="http://schemas.openxmlformats.org/drawingml/2006/main" xmlns:r="http://schemas.openxmlformats.org/officeDocument/2006/relationships" xmlns:p="http://schemas.openxmlformats.org/presentationml/2006/main" xmlns:p14="http://schemas.microsoft.com/office/powerpoint/2010/main" xmlns:mv="urn:schemas-microsoft-com:mac:vml" xmlns:mc="http://schemas.openxmlformats.org/markup-compatibility/2006" val="1819968272"/>
+        <p14:creationId xmlns:p14="http://schemas.microsoft.com/office/powerpoint/2010/main" val="1819968272"/>
       </p:ext>
     </p:extLst>
   </p:cSld>
@@ -3812,15 +5844,15 @@
   <p:timing>
     <p:tnLst>
       <p:par>
-        <p:cTn id="1" dur="indefinite" restart="never" nodeType="tmRoot"/>
+        <p:cTn xmlns:p14="http://schemas.microsoft.com/office/powerpoint/2010/main" id="1" dur="indefinite" restart="never" nodeType="tmRoot"/>
       </p:par>
     </p:tnLst>
   </p:timing>
 </p:sld>
 </file>
 
-<file path=ppt/slides/slide14.xml><?xml version="1.0" encoding="utf-8"?>
-<p:sld xmlns:a="http://schemas.openxmlformats.org/drawingml/2006/main" xmlns:r="http://schemas.openxmlformats.org/officeDocument/2006/relationships" xmlns:mc="http://schemas.openxmlformats.org/markup-compatibility/2006" xmlns:mv="urn:schemas-microsoft-com:mac:vml" xmlns:p="http://schemas.openxmlformats.org/presentationml/2006/main" mc:Ignorable="mv" mc:PreserveAttributes="mv:*">
+<file path=ppt/slides/slide23.xml><?xml version="1.0" encoding="utf-8"?>
+<p:sld xmlns:a="http://schemas.openxmlformats.org/drawingml/2006/main" xmlns:r="http://schemas.openxmlformats.org/officeDocument/2006/relationships" xmlns:p="http://schemas.openxmlformats.org/presentationml/2006/main">
   <p:cSld>
     <p:spTree>
       <p:nvGrpSpPr>
@@ -3871,7 +5903,7 @@
         <p:spPr>
           <a:xfrm>
             <a:off x="862488" y="4297180"/>
-            <a:ext cx="7362561" cy="2862323"/>
+            <a:ext cx="7362561" cy="3139321"/>
           </a:xfrm>
           <a:prstGeom prst="rect">
             <a:avLst/>
@@ -3900,16 +5932,9 @@
             </a:pPr>
             <a:r>
               <a:rPr lang="en-US" dirty="0" smtClean="0"/>
-              <a:t>But, we can increase the statistical power of short </a:t>
-            </a:r>
-            <a:r>
-              <a:rPr lang="en-US" dirty="0" err="1" smtClean="0"/>
-              <a:t>trajs</a:t>
-            </a:r>
-            <a:r>
-              <a:rPr lang="en-US" dirty="0" smtClean="0"/>
-              <a:t> that can be obtained in a reasonable time frame</a:t>
-            </a:r>
+              <a:t>RE provides efficient sampling irrespective</a:t>
+            </a:r>
+            <a:endParaRPr lang="en-US" dirty="0" smtClean="0"/>
           </a:p>
           <a:p>
             <a:pPr marL="285750" indent="-285750">
@@ -3917,17 +5942,85 @@
               <a:buChar char="•"/>
             </a:pPr>
             <a:r>
-              <a:rPr lang="en-US" dirty="0" smtClean="0"/>
-              <a:t>Scaling relies exclusively on </a:t>
-            </a:r>
-            <a:r>
-              <a:rPr lang="en-US" dirty="0" err="1" smtClean="0"/>
-              <a:t>ASyncRE</a:t>
-            </a:r>
-            <a:r>
-              <a:rPr lang="en-US" dirty="0" smtClean="0"/>
-              <a:t> and BigJob to handle hundreds/thousands of concurrent simulations</a:t>
-            </a:r>
+              <a:rPr lang="en-US" dirty="0" err="1"/>
+              <a:t>Repex</a:t>
+            </a:r>
+            <a:r>
+              <a:rPr lang="en-US" dirty="0"/>
+              <a:t> FW: </a:t>
+            </a:r>
+            <a:r>
+              <a:rPr lang="en-US" dirty="0" err="1"/>
+              <a:t>BigJob</a:t>
+            </a:r>
+            <a:r>
+              <a:rPr lang="en-US" dirty="0"/>
+              <a:t>-based </a:t>
+            </a:r>
+            <a:r>
+              <a:rPr lang="en-US" dirty="0" err="1"/>
+              <a:t>Repex</a:t>
+            </a:r>
+            <a:endParaRPr lang="en-US" dirty="0"/>
+          </a:p>
+          <a:p>
+            <a:pPr marL="742950" lvl="1" indent="-285750">
+              <a:buFont typeface="Arial"/>
+              <a:buChar char="•"/>
+            </a:pPr>
+            <a:r>
+              <a:rPr lang="en-US" dirty="0" smtClean="0"/>
+              <a:t>Framework </a:t>
+            </a:r>
+            <a:r>
+              <a:rPr lang="en-US" dirty="0"/>
+              <a:t>to handle O(100</a:t>
+            </a:r>
+            <a:r>
+              <a:rPr lang="en-US" dirty="0" smtClean="0"/>
+              <a:t>)-</a:t>
+            </a:r>
+            <a:r>
+              <a:rPr lang="en-US" dirty="0"/>
+              <a:t>-</a:t>
+            </a:r>
+            <a:r>
+              <a:rPr lang="en-US" dirty="0" smtClean="0"/>
+              <a:t>-O</a:t>
+            </a:r>
+            <a:r>
+              <a:rPr lang="en-US" dirty="0"/>
+              <a:t>(1000) concurrent simulations</a:t>
+            </a:r>
+          </a:p>
+          <a:p>
+            <a:pPr marL="742950" lvl="1" indent="-285750">
+              <a:buFont typeface="Arial"/>
+              <a:buChar char="•"/>
+            </a:pPr>
+            <a:r>
+              <a:rPr lang="en-US" dirty="0" smtClean="0"/>
+              <a:t>Amongst </a:t>
+            </a:r>
+            <a:r>
+              <a:rPr lang="en-US" dirty="0"/>
+              <a:t>the earliest QM/MM</a:t>
+            </a:r>
+          </a:p>
+          <a:p>
+            <a:pPr marL="742950" lvl="1" indent="-285750">
+              <a:buFont typeface="Arial"/>
+              <a:buChar char="•"/>
+            </a:pPr>
+            <a:r>
+              <a:rPr lang="en-US" dirty="0" smtClean="0"/>
+              <a:t>Framework </a:t>
+            </a:r>
+            <a:r>
+              <a:rPr lang="en-US" dirty="0"/>
+              <a:t>similar to classical QM/MM</a:t>
+            </a:r>
+            <a:endParaRPr lang="en-US" dirty="0" smtClean="0"/>
           </a:p>
           <a:p>
             <a:pPr marL="285750" indent="-285750">
@@ -3992,7 +6085,7 @@
     </p:spTree>
     <p:extLst>
       <p:ext uri="{BB962C8B-B14F-4D97-AF65-F5344CB8AC3E}">
-        <p14:creationId xmlns="" xmlns:a="http://schemas.openxmlformats.org/drawingml/2006/main" xmlns:r="http://schemas.openxmlformats.org/officeDocument/2006/relationships" xmlns:p="http://schemas.openxmlformats.org/presentationml/2006/main" xmlns:p14="http://schemas.microsoft.com/office/powerpoint/2010/main" xmlns:mv="urn:schemas-microsoft-com:mac:vml" xmlns:mc="http://schemas.openxmlformats.org/markup-compatibility/2006" val="4246708240"/>
+        <p14:creationId xmlns:p14="http://schemas.microsoft.com/office/powerpoint/2010/main" val="4246708240"/>
       </p:ext>
     </p:extLst>
   </p:cSld>
@@ -4002,15 +6095,15 @@
   <p:timing>
     <p:tnLst>
       <p:par>
-        <p:cTn id="1" dur="indefinite" restart="never" nodeType="tmRoot"/>
+        <p:cTn xmlns:p14="http://schemas.microsoft.com/office/powerpoint/2010/main" id="1" dur="indefinite" restart="never" nodeType="tmRoot"/>
       </p:par>
     </p:tnLst>
   </p:timing>
 </p:sld>
 </file>
 
-<file path=ppt/slides/slide15.xml><?xml version="1.0" encoding="utf-8"?>
-<p:sld xmlns:a="http://schemas.openxmlformats.org/drawingml/2006/main" xmlns:r="http://schemas.openxmlformats.org/officeDocument/2006/relationships" xmlns:mc="http://schemas.openxmlformats.org/markup-compatibility/2006" xmlns:mv="urn:schemas-microsoft-com:mac:vml" xmlns:p="http://schemas.openxmlformats.org/presentationml/2006/main" mc:Ignorable="mv" mc:PreserveAttributes="mv:*">
+<file path=ppt/slides/slide24.xml><?xml version="1.0" encoding="utf-8"?>
+<p:sld xmlns:a="http://schemas.openxmlformats.org/drawingml/2006/main" xmlns:r="http://schemas.openxmlformats.org/officeDocument/2006/relationships" xmlns:p="http://schemas.openxmlformats.org/presentationml/2006/main">
   <p:cSld>
     <p:spTree>
       <p:nvGrpSpPr>
@@ -4043,7 +6136,7 @@
           <a:p>
             <a:r>
               <a:rPr lang="en-US" dirty="0" smtClean="0"/>
-              <a:t>BigJob Discussion</a:t>
+              <a:t>Conclusion</a:t>
             </a:r>
             <a:endParaRPr lang="en-US" dirty="0"/>
           </a:p>
@@ -4066,52 +6159,177 @@
           <a:p>
             <a:r>
               <a:rPr lang="en-US" dirty="0" smtClean="0"/>
-              <a:t>Demonstrated that we could run thousands of replicas using a single general purpose framework</a:t>
-            </a:r>
-          </a:p>
-          <a:p>
-            <a:r>
-              <a:rPr lang="en-US" dirty="0" smtClean="0"/>
-              <a:t>For serial runs, with normal individual simulation cycle times, we see linear scaling by the </a:t>
+              <a:t>Basic</a:t>
+            </a:r>
+            <a:r>
+              <a:rPr lang="en-US" dirty="0"/>
+              <a:t> </a:t>
+            </a:r>
+            <a:r>
+              <a:rPr lang="en-US" dirty="0" smtClean="0"/>
+              <a:t>aim </a:t>
+            </a:r>
+            <a:r>
+              <a:rPr lang="en-US" dirty="0"/>
+              <a:t>of REMD is to increase the statistical power of </a:t>
+            </a:r>
+            <a:r>
+              <a:rPr lang="en-US" dirty="0" smtClean="0"/>
+              <a:t>multiple simulations </a:t>
+            </a:r>
+            <a:r>
+              <a:rPr lang="en-US" dirty="0"/>
+              <a:t>by facilitating the exchange of information </a:t>
+            </a:r>
+            <a:r>
+              <a:rPr lang="en-US" dirty="0" smtClean="0"/>
+              <a:t>between them </a:t>
+            </a:r>
+            <a:r>
+              <a:rPr lang="en-US" dirty="0"/>
+              <a:t>in a concerted fashion</a:t>
+            </a:r>
+            <a:endParaRPr lang="en-US" dirty="0" smtClean="0"/>
+          </a:p>
+          <a:p>
+            <a:r>
+              <a:rPr lang="en-US" dirty="0" smtClean="0"/>
+              <a:t>New </a:t>
             </a:r>
             <a:r>
               <a:rPr lang="en-US" dirty="0" err="1" smtClean="0"/>
+              <a:t>AsyncRE</a:t>
+            </a:r>
+            <a:r>
+              <a:rPr lang="en-US" dirty="0" smtClean="0"/>
+              <a:t> python package proves to be able to handle more large-scale replica exchange than was previously possible</a:t>
+            </a:r>
+          </a:p>
+          <a:p>
+            <a:pPr lvl="1"/>
+            <a:r>
+              <a:rPr lang="en-US" dirty="0" smtClean="0"/>
+              <a:t>Modular code design allows for the development of new adaptors or RE methods (development on NAMD adaptor being investigated)</a:t>
+            </a:r>
+          </a:p>
+          <a:p>
+            <a:r>
+              <a:rPr lang="en-US" dirty="0" smtClean="0"/>
+              <a:t>SAGA/</a:t>
+            </a:r>
+            <a:r>
+              <a:rPr lang="en-US" dirty="0" err="1" smtClean="0"/>
+              <a:t>BigJob</a:t>
+            </a:r>
+            <a:r>
+              <a:rPr lang="en-US" dirty="0" smtClean="0"/>
+              <a:t> allow the </a:t>
+            </a:r>
+            <a:r>
+              <a:rPr lang="en-US" dirty="0" err="1" smtClean="0"/>
+              <a:t>AsyncRE</a:t>
+            </a:r>
+            <a:r>
+              <a:rPr lang="en-US" dirty="0" smtClean="0"/>
+              <a:t> framework to submit to various platforms and XSEDE machines</a:t>
+            </a:r>
+          </a:p>
+          <a:p>
+            <a:r>
+              <a:rPr lang="en-US" dirty="0" smtClean="0"/>
+              <a:t>The framework is applied </a:t>
+            </a:r>
+            <a:r>
+              <a:rPr lang="en-US" dirty="0"/>
+              <a:t>in a consistent manner across </a:t>
+            </a:r>
+            <a:r>
+              <a:rPr lang="en-US" dirty="0" smtClean="0"/>
+              <a:t>simulation engines </a:t>
+            </a:r>
+            <a:r>
+              <a:rPr lang="en-US" dirty="0"/>
+              <a:t>and execution </a:t>
+            </a:r>
+            <a:r>
+              <a:rPr lang="en-US" dirty="0" smtClean="0"/>
+              <a:t>modes</a:t>
+            </a:r>
+          </a:p>
+          <a:p>
+            <a:pPr lvl="1"/>
+            <a:r>
+              <a:rPr lang="en-US" dirty="0"/>
+              <a:t>P</a:t>
+            </a:r>
+            <a:r>
+              <a:rPr lang="en-US" dirty="0" smtClean="0"/>
+              <a:t>erformance of the </a:t>
+            </a:r>
+            <a:r>
+              <a:rPr lang="en-US" dirty="0"/>
+              <a:t>simulation engines are inline with expected behavior </a:t>
+            </a:r>
+            <a:r>
+              <a:rPr lang="en-US" dirty="0" smtClean="0"/>
+              <a:t>in the </a:t>
+            </a:r>
+            <a:r>
+              <a:rPr lang="en-US" dirty="0"/>
+              <a:t>absence of coordination from </a:t>
+            </a:r>
+            <a:r>
+              <a:rPr lang="en-US" dirty="0" err="1"/>
               <a:t>ASyncRE</a:t>
             </a:r>
             <a:r>
-              <a:rPr lang="en-US" dirty="0" smtClean="0"/>
-              <a:t>/BigJob framework (QM/MM) – Good!</a:t>
-            </a:r>
-          </a:p>
-          <a:p>
-            <a:r>
-              <a:rPr lang="en-US" dirty="0" smtClean="0"/>
-              <a:t>For IMPACT systems, we see approx. ratio of observed throughput over maximum 73-75% -- indicating that the overhead by BigJob and the RE Engine ~25% - we don’t have finer grained results of whether this is BigJob or RE overhead </a:t>
-            </a:r>
-          </a:p>
-          <a:p>
-            <a:r>
-              <a:rPr lang="en-US" dirty="0" smtClean="0"/>
-              <a:t>We concluded that we are trying up to 4,000 </a:t>
-            </a:r>
-            <a:r>
-              <a:rPr lang="en-US" dirty="0" err="1" smtClean="0"/>
-              <a:t>subjob</a:t>
-            </a:r>
-            <a:r>
-              <a:rPr lang="en-US" dirty="0" smtClean="0"/>
-              <a:t> launches per hour efficiently – this does not really “tax” BigJob since it translates to about 1 job/sec</a:t>
-            </a:r>
-          </a:p>
-          <a:p>
+              <a:rPr lang="en-US" dirty="0"/>
+              <a:t>/</a:t>
+            </a:r>
+            <a:r>
+              <a:rPr lang="en-US" dirty="0" err="1"/>
+              <a:t>BigJob</a:t>
+            </a:r>
+            <a:endParaRPr lang="en-US" dirty="0" smtClean="0"/>
+          </a:p>
+          <a:p>
+            <a:pPr marL="0" indent="0">
+              <a:buNone/>
+            </a:pPr>
             <a:endParaRPr lang="en-US" dirty="0"/>
+          </a:p>
+        </p:txBody>
+      </p:sp>
+      <p:sp>
+        <p:nvSpPr>
+          <p:cNvPr id="4" name="TextBox 3"/>
+          <p:cNvSpPr txBox="1"/>
+          <p:nvPr/>
+        </p:nvSpPr>
+        <p:spPr>
+          <a:xfrm>
+            <a:off x="1693240" y="5482369"/>
+            <a:ext cx="1028039" cy="369332"/>
+          </a:xfrm>
+          <a:prstGeom prst="rect">
+            <a:avLst/>
+          </a:prstGeom>
+          <a:noFill/>
+        </p:spPr>
+        <p:txBody>
+          <a:bodyPr wrap="square" rtlCol="0">
+            <a:spAutoFit/>
+          </a:bodyPr>
+          <a:lstStyle/>
+          <a:p>
+            <a:endParaRPr lang="en-US"/>
           </a:p>
         </p:txBody>
       </p:sp>
     </p:spTree>
     <p:extLst>
       <p:ext uri="{BB962C8B-B14F-4D97-AF65-F5344CB8AC3E}">
-        <p14:creationId xmlns="" xmlns:a="http://schemas.openxmlformats.org/drawingml/2006/main" xmlns:r="http://schemas.openxmlformats.org/officeDocument/2006/relationships" xmlns:p="http://schemas.openxmlformats.org/presentationml/2006/main" xmlns:p14="http://schemas.microsoft.com/office/powerpoint/2010/main" xmlns:mv="urn:schemas-microsoft-com:mac:vml" xmlns:mc="http://schemas.openxmlformats.org/markup-compatibility/2006" val="2184776519"/>
+        <p14:creationId xmlns:p14="http://schemas.microsoft.com/office/powerpoint/2010/main" val="2330916061"/>
       </p:ext>
     </p:extLst>
   </p:cSld>
@@ -4121,15 +6339,15 @@
   <p:timing>
     <p:tnLst>
       <p:par>
-        <p:cTn id="1" dur="indefinite" restart="never" nodeType="tmRoot"/>
+        <p:cTn xmlns:p14="http://schemas.microsoft.com/office/powerpoint/2010/main" id="1" dur="indefinite" restart="never" nodeType="tmRoot"/>
       </p:par>
     </p:tnLst>
   </p:timing>
 </p:sld>
 </file>
 
-<file path=ppt/slides/slide16.xml><?xml version="1.0" encoding="utf-8"?>
-<p:sld xmlns:a="http://schemas.openxmlformats.org/drawingml/2006/main" xmlns:r="http://schemas.openxmlformats.org/officeDocument/2006/relationships" xmlns:mc="http://schemas.openxmlformats.org/markup-compatibility/2006" xmlns:mv="urn:schemas-microsoft-com:mac:vml" xmlns:p="http://schemas.openxmlformats.org/presentationml/2006/main" mc:Ignorable="mv" mc:PreserveAttributes="mv:*">
+<file path=ppt/slides/slide25.xml><?xml version="1.0" encoding="utf-8"?>
+<p:sld xmlns:a="http://schemas.openxmlformats.org/drawingml/2006/main" xmlns:r="http://schemas.openxmlformats.org/officeDocument/2006/relationships" xmlns:p="http://schemas.openxmlformats.org/presentationml/2006/main">
   <p:cSld>
     <p:spTree>
       <p:nvGrpSpPr>
@@ -4162,7 +6380,7 @@
           <a:p>
             <a:r>
               <a:rPr lang="en-US" dirty="0" smtClean="0"/>
-              <a:t>BigJob Discussion cont’d</a:t>
+              <a:t>Future Work</a:t>
             </a:r>
             <a:endParaRPr lang="en-US" dirty="0"/>
           </a:p>
@@ -4185,41 +6403,90 @@
           <a:p>
             <a:r>
               <a:rPr lang="en-US" dirty="0" smtClean="0"/>
-              <a:t>For IMPACT medium system, we achieve a 6-fold speedup over single-replica MD throughput</a:t>
-            </a:r>
-          </a:p>
-          <a:p>
+              <a:t>Develop new MD engine adaptors</a:t>
+            </a:r>
+          </a:p>
+          <a:p>
+            <a:pPr lvl="1"/>
+            <a:r>
+              <a:rPr lang="en-US" dirty="0" smtClean="0"/>
+              <a:t>NAMD</a:t>
+            </a:r>
+          </a:p>
+          <a:p>
+            <a:r>
+              <a:rPr lang="en-US" dirty="0" smtClean="0"/>
+              <a:t>Stress-test components more individually </a:t>
+            </a:r>
+          </a:p>
+          <a:p>
+            <a:pPr lvl="1"/>
+            <a:r>
+              <a:rPr lang="en-US" dirty="0" smtClean="0"/>
+              <a:t>Clear separation to identify bottlenecks and how to mitigate them</a:t>
+            </a:r>
+          </a:p>
+          <a:p>
+            <a:r>
+              <a:rPr lang="en-US" dirty="0" smtClean="0"/>
+              <a:t>Utilize </a:t>
+            </a:r>
             <a:r>
               <a:rPr lang="en-US" dirty="0" err="1" smtClean="0"/>
-              <a:t>ASyncRE</a:t>
-            </a:r>
-            <a:r>
-              <a:rPr lang="en-US" dirty="0" smtClean="0"/>
-              <a:t> code implements buffer to keep BigJob at peak efficiency (i.e. so that the pilot is not sitting and waiting for jobs) – tries to perform exchanges in a non-blocking way</a:t>
-            </a:r>
-          </a:p>
-          <a:p>
-            <a:r>
-              <a:rPr lang="en-US" dirty="0" smtClean="0"/>
-              <a:t>For AMBER Umbrella Sampling, increasing frequency seems to have uniform performance hit at higher freq. of exchange</a:t>
-            </a:r>
-          </a:p>
-          <a:p>
-            <a:pPr lvl="1"/>
-            <a:r>
-              <a:rPr lang="en-US" dirty="0" smtClean="0"/>
-              <a:t>May indicate that the overhead observed/introduced is from BigJob since </a:t>
+              <a:t>BigJob</a:t>
             </a:r>
             <a:r>
               <a:rPr lang="en-US" dirty="0" err="1" smtClean="0"/>
-              <a:t>ASyncRE</a:t>
-            </a:r>
-            <a:r>
-              <a:rPr lang="en-US" dirty="0" smtClean="0"/>
-              <a:t> will need to perform more exchanges at higher freq.</a:t>
-            </a:r>
-          </a:p>
-          <a:p>
+              <a:t>’s</a:t>
+            </a:r>
+            <a:r>
+              <a:rPr lang="en-US" dirty="0" smtClean="0"/>
+              <a:t> data-movement capabilities in order to run across multiple XSEDE machines</a:t>
+            </a:r>
+          </a:p>
+          <a:p>
+            <a:r>
+              <a:rPr lang="en-US" dirty="0" smtClean="0"/>
+              <a:t>Test the capabilities of running order 10</a:t>
+            </a:r>
+            <a:r>
+              <a:rPr lang="en-US" baseline="30000" dirty="0" smtClean="0"/>
+              <a:t>3</a:t>
+            </a:r>
+            <a:r>
+              <a:rPr lang="en-US" dirty="0" smtClean="0"/>
+              <a:t> replicas</a:t>
+            </a:r>
+          </a:p>
+          <a:p>
+            <a:r>
+              <a:rPr lang="en-US" dirty="0" smtClean="0"/>
+              <a:t>Data deluge, transfer, analysis</a:t>
+            </a:r>
+          </a:p>
+          <a:p>
+            <a:r>
+              <a:rPr lang="en-US" dirty="0" smtClean="0"/>
+              <a:t>Adaptive RE: add/remove replicas during run</a:t>
+            </a:r>
+          </a:p>
+          <a:p>
+            <a:r>
+              <a:rPr lang="en-US" dirty="0" smtClean="0"/>
+              <a:t>Load on front-end host (exchanges can be somewhat expensive)</a:t>
+            </a:r>
+          </a:p>
+          <a:p>
+            <a:r>
+              <a:rPr lang="en-US" dirty="0" smtClean="0"/>
+              <a:t>Grow user base and user documentation</a:t>
+            </a:r>
+            <a:endParaRPr lang="en-US" dirty="0" smtClean="0"/>
+          </a:p>
+          <a:p>
+            <a:pPr marL="0" indent="0">
+              <a:buNone/>
+            </a:pPr>
             <a:endParaRPr lang="en-US" dirty="0"/>
           </a:p>
         </p:txBody>
@@ -4250,40 +6517,10 @@
           </a:p>
         </p:txBody>
       </p:sp>
-      <p:pic>
-        <p:nvPicPr>
-          <p:cNvPr id="7" name="Picture 6" descr="Screen Shot 2013-04-23 at 1.57.40 PM.png"/>
-          <p:cNvPicPr>
-            <a:picLocks noChangeAspect="1"/>
-          </p:cNvPicPr>
-          <p:nvPr/>
-        </p:nvPicPr>
-        <p:blipFill>
-          <a:blip r:embed="rId2">
-            <a:extLst>
-              <a:ext uri="{28A0092B-C50C-407E-A947-70E740481C1C}">
-                <a14:useLocalDpi xmlns="" xmlns:a="http://schemas.openxmlformats.org/drawingml/2006/main" xmlns:r="http://schemas.openxmlformats.org/officeDocument/2006/relationships" xmlns:p="http://schemas.openxmlformats.org/presentationml/2006/main" xmlns:a14="http://schemas.microsoft.com/office/drawing/2010/main" xmlns:mv="urn:schemas-microsoft-com:mac:vml" xmlns:mc="http://schemas.openxmlformats.org/markup-compatibility/2006" val="0"/>
-              </a:ext>
-            </a:extLst>
-          </a:blip>
-          <a:stretch>
-            <a:fillRect/>
-          </a:stretch>
-        </p:blipFill>
-        <p:spPr>
-          <a:xfrm>
-            <a:off x="963348" y="5099892"/>
-            <a:ext cx="7327900" cy="1231900"/>
-          </a:xfrm>
-          <a:prstGeom prst="rect">
-            <a:avLst/>
-          </a:prstGeom>
-        </p:spPr>
-      </p:pic>
     </p:spTree>
     <p:extLst>
       <p:ext uri="{BB962C8B-B14F-4D97-AF65-F5344CB8AC3E}">
-        <p14:creationId xmlns="" xmlns:a="http://schemas.openxmlformats.org/drawingml/2006/main" xmlns:r="http://schemas.openxmlformats.org/officeDocument/2006/relationships" xmlns:p="http://schemas.openxmlformats.org/presentationml/2006/main" xmlns:p14="http://schemas.microsoft.com/office/powerpoint/2010/main" xmlns:mv="urn:schemas-microsoft-com:mac:vml" xmlns:mc="http://schemas.openxmlformats.org/markup-compatibility/2006" val="2330916061"/>
+        <p14:creationId xmlns:p14="http://schemas.microsoft.com/office/powerpoint/2010/main" val="1878262381"/>
       </p:ext>
     </p:extLst>
   </p:cSld>
@@ -4293,15 +6530,15 @@
   <p:timing>
     <p:tnLst>
       <p:par>
-        <p:cTn id="1" dur="indefinite" restart="never" nodeType="tmRoot"/>
+        <p:cTn xmlns:p14="http://schemas.microsoft.com/office/powerpoint/2010/main" id="1" dur="indefinite" restart="never" nodeType="tmRoot"/>
       </p:par>
     </p:tnLst>
   </p:timing>
 </p:sld>
 </file>
 
-<file path=ppt/slides/slide17.xml><?xml version="1.0" encoding="utf-8"?>
-<p:sld xmlns:a="http://schemas.openxmlformats.org/drawingml/2006/main" xmlns:r="http://schemas.openxmlformats.org/officeDocument/2006/relationships" xmlns:mc="http://schemas.openxmlformats.org/markup-compatibility/2006" xmlns:mv="urn:schemas-microsoft-com:mac:vml" xmlns:p="http://schemas.openxmlformats.org/presentationml/2006/main" mc:Ignorable="mv" mc:PreserveAttributes="mv:*">
+<file path=ppt/slides/slide26.xml><?xml version="1.0" encoding="utf-8"?>
+<p:sld xmlns:a="http://schemas.openxmlformats.org/drawingml/2006/main" xmlns:r="http://schemas.openxmlformats.org/officeDocument/2006/relationships" xmlns:p="http://schemas.openxmlformats.org/presentationml/2006/main">
   <p:cSld>
     <p:spTree>
       <p:nvGrpSpPr>
@@ -4319,6 +6556,440 @@
       </p:grpSpPr>
       <p:sp>
         <p:nvSpPr>
+          <p:cNvPr id="2" name="Title 1"/>
+          <p:cNvSpPr>
+            <a:spLocks noGrp="1"/>
+          </p:cNvSpPr>
+          <p:nvPr>
+            <p:ph type="title"/>
+          </p:nvPr>
+        </p:nvSpPr>
+        <p:spPr/>
+        <p:txBody>
+          <a:bodyPr/>
+          <a:lstStyle/>
+          <a:p>
+            <a:r>
+              <a:rPr lang="en-US" dirty="0" smtClean="0"/>
+              <a:t>Acknowledgements</a:t>
+            </a:r>
+            <a:endParaRPr lang="en-US" dirty="0"/>
+          </a:p>
+        </p:txBody>
+      </p:sp>
+      <p:sp>
+        <p:nvSpPr>
+          <p:cNvPr id="3" name="Content Placeholder 2"/>
+          <p:cNvSpPr>
+            <a:spLocks noGrp="1"/>
+          </p:cNvSpPr>
+          <p:nvPr>
+            <p:ph idx="1"/>
+          </p:nvPr>
+        </p:nvSpPr>
+        <p:spPr/>
+        <p:txBody>
+          <a:bodyPr/>
+          <a:lstStyle/>
+          <a:p>
+            <a:r>
+              <a:rPr lang="en-US" dirty="0" smtClean="0"/>
+              <a:t>“The Rutgers Chemists”</a:t>
+            </a:r>
+          </a:p>
+          <a:p>
+            <a:pPr lvl="1"/>
+            <a:r>
+              <a:rPr lang="en-US" dirty="0" smtClean="0"/>
+              <a:t>Brian </a:t>
+            </a:r>
+            <a:r>
+              <a:rPr lang="en-US" dirty="0" err="1" smtClean="0"/>
+              <a:t>Radak</a:t>
+            </a:r>
+            <a:r>
+              <a:rPr lang="en-US" dirty="0" smtClean="0"/>
+              <a:t>, Darrin York, Ronald Levy, Emilio </a:t>
+            </a:r>
+            <a:r>
+              <a:rPr lang="en-US" dirty="0" err="1" smtClean="0"/>
+              <a:t>Gallicchio</a:t>
+            </a:r>
+            <a:r>
+              <a:rPr lang="en-US" dirty="0" smtClean="0"/>
+              <a:t>, </a:t>
+            </a:r>
+            <a:r>
+              <a:rPr lang="en-US" dirty="0"/>
+              <a:t>Tai-Sung Lee, </a:t>
+            </a:r>
+            <a:r>
+              <a:rPr lang="en-US" dirty="0" smtClean="0"/>
+              <a:t>Nan</a:t>
+            </a:r>
+            <a:r>
+              <a:rPr lang="en-US" dirty="0"/>
+              <a:t>-</a:t>
+            </a:r>
+            <a:r>
+              <a:rPr lang="en-US" dirty="0" err="1"/>
+              <a:t>Jie</a:t>
+            </a:r>
+            <a:r>
+              <a:rPr lang="en-US" dirty="0"/>
+              <a:t> Deng, </a:t>
+            </a:r>
+            <a:r>
+              <a:rPr lang="en-US" dirty="0" err="1"/>
+              <a:t>Peng</a:t>
+            </a:r>
+            <a:r>
+              <a:rPr lang="en-US" dirty="0"/>
+              <a:t> He, Wei Dai</a:t>
+            </a:r>
+            <a:endParaRPr lang="en-US" dirty="0" smtClean="0"/>
+          </a:p>
+          <a:p>
+            <a:r>
+              <a:rPr lang="en-US" dirty="0" smtClean="0"/>
+              <a:t>Rutgers RADICAL Team</a:t>
+            </a:r>
+          </a:p>
+          <a:p>
+            <a:pPr lvl="1"/>
+            <a:r>
+              <a:rPr lang="en-US" dirty="0" smtClean="0">
+                <a:hlinkClick r:id="rId2"/>
+              </a:rPr>
+              <a:t>http://radical.rutgers.edu</a:t>
+            </a:r>
+            <a:endParaRPr lang="en-US" dirty="0" smtClean="0"/>
+          </a:p>
+          <a:p>
+            <a:pPr lvl="1"/>
+            <a:r>
+              <a:rPr lang="en-US" dirty="0" smtClean="0"/>
+              <a:t>Especially: </a:t>
+            </a:r>
+            <a:r>
+              <a:rPr lang="en-US" dirty="0" err="1" smtClean="0"/>
+              <a:t>Shantenu</a:t>
+            </a:r>
+            <a:r>
+              <a:rPr lang="en-US" dirty="0" smtClean="0"/>
+              <a:t> </a:t>
+            </a:r>
+            <a:r>
+              <a:rPr lang="en-US" dirty="0" err="1" smtClean="0"/>
+              <a:t>Jha</a:t>
+            </a:r>
+            <a:r>
+              <a:rPr lang="en-US" dirty="0" smtClean="0"/>
+              <a:t>, </a:t>
+            </a:r>
+            <a:r>
+              <a:rPr lang="en-US" dirty="0" err="1" smtClean="0"/>
+              <a:t>Pradeep</a:t>
+            </a:r>
+            <a:r>
+              <a:rPr lang="en-US" dirty="0" smtClean="0"/>
+              <a:t> Kumar </a:t>
+            </a:r>
+            <a:r>
+              <a:rPr lang="en-US" dirty="0" err="1" smtClean="0"/>
+              <a:t>Mantha</a:t>
+            </a:r>
+            <a:r>
+              <a:rPr lang="en-US" dirty="0" smtClean="0"/>
+              <a:t> (graduated), Ole Weidner, Andre </a:t>
+            </a:r>
+            <a:r>
+              <a:rPr lang="en-US" dirty="0" err="1" smtClean="0"/>
+              <a:t>Luckow</a:t>
+            </a:r>
+            <a:r>
+              <a:rPr lang="en-US" dirty="0" smtClean="0"/>
+              <a:t>, Andre </a:t>
+            </a:r>
+            <a:r>
+              <a:rPr lang="en-US" dirty="0" err="1" smtClean="0"/>
+              <a:t>Merzky</a:t>
+            </a:r>
+            <a:r>
+              <a:rPr lang="en-US" dirty="0" smtClean="0"/>
+              <a:t>, Ashley </a:t>
+            </a:r>
+            <a:r>
+              <a:rPr lang="en-US" dirty="0" err="1" smtClean="0"/>
+              <a:t>Zebrowski</a:t>
+            </a:r>
+            <a:endParaRPr lang="en-US" dirty="0" smtClean="0"/>
+          </a:p>
+          <a:p>
+            <a:r>
+              <a:rPr lang="en-US" dirty="0" smtClean="0"/>
+              <a:t>TACC ECSS Assistance: </a:t>
+            </a:r>
+            <a:r>
+              <a:rPr lang="en-US" dirty="0" err="1" smtClean="0"/>
+              <a:t>Yaakoub</a:t>
+            </a:r>
+            <a:r>
+              <a:rPr lang="en-US" dirty="0" smtClean="0"/>
+              <a:t> El-</a:t>
+            </a:r>
+            <a:r>
+              <a:rPr lang="en-US" dirty="0" err="1" smtClean="0"/>
+              <a:t>Khamra</a:t>
+            </a:r>
+            <a:endParaRPr lang="en-US" dirty="0" smtClean="0"/>
+          </a:p>
+          <a:p>
+            <a:r>
+              <a:rPr lang="en-US" dirty="0" smtClean="0"/>
+              <a:t>National Science Foundation</a:t>
+            </a:r>
+            <a:endParaRPr lang="en-US" dirty="0"/>
+          </a:p>
+        </p:txBody>
+      </p:sp>
+    </p:spTree>
+    <p:extLst>
+      <p:ext uri="{BB962C8B-B14F-4D97-AF65-F5344CB8AC3E}">
+        <p14:creationId xmlns:p14="http://schemas.microsoft.com/office/powerpoint/2010/main" val="1523407988"/>
+      </p:ext>
+    </p:extLst>
+  </p:cSld>
+  <p:clrMapOvr>
+    <a:masterClrMapping/>
+  </p:clrMapOvr>
+</p:sld>
+</file>
+
+<file path=ppt/slides/slide27.xml><?xml version="1.0" encoding="utf-8"?>
+<p:sld xmlns:a="http://schemas.openxmlformats.org/drawingml/2006/main" xmlns:r="http://schemas.openxmlformats.org/officeDocument/2006/relationships" xmlns:p="http://schemas.openxmlformats.org/presentationml/2006/main">
+  <p:cSld>
+    <p:spTree>
+      <p:nvGrpSpPr>
+        <p:cNvPr id="1" name=""/>
+        <p:cNvGrpSpPr/>
+        <p:nvPr/>
+      </p:nvGrpSpPr>
+      <p:grpSpPr>
+        <a:xfrm>
+          <a:off x="0" y="0"/>
+          <a:ext cx="0" cy="0"/>
+          <a:chOff x="0" y="0"/>
+          <a:chExt cx="0" cy="0"/>
+        </a:xfrm>
+      </p:grpSpPr>
+      <p:sp>
+        <p:nvSpPr>
+          <p:cNvPr id="2" name="Title 1"/>
+          <p:cNvSpPr>
+            <a:spLocks noGrp="1"/>
+          </p:cNvSpPr>
+          <p:nvPr>
+            <p:ph type="title"/>
+          </p:nvPr>
+        </p:nvSpPr>
+        <p:spPr/>
+        <p:txBody>
+          <a:bodyPr/>
+          <a:lstStyle/>
+          <a:p>
+            <a:r>
+              <a:rPr lang="en-US" dirty="0" smtClean="0"/>
+              <a:t>References</a:t>
+            </a:r>
+            <a:endParaRPr lang="en-US" dirty="0"/>
+          </a:p>
+        </p:txBody>
+      </p:sp>
+      <p:sp>
+        <p:nvSpPr>
+          <p:cNvPr id="3" name="Content Placeholder 2"/>
+          <p:cNvSpPr>
+            <a:spLocks noGrp="1"/>
+          </p:cNvSpPr>
+          <p:nvPr>
+            <p:ph idx="1"/>
+          </p:nvPr>
+        </p:nvSpPr>
+        <p:spPr/>
+        <p:txBody>
+          <a:bodyPr/>
+          <a:lstStyle/>
+          <a:p>
+            <a:r>
+              <a:rPr lang="en-US" dirty="0" smtClean="0"/>
+              <a:t>Rutgers </a:t>
+            </a:r>
+            <a:r>
+              <a:rPr lang="en-US" dirty="0" err="1" smtClean="0"/>
+              <a:t>BioMaps</a:t>
+            </a:r>
+            <a:r>
+              <a:rPr lang="en-US" dirty="0" smtClean="0"/>
+              <a:t>: </a:t>
+            </a:r>
+            <a:r>
+              <a:rPr lang="en-US" dirty="0" smtClean="0">
+                <a:hlinkClick r:id="rId2"/>
+              </a:rPr>
+              <a:t>http://biomaps.rutgers.edu</a:t>
+            </a:r>
+            <a:endParaRPr lang="en-US" dirty="0" smtClean="0"/>
+          </a:p>
+          <a:p>
+            <a:r>
+              <a:rPr lang="en-US" dirty="0" smtClean="0"/>
+              <a:t>Rutgers RADICAL: </a:t>
+            </a:r>
+            <a:r>
+              <a:rPr lang="en-US" dirty="0" smtClean="0">
+                <a:hlinkClick r:id="rId3"/>
+              </a:rPr>
+              <a:t>http://radical.rutgers.edu</a:t>
+            </a:r>
+            <a:endParaRPr lang="en-US" dirty="0" smtClean="0"/>
+          </a:p>
+          <a:p>
+            <a:r>
+              <a:rPr lang="en-US" dirty="0" err="1" smtClean="0"/>
+              <a:t>AsyncRE</a:t>
+            </a:r>
+            <a:r>
+              <a:rPr lang="en-US" dirty="0" smtClean="0"/>
+              <a:t> Software </a:t>
+            </a:r>
+            <a:r>
+              <a:rPr lang="en-US" dirty="0"/>
+              <a:t>Package: </a:t>
+            </a:r>
+            <a:r>
+              <a:rPr lang="en-US" dirty="0">
+                <a:hlinkClick r:id="rId4"/>
+              </a:rPr>
+              <a:t>https://github.com/saga-project/asyncre-</a:t>
+            </a:r>
+            <a:r>
+              <a:rPr lang="en-US" dirty="0" smtClean="0">
+                <a:hlinkClick r:id="rId4"/>
+              </a:rPr>
+              <a:t>bigjob/</a:t>
+            </a:r>
+            <a:endParaRPr lang="en-US" dirty="0" smtClean="0"/>
+          </a:p>
+          <a:p>
+            <a:r>
+              <a:rPr lang="en-US" dirty="0" err="1" smtClean="0"/>
+              <a:t>AsyncRE</a:t>
+            </a:r>
+            <a:r>
+              <a:rPr lang="en-US" dirty="0" smtClean="0"/>
+              <a:t> Mailing List: </a:t>
+            </a:r>
+            <a:r>
+              <a:rPr lang="en-US" dirty="0" smtClean="0">
+                <a:hlinkClick r:id="rId5"/>
+              </a:rPr>
+              <a:t>async-replica-exchange@googlegroups.com</a:t>
+            </a:r>
+            <a:endParaRPr lang="en-US" dirty="0" smtClean="0"/>
+          </a:p>
+          <a:p>
+            <a:r>
+              <a:rPr lang="en-US" dirty="0" smtClean="0"/>
+              <a:t>saga</a:t>
+            </a:r>
+            <a:r>
+              <a:rPr lang="en-US" dirty="0"/>
+              <a:t>-python: </a:t>
+            </a:r>
+            <a:r>
+              <a:rPr lang="en-US" dirty="0">
+                <a:hlinkClick r:id="rId6"/>
+              </a:rPr>
+              <a:t>http://saga-project.github.io</a:t>
+            </a:r>
+            <a:r>
+              <a:rPr lang="en-US" dirty="0" smtClean="0">
+                <a:hlinkClick r:id="rId6"/>
+              </a:rPr>
+              <a:t>/saga-python/</a:t>
+            </a:r>
+            <a:endParaRPr lang="en-US" dirty="0" smtClean="0"/>
+          </a:p>
+          <a:p>
+            <a:r>
+              <a:rPr lang="en-US" dirty="0" err="1" smtClean="0"/>
+              <a:t>BigJob</a:t>
+            </a:r>
+            <a:r>
+              <a:rPr lang="en-US" dirty="0"/>
+              <a:t>: </a:t>
+            </a:r>
+            <a:r>
+              <a:rPr lang="en-US" dirty="0">
+                <a:hlinkClick r:id="rId7"/>
+              </a:rPr>
+              <a:t>http://saga-project.github.io/BigJob</a:t>
+            </a:r>
+            <a:r>
+              <a:rPr lang="en-US" dirty="0" smtClean="0">
+                <a:hlinkClick r:id="rId7"/>
+              </a:rPr>
+              <a:t>/</a:t>
+            </a:r>
+            <a:endParaRPr lang="en-US" dirty="0" smtClean="0"/>
+          </a:p>
+          <a:p>
+            <a:pPr marL="0" indent="0">
+              <a:buNone/>
+            </a:pPr>
+            <a:endParaRPr lang="en-US" dirty="0"/>
+          </a:p>
+          <a:p>
+            <a:endParaRPr lang="en-US" dirty="0" smtClean="0"/>
+          </a:p>
+          <a:p>
+            <a:endParaRPr lang="en-US" dirty="0"/>
+          </a:p>
+        </p:txBody>
+      </p:sp>
+    </p:spTree>
+    <p:extLst>
+      <p:ext uri="{BB962C8B-B14F-4D97-AF65-F5344CB8AC3E}">
+        <p14:creationId xmlns:p14="http://schemas.microsoft.com/office/powerpoint/2010/main" val="2326427729"/>
+      </p:ext>
+    </p:extLst>
+  </p:cSld>
+  <p:clrMapOvr>
+    <a:masterClrMapping/>
+  </p:clrMapOvr>
+</p:sld>
+</file>
+
+<file path=ppt/slides/slide28.xml><?xml version="1.0" encoding="utf-8"?>
+<p:sld xmlns:a="http://schemas.openxmlformats.org/drawingml/2006/main" xmlns:r="http://schemas.openxmlformats.org/officeDocument/2006/relationships" xmlns:p="http://schemas.openxmlformats.org/presentationml/2006/main">
+  <p:cSld>
+    <p:spTree>
+      <p:nvGrpSpPr>
+        <p:cNvPr id="1" name=""/>
+        <p:cNvGrpSpPr/>
+        <p:nvPr/>
+      </p:nvGrpSpPr>
+      <p:grpSpPr>
+        <a:xfrm>
+          <a:off x="0" y="0"/>
+          <a:ext cx="0" cy="0"/>
+          <a:chOff x="0" y="0"/>
+          <a:chExt cx="0" cy="0"/>
+        </a:xfrm>
+      </p:grpSpPr>
+      <p:sp>
+        <p:nvSpPr>
           <p:cNvPr id="4" name="TextBox 3"/>
           <p:cNvSpPr txBox="1"/>
           <p:nvPr/>
@@ -4355,7 +7026,7 @@
           <a:blip r:embed="rId2">
             <a:extLst>
               <a:ext uri="{28A0092B-C50C-407E-A947-70E740481C1C}">
-                <a14:useLocalDpi xmlns="" xmlns:a="http://schemas.openxmlformats.org/drawingml/2006/main" xmlns:r="http://schemas.openxmlformats.org/officeDocument/2006/relationships" xmlns:p="http://schemas.openxmlformats.org/presentationml/2006/main" xmlns:a14="http://schemas.microsoft.com/office/drawing/2010/main" xmlns:mv="urn:schemas-microsoft-com:mac:vml" xmlns:mc="http://schemas.openxmlformats.org/markup-compatibility/2006" val="0"/>
+                <a14:useLocalDpi xmlns:a14="http://schemas.microsoft.com/office/drawing/2010/main" val="0"/>
               </a:ext>
             </a:extLst>
           </a:blip>
@@ -4376,7 +7047,7 @@
     </p:spTree>
     <p:extLst>
       <p:ext uri="{BB962C8B-B14F-4D97-AF65-F5344CB8AC3E}">
-        <p14:creationId xmlns="" xmlns:a="http://schemas.openxmlformats.org/drawingml/2006/main" xmlns:r="http://schemas.openxmlformats.org/officeDocument/2006/relationships" xmlns:p="http://schemas.openxmlformats.org/presentationml/2006/main" xmlns:p14="http://schemas.microsoft.com/office/powerpoint/2010/main" xmlns:mv="urn:schemas-microsoft-com:mac:vml" xmlns:mc="http://schemas.openxmlformats.org/markup-compatibility/2006" val="3745986714"/>
+        <p14:creationId xmlns:p14="http://schemas.microsoft.com/office/powerpoint/2010/main" val="3745986714"/>
       </p:ext>
     </p:extLst>
   </p:cSld>
@@ -4386,15 +7057,15 @@
   <p:timing>
     <p:tnLst>
       <p:par>
-        <p:cTn id="1" dur="indefinite" restart="never" nodeType="tmRoot"/>
+        <p:cTn xmlns:p14="http://schemas.microsoft.com/office/powerpoint/2010/main" id="1" dur="indefinite" restart="never" nodeType="tmRoot"/>
       </p:par>
     </p:tnLst>
   </p:timing>
 </p:sld>
 </file>
 
-<file path=ppt/slides/slide2.xml><?xml version="1.0" encoding="utf-8"?>
-<p:sld xmlns:a="http://schemas.openxmlformats.org/drawingml/2006/main" xmlns:r="http://schemas.openxmlformats.org/officeDocument/2006/relationships" xmlns:mc="http://schemas.openxmlformats.org/markup-compatibility/2006" xmlns:mv="urn:schemas-microsoft-com:mac:vml" xmlns:p="http://schemas.openxmlformats.org/presentationml/2006/main" mc:Ignorable="mv" mc:PreserveAttributes="mv:*">
+<file path=ppt/slides/slide3.xml><?xml version="1.0" encoding="utf-8"?>
+<p:sld xmlns:a="http://schemas.openxmlformats.org/drawingml/2006/main" xmlns:r="http://schemas.openxmlformats.org/officeDocument/2006/relationships" xmlns:p="http://schemas.openxmlformats.org/presentationml/2006/main">
   <p:cSld>
     <p:spTree>
       <p:nvGrpSpPr>
@@ -4427,7 +7098,7 @@
           <a:p>
             <a:r>
               <a:rPr lang="en-US" dirty="0" smtClean="0"/>
-              <a:t>Overview</a:t>
+              <a:t>Introduction</a:t>
             </a:r>
             <a:endParaRPr lang="en-US" dirty="0"/>
           </a:p>
@@ -4443,131 +7114,100 @@
             <p:ph idx="1"/>
           </p:nvPr>
         </p:nvSpPr>
-        <p:spPr/>
+        <p:spPr>
+          <a:xfrm>
+            <a:off x="457200" y="1416381"/>
+            <a:ext cx="8229600" cy="4533900"/>
+          </a:xfrm>
+        </p:spPr>
         <p:txBody>
           <a:bodyPr/>
           <a:lstStyle/>
           <a:p>
             <a:r>
               <a:rPr lang="en-US" dirty="0" smtClean="0"/>
-              <a:t>Introduction</a:t>
-            </a:r>
-          </a:p>
-          <a:p>
-            <a:r>
-              <a:rPr lang="en-US" dirty="0" smtClean="0"/>
-              <a:t>Science Problem (in short)</a:t>
-            </a:r>
-          </a:p>
-          <a:p>
+              <a:t>Replica-exchange molecular dynamics (REMD) is a method for effectively sampling high-dimensional rough energy landscapes</a:t>
+            </a:r>
+          </a:p>
+          <a:p>
+            <a:pPr lvl="1"/>
+            <a:r>
+              <a:rPr lang="en-US" dirty="0" smtClean="0"/>
+              <a:t>Enhanced sampling relative to regular MD simulations</a:t>
+            </a:r>
+          </a:p>
+          <a:p>
+            <a:pPr lvl="1"/>
+            <a:r>
+              <a:rPr lang="en-US" dirty="0" smtClean="0"/>
+              <a:t>Systems with similar potential energies can sample conformations at different temperatures</a:t>
+            </a:r>
+          </a:p>
+          <a:p>
+            <a:pPr lvl="2"/>
+            <a:r>
+              <a:rPr lang="en-US" dirty="0" smtClean="0"/>
+              <a:t>Potential to o</a:t>
+            </a:r>
+            <a:r>
+              <a:rPr lang="en-US" dirty="0" smtClean="0"/>
+              <a:t>vercome energy barriers on the potential energy surface</a:t>
+            </a:r>
+          </a:p>
+          <a:p>
+            <a:pPr lvl="1"/>
+            <a:r>
+              <a:rPr lang="en-US" dirty="0" smtClean="0"/>
+              <a:t>Can be used for a range of physical systems from protein-folding to binding energy affinity calculations</a:t>
+            </a:r>
+            <a:endParaRPr lang="en-US" dirty="0" smtClean="0"/>
+          </a:p>
+          <a:p>
+            <a:r>
+              <a:rPr lang="en-US" dirty="0" smtClean="0"/>
+              <a:t>Traditional REMD previously </a:t>
+            </a:r>
+            <a:r>
+              <a:rPr lang="en-US" dirty="0" smtClean="0"/>
+              <a:t>limited to smaller scales</a:t>
+            </a:r>
+          </a:p>
+          <a:p>
+            <a:pPr lvl="1"/>
+            <a:r>
+              <a:rPr lang="en-US" dirty="0" smtClean="0"/>
+              <a:t>Enhanced sampling comes at the cost of coordination overhead</a:t>
+            </a:r>
+            <a:endParaRPr lang="en-US" dirty="0" smtClean="0"/>
+          </a:p>
+          <a:p>
+            <a:r>
+              <a:rPr lang="en-US" dirty="0" smtClean="0"/>
+              <a:t>Goals of this Paper: Release </a:t>
+            </a:r>
             <a:r>
               <a:rPr lang="en-US" dirty="0" err="1" smtClean="0"/>
               <a:t>Async</a:t>
             </a:r>
             <a:r>
               <a:rPr lang="en-US" dirty="0" smtClean="0"/>
-              <a:t> Replica-Exchange Package</a:t>
+              <a:t> RE package to public – show current performance statistics to scientific community</a:t>
             </a:r>
           </a:p>
           <a:p>
             <a:pPr lvl="1"/>
             <a:r>
-              <a:rPr lang="en-US" dirty="0"/>
-              <a:t>SAGA/BigJob </a:t>
-            </a:r>
-            <a:r>
-              <a:rPr lang="en-US" dirty="0" smtClean="0"/>
-              <a:t>Role</a:t>
-            </a:r>
-          </a:p>
-          <a:p>
-            <a:r>
-              <a:rPr lang="en-US" dirty="0" smtClean="0"/>
-              <a:t>Experiments</a:t>
-            </a:r>
-          </a:p>
-          <a:p>
-            <a:pPr lvl="1"/>
-            <a:r>
-              <a:rPr lang="en-US" dirty="0" smtClean="0"/>
-              <a:t>Performance Model</a:t>
-            </a:r>
-          </a:p>
-          <a:p>
-            <a:pPr lvl="1"/>
-            <a:r>
-              <a:rPr lang="en-US" dirty="0" smtClean="0"/>
-              <a:t>Systems Investigated</a:t>
-            </a:r>
-          </a:p>
-          <a:p>
-            <a:pPr lvl="1"/>
-            <a:r>
-              <a:rPr lang="en-US" dirty="0" smtClean="0"/>
-              <a:t>Systems in PJ Terms</a:t>
-            </a:r>
-          </a:p>
-          <a:p>
-            <a:pPr lvl="1"/>
-            <a:r>
-              <a:rPr lang="en-US" dirty="0" smtClean="0"/>
-              <a:t>Results</a:t>
-            </a:r>
-          </a:p>
-          <a:p>
-            <a:pPr lvl="2"/>
-            <a:r>
-              <a:rPr lang="en-US" dirty="0" smtClean="0"/>
-              <a:t>System 1</a:t>
-            </a:r>
-          </a:p>
-          <a:p>
-            <a:pPr lvl="2"/>
-            <a:r>
-              <a:rPr lang="en-US" dirty="0" smtClean="0"/>
-              <a:t>System 2</a:t>
-            </a:r>
-          </a:p>
-          <a:p>
-            <a:pPr lvl="2"/>
-            <a:r>
-              <a:rPr lang="en-US" dirty="0" smtClean="0"/>
-              <a:t>System 3</a:t>
-            </a:r>
-          </a:p>
-          <a:p>
-            <a:pPr lvl="2"/>
-            <a:r>
-              <a:rPr lang="en-US" dirty="0" smtClean="0"/>
-              <a:t>System 4</a:t>
-            </a:r>
-          </a:p>
-          <a:p>
-            <a:r>
-              <a:rPr lang="en-US" dirty="0" smtClean="0"/>
-              <a:t>Conclusion</a:t>
-            </a:r>
-          </a:p>
-          <a:p>
-            <a:pPr lvl="1"/>
-            <a:endParaRPr lang="en-US" dirty="0" smtClean="0"/>
-          </a:p>
-          <a:p>
-            <a:endParaRPr lang="en-US" dirty="0" smtClean="0"/>
-          </a:p>
-          <a:p>
-            <a:pPr lvl="1"/>
-            <a:endParaRPr lang="en-US" dirty="0" smtClean="0"/>
-          </a:p>
-          <a:p>
-            <a:endParaRPr lang="en-US" dirty="0"/>
+              <a:rPr lang="en-US" i="1" dirty="0" smtClean="0"/>
+              <a:t>Note: This paper does not aim to provide a computational chemistry analysis of the results.</a:t>
+            </a:r>
+            <a:endParaRPr lang="en-US" i="1" dirty="0" smtClean="0"/>
           </a:p>
         </p:txBody>
       </p:sp>
     </p:spTree>
     <p:extLst>
       <p:ext uri="{BB962C8B-B14F-4D97-AF65-F5344CB8AC3E}">
-        <p14:creationId xmlns="" xmlns:a="http://schemas.openxmlformats.org/drawingml/2006/main" xmlns:r="http://schemas.openxmlformats.org/officeDocument/2006/relationships" xmlns:p="http://schemas.openxmlformats.org/presentationml/2006/main" xmlns:p14="http://schemas.microsoft.com/office/powerpoint/2010/main" xmlns:mv="urn:schemas-microsoft-com:mac:vml" xmlns:mc="http://schemas.openxmlformats.org/markup-compatibility/2006" val="703293322"/>
+        <p14:creationId xmlns:p14="http://schemas.microsoft.com/office/powerpoint/2010/main" val="182682255"/>
       </p:ext>
     </p:extLst>
   </p:cSld>
@@ -4577,15 +7217,15 @@
   <p:timing>
     <p:tnLst>
       <p:par>
-        <p:cTn id="1" dur="indefinite" restart="never" nodeType="tmRoot"/>
+        <p:cTn xmlns:p14="http://schemas.microsoft.com/office/powerpoint/2010/main" id="1" dur="indefinite" restart="never" nodeType="tmRoot"/>
       </p:par>
     </p:tnLst>
   </p:timing>
 </p:sld>
 </file>
 
-<file path=ppt/slides/slide3.xml><?xml version="1.0" encoding="utf-8"?>
-<p:sld xmlns:a="http://schemas.openxmlformats.org/drawingml/2006/main" xmlns:r="http://schemas.openxmlformats.org/officeDocument/2006/relationships" xmlns:mc="http://schemas.openxmlformats.org/markup-compatibility/2006" xmlns:mv="urn:schemas-microsoft-com:mac:vml" xmlns:p="http://schemas.openxmlformats.org/presentationml/2006/main" mc:Ignorable="mv" mc:PreserveAttributes="mv:*">
+<file path=ppt/slides/slide4.xml><?xml version="1.0" encoding="utf-8"?>
+<p:sld xmlns:a="http://schemas.openxmlformats.org/drawingml/2006/main" xmlns:r="http://schemas.openxmlformats.org/officeDocument/2006/relationships" xmlns:p="http://schemas.openxmlformats.org/presentationml/2006/main">
   <p:cSld>
     <p:spTree>
       <p:nvGrpSpPr>
@@ -4618,7 +7258,7 @@
           <a:p>
             <a:r>
               <a:rPr lang="en-US" dirty="0" smtClean="0"/>
-              <a:t>Introduction</a:t>
+              <a:t>“Replica” Exchange</a:t>
             </a:r>
             <a:endParaRPr lang="en-US" dirty="0"/>
           </a:p>
@@ -4644,92 +7284,63 @@
           <a:bodyPr/>
           <a:lstStyle/>
           <a:p>
-            <a:r>
-              <a:rPr lang="en-US" dirty="0" smtClean="0"/>
-              <a:t>Replica-exchange algorithms</a:t>
-            </a:r>
-          </a:p>
-          <a:p>
-            <a:pPr lvl="1"/>
-            <a:r>
-              <a:rPr lang="en-US" dirty="0" smtClean="0"/>
-              <a:t>Multiple molecular dynamics threads (replicas) are each assigned to a different thermodynamic or potential energy state of the system</a:t>
-            </a:r>
-          </a:p>
-          <a:p>
-            <a:pPr lvl="1"/>
-            <a:r>
-              <a:rPr lang="en-US" dirty="0" smtClean="0"/>
-              <a:t>Executed in parallel</a:t>
-            </a:r>
-          </a:p>
-          <a:p>
-            <a:pPr lvl="1"/>
-            <a:r>
-              <a:rPr lang="en-US" dirty="0" smtClean="0"/>
-              <a:t>Replicas travel in configurationally space as well as in state space by communication and exchange of parameters (state assignments)</a:t>
-            </a:r>
-          </a:p>
-          <a:p>
-            <a:r>
-              <a:rPr lang="en-US" dirty="0" smtClean="0"/>
-              <a:t>RE Computationally</a:t>
-            </a:r>
-          </a:p>
-          <a:p>
-            <a:pPr lvl="1"/>
-            <a:r>
-              <a:rPr lang="en-US" dirty="0" smtClean="0"/>
-              <a:t>Scaling many loosely-coupled MPI-style simulations</a:t>
-            </a:r>
-          </a:p>
-          <a:p>
-            <a:pPr lvl="1"/>
-            <a:r>
-              <a:rPr lang="en-US" dirty="0" smtClean="0"/>
-              <a:t>Each replica represents an individual execution model with different input parameters – without Pilots, this means many jobs submitted to batch queue</a:t>
-            </a:r>
-          </a:p>
-          <a:p>
-            <a:r>
-              <a:rPr lang="en-US" dirty="0" smtClean="0"/>
-              <a:t>Synchronous vs. Asynchronous</a:t>
-            </a:r>
-          </a:p>
-          <a:p>
-            <a:pPr lvl="1"/>
-            <a:r>
-              <a:rPr lang="en-US" i="1" dirty="0" smtClean="0"/>
-              <a:t>Synchronous (Traditional): </a:t>
-            </a:r>
-            <a:r>
-              <a:rPr lang="en-US" dirty="0" smtClean="0"/>
-              <a:t>Exchange can happen after ALL replicas reach a certain </a:t>
+            <a:pPr marL="400050"/>
+            <a:r>
+              <a:rPr lang="en-US" dirty="0" smtClean="0"/>
+              <a:t>Multiple importance sampling simulations (i.e. MD trajectories) executed in parallel, using intermittently exchange information</a:t>
+            </a:r>
+          </a:p>
+          <a:p>
+            <a:pPr marL="400050"/>
+            <a:r>
+              <a:rPr lang="en-US" dirty="0" smtClean="0"/>
+              <a:t>Information exchanged corresponds to thermodynamic state definitions</a:t>
+            </a:r>
+          </a:p>
+          <a:p>
+            <a:pPr marL="800100" lvl="1"/>
+            <a:r>
+              <a:rPr lang="en-US" dirty="0" smtClean="0"/>
+              <a:t>Microscopic reversibility requirements ensure simulation maintains the correct importance sampling weights in each state</a:t>
+            </a:r>
+          </a:p>
+          <a:p>
+            <a:pPr marL="1200150" lvl="2"/>
+            <a:r>
+              <a:rPr lang="en-US" dirty="0" smtClean="0"/>
+              <a:t>Thus, </a:t>
             </a:r>
             <a:r>
               <a:rPr lang="en-US" dirty="0" err="1" smtClean="0"/>
-              <a:t>timestep</a:t>
+              <a:t>sims</a:t>
+            </a:r>
+            <a:r>
+              <a:rPr lang="en-US" dirty="0" smtClean="0"/>
+              <a:t> can be viewed as identical “replicas” in both target </a:t>
+            </a:r>
+            <a:r>
+              <a:rPr lang="en-US" dirty="0" err="1" smtClean="0"/>
+              <a:t>configurational</a:t>
+            </a:r>
+            <a:r>
+              <a:rPr lang="en-US" dirty="0" smtClean="0"/>
+              <a:t> and state spaces</a:t>
+            </a:r>
+          </a:p>
+          <a:p>
+            <a:pPr marL="1200150" lvl="2"/>
+            <a:r>
+              <a:rPr lang="en-US" dirty="0" smtClean="0"/>
+              <a:t>Advantage of such uniform sampling: Diagnose locally insufficient sampling, assess the accuracy of global properties</a:t>
             </a:r>
             <a:endParaRPr lang="en-US" dirty="0" smtClean="0"/>
-          </a:p>
-          <a:p>
-            <a:pPr lvl="1"/>
-            <a:r>
-              <a:rPr lang="en-US" i="1" dirty="0" smtClean="0"/>
-              <a:t>Asynchronous: </a:t>
-            </a:r>
-            <a:r>
-              <a:rPr lang="en-US" dirty="0" smtClean="0"/>
-              <a:t>When certain replicas reach a done state, they can attempt exchange without having to wait for all others to finish</a:t>
-            </a:r>
-            <a:endParaRPr lang="en-US" i="1" dirty="0" smtClean="0"/>
           </a:p>
         </p:txBody>
       </p:sp>
     </p:spTree>
     <p:extLst>
       <p:ext uri="{BB962C8B-B14F-4D97-AF65-F5344CB8AC3E}">
-        <p14:creationId xmlns="" xmlns:a="http://schemas.openxmlformats.org/drawingml/2006/main" xmlns:r="http://schemas.openxmlformats.org/officeDocument/2006/relationships" xmlns:p="http://schemas.openxmlformats.org/presentationml/2006/main" xmlns:p14="http://schemas.microsoft.com/office/powerpoint/2010/main" xmlns:mv="urn:schemas-microsoft-com:mac:vml" xmlns:mc="http://schemas.openxmlformats.org/markup-compatibility/2006" val="3137281573"/>
+        <p14:creationId xmlns:p14="http://schemas.microsoft.com/office/powerpoint/2010/main" val="148040110"/>
       </p:ext>
     </p:extLst>
   </p:cSld>
@@ -4739,15 +7350,15 @@
   <p:timing>
     <p:tnLst>
       <p:par>
-        <p:cTn id="1" dur="indefinite" restart="never" nodeType="tmRoot"/>
+        <p:cTn xmlns:p14="http://schemas.microsoft.com/office/powerpoint/2010/main" id="1" dur="indefinite" restart="never" nodeType="tmRoot"/>
       </p:par>
     </p:tnLst>
   </p:timing>
 </p:sld>
 </file>
 
-<file path=ppt/slides/slide4.xml><?xml version="1.0" encoding="utf-8"?>
-<p:sld xmlns:a="http://schemas.openxmlformats.org/drawingml/2006/main" xmlns:r="http://schemas.openxmlformats.org/officeDocument/2006/relationships" xmlns:mc="http://schemas.openxmlformats.org/markup-compatibility/2006" xmlns:mv="urn:schemas-microsoft-com:mac:vml" xmlns:p="http://schemas.openxmlformats.org/presentationml/2006/main" mc:Ignorable="mv" mc:PreserveAttributes="mv:*">
+<file path=ppt/slides/slide5.xml><?xml version="1.0" encoding="utf-8"?>
+<p:sld xmlns:a="http://schemas.openxmlformats.org/drawingml/2006/main" xmlns:r="http://schemas.openxmlformats.org/officeDocument/2006/relationships" xmlns:p="http://schemas.openxmlformats.org/presentationml/2006/main">
   <p:cSld>
     <p:spTree>
       <p:nvGrpSpPr>
@@ -4780,12 +7391,36 @@
           <a:p>
             <a:r>
               <a:rPr lang="en-US" dirty="0" smtClean="0"/>
-              <a:t>Science Problem (in short)</a:t>
+              <a:t>Why Replica Exchange?</a:t>
             </a:r>
             <a:endParaRPr lang="en-US" dirty="0"/>
           </a:p>
         </p:txBody>
       </p:sp>
+      <p:pic>
+        <p:nvPicPr>
+          <p:cNvPr id="4" name="Picture 3"/>
+          <p:cNvPicPr>
+            <a:picLocks noChangeAspect="1"/>
+          </p:cNvPicPr>
+          <p:nvPr/>
+        </p:nvPicPr>
+        <p:blipFill>
+          <a:blip r:embed="rId2"/>
+          <a:stretch>
+            <a:fillRect/>
+          </a:stretch>
+        </p:blipFill>
+        <p:spPr>
+          <a:xfrm>
+            <a:off x="833796" y="1339641"/>
+            <a:ext cx="7175874" cy="2117164"/>
+          </a:xfrm>
+          <a:prstGeom prst="rect">
+            <a:avLst/>
+          </a:prstGeom>
+        </p:spPr>
+      </p:pic>
       <p:sp>
         <p:nvSpPr>
           <p:cNvPr id="3" name="Content Placeholder 2"/>
@@ -4798,135 +7433,166 @@
         </p:nvSpPr>
         <p:spPr>
           <a:xfrm>
-            <a:off x="420914" y="1306286"/>
-            <a:ext cx="8229600" cy="3127603"/>
+            <a:off x="272254" y="3279511"/>
+            <a:ext cx="8395512" cy="2152952"/>
           </a:xfrm>
         </p:spPr>
         <p:txBody>
           <a:bodyPr/>
           <a:lstStyle/>
-          <a:p>
-            <a:r>
-              <a:rPr lang="en-US" sz="2400" dirty="0" smtClean="0"/>
-              <a:t>“Distributed </a:t>
-            </a:r>
-            <a:r>
-              <a:rPr lang="en-US" sz="2400" dirty="0"/>
-              <a:t>and Loosely Coupled Parallel Molecular </a:t>
-            </a:r>
-            <a:r>
-              <a:rPr lang="en-US" sz="2400" dirty="0" smtClean="0"/>
-              <a:t>Simulations”</a:t>
-            </a:r>
-          </a:p>
-          <a:p>
-            <a:r>
-              <a:rPr lang="en-US" sz="2400" dirty="0"/>
-              <a:t>Goal: Understand important aspects of the physics of protein-ligand recognition by multidimensional replica exchange (RE) computer simulations</a:t>
-            </a:r>
-          </a:p>
-          <a:p>
-            <a:r>
-              <a:rPr lang="en-US" sz="2400" dirty="0"/>
-              <a:t>Large numbers </a:t>
-            </a:r>
-            <a:r>
-              <a:rPr lang="en-US" sz="2400" dirty="0" smtClean="0"/>
-              <a:t>of </a:t>
-            </a:r>
-            <a:r>
-              <a:rPr lang="en-US" sz="2400" dirty="0"/>
-              <a:t>loosely coupled replicas</a:t>
-            </a:r>
-          </a:p>
-          <a:p>
-            <a:r>
-              <a:rPr lang="en-US" sz="2400" dirty="0"/>
-              <a:t>Long simulation times (days to weeks).</a:t>
-            </a:r>
-            <a:endParaRPr lang="en-US" sz="2400" b="1" dirty="0">
-              <a:solidFill>
-                <a:srgbClr val="595959"/>
-              </a:solidFill>
-              <a:ea typeface="ＭＳ Ｐゴシック" pitchFamily="34" charset="-128"/>
-            </a:endParaRPr>
-          </a:p>
           <a:p>
             <a:pPr marL="0" indent="0">
               <a:buNone/>
             </a:pPr>
-            <a:endParaRPr lang="en-US" sz="2400" dirty="0"/>
-          </a:p>
-        </p:txBody>
-      </p:sp>
-      <p:pic>
-        <p:nvPicPr>
-          <p:cNvPr id="4" name="Picture 2"/>
-          <p:cNvPicPr>
-            <a:picLocks noChangeAspect="1" noChangeArrowheads="1"/>
-          </p:cNvPicPr>
-          <p:nvPr/>
-        </p:nvPicPr>
-        <p:blipFill>
-          <a:blip r:embed="rId2">
-            <a:extLst>
-              <a:ext uri="{28A0092B-C50C-407E-A947-70E740481C1C}">
-                <a14:useLocalDpi xmlns="" xmlns:a="http://schemas.openxmlformats.org/drawingml/2006/main" xmlns:r="http://schemas.openxmlformats.org/officeDocument/2006/relationships" xmlns:p="http://schemas.openxmlformats.org/presentationml/2006/main" xmlns:a14="http://schemas.microsoft.com/office/drawing/2010/main" xmlns:mv="urn:schemas-microsoft-com:mac:vml" xmlns:mc="http://schemas.openxmlformats.org/markup-compatibility/2006" val="0"/>
-              </a:ext>
-            </a:extLst>
-          </a:blip>
-          <a:srcRect/>
-          <a:stretch>
-            <a:fillRect/>
-          </a:stretch>
-        </p:blipFill>
-        <p:spPr bwMode="auto">
-          <a:xfrm>
-            <a:off x="457200" y="4495800"/>
-            <a:ext cx="8113295" cy="1295400"/>
-          </a:xfrm>
-          <a:prstGeom prst="rect">
-            <a:avLst/>
-          </a:prstGeom>
-          <a:noFill/>
-          <a:ln>
-            <a:noFill/>
-          </a:ln>
-          <a:effectLst/>
-          <a:extLst>
-            <a:ext uri="{909E8E84-426E-40dd-AFC4-6F175D3DCCD1}">
-              <a14:hiddenFill xmlns="" xmlns:a="http://schemas.openxmlformats.org/drawingml/2006/main" xmlns:r="http://schemas.openxmlformats.org/officeDocument/2006/relationships" xmlns:p="http://schemas.openxmlformats.org/presentationml/2006/main" xmlns:a14="http://schemas.microsoft.com/office/drawing/2010/main" xmlns:mv="urn:schemas-microsoft-com:mac:vml" xmlns:mc="http://schemas.openxmlformats.org/markup-compatibility/2006">
-                <a:solidFill>
-                  <a:schemeClr val="accent1"/>
-                </a:solidFill>
-              </a14:hiddenFill>
-            </a:ext>
-            <a:ext uri="{91240B29-F687-4f45-9708-019B960494DF}">
-              <a14:hiddenLine xmlns="" xmlns:a="http://schemas.openxmlformats.org/drawingml/2006/main" xmlns:r="http://schemas.openxmlformats.org/officeDocument/2006/relationships" xmlns:p="http://schemas.openxmlformats.org/presentationml/2006/main" xmlns:a14="http://schemas.microsoft.com/office/drawing/2010/main" xmlns:mv="urn:schemas-microsoft-com:mac:vml" xmlns:mc="http://schemas.openxmlformats.org/markup-compatibility/2006" w="9525">
-                <a:solidFill>
-                  <a:schemeClr val="tx1"/>
-                </a:solidFill>
-                <a:miter lim="800000"/>
-                <a:headEnd/>
-                <a:tailEnd/>
-              </a14:hiddenLine>
-            </a:ext>
-            <a:ext uri="{AF507438-7753-43e0-B8FC-AC1667EBCBE1}">
-              <a14:hiddenEffects xmlns="" xmlns:a="http://schemas.openxmlformats.org/drawingml/2006/main" xmlns:r="http://schemas.openxmlformats.org/officeDocument/2006/relationships" xmlns:p="http://schemas.openxmlformats.org/presentationml/2006/main" xmlns:a14="http://schemas.microsoft.com/office/drawing/2010/main" xmlns:mv="urn:schemas-microsoft-com:mac:vml" xmlns:mc="http://schemas.openxmlformats.org/markup-compatibility/2006">
-                <a:effectLst>
-                  <a:outerShdw dist="35921" dir="2700000" algn="ctr" rotWithShape="0">
-                    <a:schemeClr val="bg2"/>
-                  </a:outerShdw>
-                </a:effectLst>
-              </a14:hiddenEffects>
-            </a:ext>
-          </a:extLst>
-        </p:spPr>
-      </p:pic>
+            <a:r>
+              <a:rPr lang="en-US" dirty="0" smtClean="0"/>
+              <a:t>• Based upon the Hamiltonian-hopping idea</a:t>
+            </a:r>
+          </a:p>
+          <a:p>
+            <a:pPr marL="0" indent="0">
+              <a:buNone/>
+            </a:pPr>
+            <a:r>
+              <a:rPr lang="en-US" sz="1800" dirty="0" smtClean="0"/>
+              <a:t>	- Can move in PE space more effectively, “faster”</a:t>
+            </a:r>
+          </a:p>
+          <a:p>
+            <a:pPr marL="0" indent="0">
+              <a:buNone/>
+            </a:pPr>
+            <a:r>
+              <a:rPr lang="en-US" sz="1800" dirty="0"/>
+              <a:t>	</a:t>
+            </a:r>
+            <a:r>
+              <a:rPr lang="en-US" sz="1800" dirty="0" smtClean="0"/>
+              <a:t>- </a:t>
+            </a:r>
+            <a:r>
+              <a:rPr lang="en-US" sz="1800" i="1" dirty="0" err="1" smtClean="0"/>
+              <a:t>Consqueunce</a:t>
+            </a:r>
+            <a:r>
+              <a:rPr lang="en-US" sz="1800" i="1" dirty="0" smtClean="0"/>
+              <a:t>: </a:t>
+            </a:r>
+            <a:r>
+              <a:rPr lang="en-US" sz="1800" dirty="0" smtClean="0"/>
+              <a:t>Thermodynamic equilibrium between 	Hamiltonian 	states must be maintained</a:t>
+            </a:r>
+          </a:p>
+          <a:p>
+            <a:pPr marL="0" indent="0">
+              <a:buNone/>
+            </a:pPr>
+            <a:r>
+              <a:rPr lang="en-US" dirty="0" smtClean="0"/>
+              <a:t>• </a:t>
+            </a:r>
+            <a:r>
+              <a:rPr lang="en-US" dirty="0"/>
+              <a:t>Serial Implementations (serial tempering, etc.)</a:t>
+            </a:r>
+            <a:r>
+              <a:rPr lang="en-US" dirty="0" smtClean="0"/>
+              <a:t>:</a:t>
+            </a:r>
+          </a:p>
+          <a:p>
+            <a:pPr marL="0" indent="0">
+              <a:buNone/>
+            </a:pPr>
+            <a:r>
+              <a:rPr lang="en-US" dirty="0"/>
+              <a:t>	</a:t>
+            </a:r>
+            <a:r>
+              <a:rPr lang="en-US" sz="1800" dirty="0" smtClean="0"/>
+              <a:t>– </a:t>
+            </a:r>
+            <a:r>
+              <a:rPr lang="en-US" sz="1800" dirty="0"/>
+              <a:t>free energy weights are adjusted to regulate time </a:t>
+            </a:r>
+            <a:r>
+              <a:rPr lang="en-US" sz="1800" dirty="0" smtClean="0"/>
+              <a:t>spent at each state</a:t>
+            </a:r>
+          </a:p>
+          <a:p>
+            <a:r>
+              <a:rPr lang="en-US" dirty="0" smtClean="0"/>
+              <a:t>Parallel </a:t>
+            </a:r>
+            <a:r>
+              <a:rPr lang="en-US" dirty="0"/>
+              <a:t>Implementations (replica exchange)</a:t>
+            </a:r>
+            <a:r>
+              <a:rPr lang="en-US" dirty="0" smtClean="0"/>
+              <a:t>:</a:t>
+            </a:r>
+          </a:p>
+          <a:p>
+            <a:pPr marL="0" indent="0">
+              <a:buNone/>
+            </a:pPr>
+            <a:r>
+              <a:rPr lang="en-US" sz="1800" dirty="0"/>
+              <a:t>	</a:t>
+            </a:r>
+            <a:r>
+              <a:rPr lang="en-US" sz="1800" dirty="0" smtClean="0"/>
+              <a:t>– </a:t>
+            </a:r>
+            <a:r>
+              <a:rPr lang="en-US" sz="1800" dirty="0"/>
+              <a:t>runs as many MD replicas as states; Hamiltonian </a:t>
+            </a:r>
+            <a:r>
+              <a:rPr lang="en-US" sz="1800" dirty="0" smtClean="0"/>
+              <a:t>swaps </a:t>
+            </a:r>
+            <a:r>
+              <a:rPr lang="en-US" sz="1800" dirty="0"/>
+              <a:t>between replicas</a:t>
+            </a:r>
+          </a:p>
+          <a:p>
+            <a:pPr marL="0" indent="0">
+              <a:buNone/>
+            </a:pPr>
+            <a:r>
+              <a:rPr lang="en-US" sz="1800" dirty="0" smtClean="0"/>
+              <a:t>	– </a:t>
+            </a:r>
+            <a:r>
+              <a:rPr lang="en-US" sz="1800" dirty="0"/>
+              <a:t>overall each state is equally sampled automatically</a:t>
+            </a:r>
+          </a:p>
+          <a:p>
+            <a:pPr marL="0" indent="0">
+              <a:buNone/>
+            </a:pPr>
+            <a:r>
+              <a:rPr lang="en-US" sz="1800" dirty="0" smtClean="0"/>
+              <a:t>	– </a:t>
+            </a:r>
+            <a:r>
+              <a:rPr lang="en-US" sz="1800" dirty="0"/>
+              <a:t>suitable for parallel environments</a:t>
+            </a:r>
+            <a:endParaRPr lang="en-US" sz="1800" i="1" dirty="0" smtClean="0"/>
+          </a:p>
+        </p:txBody>
+      </p:sp>
     </p:spTree>
     <p:extLst>
       <p:ext uri="{BB962C8B-B14F-4D97-AF65-F5344CB8AC3E}">
-        <p14:creationId xmlns="" xmlns:a="http://schemas.openxmlformats.org/drawingml/2006/main" xmlns:r="http://schemas.openxmlformats.org/officeDocument/2006/relationships" xmlns:p="http://schemas.openxmlformats.org/presentationml/2006/main" xmlns:p14="http://schemas.microsoft.com/office/powerpoint/2010/main" xmlns:mv="urn:schemas-microsoft-com:mac:vml" xmlns:mc="http://schemas.openxmlformats.org/markup-compatibility/2006" val="1539374397"/>
+        <p14:creationId xmlns:p14="http://schemas.microsoft.com/office/powerpoint/2010/main" val="902916041"/>
       </p:ext>
     </p:extLst>
   </p:cSld>
@@ -4936,15 +7602,15 @@
   <p:timing>
     <p:tnLst>
       <p:par>
-        <p:cTn id="1" dur="indefinite" restart="never" nodeType="tmRoot"/>
+        <p:cTn xmlns:p14="http://schemas.microsoft.com/office/powerpoint/2010/main" id="1" dur="indefinite" restart="never" nodeType="tmRoot"/>
       </p:par>
     </p:tnLst>
   </p:timing>
 </p:sld>
 </file>
 
-<file path=ppt/slides/slide5.xml><?xml version="1.0" encoding="utf-8"?>
-<p:sld xmlns:a="http://schemas.openxmlformats.org/drawingml/2006/main" xmlns:r="http://schemas.openxmlformats.org/officeDocument/2006/relationships" xmlns:mc="http://schemas.openxmlformats.org/markup-compatibility/2006" xmlns:mv="urn:schemas-microsoft-com:mac:vml" xmlns:p="http://schemas.openxmlformats.org/presentationml/2006/main" mc:Ignorable="mv" mc:PreserveAttributes="mv:*">
+<file path=ppt/slides/slide6.xml><?xml version="1.0" encoding="utf-8"?>
+<p:sld xmlns:a="http://schemas.openxmlformats.org/drawingml/2006/main" xmlns:r="http://schemas.openxmlformats.org/officeDocument/2006/relationships" xmlns:p="http://schemas.openxmlformats.org/presentationml/2006/main">
   <p:cSld>
     <p:spTree>
       <p:nvGrpSpPr>
@@ -4976,20 +7642,40 @@
           <a:lstStyle/>
           <a:p>
             <a:r>
-              <a:rPr lang="en-US" dirty="0" err="1" smtClean="0"/>
-              <a:t>Async</a:t>
-            </a:r>
-            <a:r>
-              <a:rPr lang="en-US" dirty="0" smtClean="0"/>
-              <a:t> Replica-Exchange Package</a:t>
+              <a:rPr lang="en-US" dirty="0" smtClean="0"/>
+              <a:t>Synchronous Replica Exchange</a:t>
             </a:r>
             <a:endParaRPr lang="en-US" dirty="0"/>
           </a:p>
         </p:txBody>
       </p:sp>
-      <p:sp>
-        <p:nvSpPr>
-          <p:cNvPr id="3" name="Content Placeholder 2"/>
+      <p:pic>
+        <p:nvPicPr>
+          <p:cNvPr id="5" name="Picture 4"/>
+          <p:cNvPicPr>
+            <a:picLocks noChangeAspect="1"/>
+          </p:cNvPicPr>
+          <p:nvPr/>
+        </p:nvPicPr>
+        <p:blipFill>
+          <a:blip r:embed="rId2"/>
+          <a:stretch>
+            <a:fillRect/>
+          </a:stretch>
+        </p:blipFill>
+        <p:spPr>
+          <a:xfrm>
+            <a:off x="428467" y="1325822"/>
+            <a:ext cx="8496300" cy="2184400"/>
+          </a:xfrm>
+          <a:prstGeom prst="rect">
+            <a:avLst/>
+          </a:prstGeom>
+        </p:spPr>
+      </p:pic>
+      <p:sp>
+        <p:nvSpPr>
+          <p:cNvPr id="14" name="Content Placeholder 13"/>
           <p:cNvSpPr>
             <a:spLocks noGrp="1"/>
           </p:cNvSpPr>
@@ -4997,72 +7683,160 @@
             <p:ph idx="1"/>
           </p:nvPr>
         </p:nvSpPr>
-        <p:spPr/>
+        <p:spPr>
+          <a:xfrm>
+            <a:off x="469529" y="3821987"/>
+            <a:ext cx="8229600" cy="1964676"/>
+          </a:xfrm>
+        </p:spPr>
         <p:txBody>
           <a:bodyPr/>
           <a:lstStyle/>
           <a:p>
             <a:r>
-              <a:rPr lang="en-US" dirty="0" smtClean="0"/>
-              <a:t>Python package built to perform file-based asynchronous parallel replica exchange </a:t>
-            </a:r>
-          </a:p>
-          <a:p>
-            <a:r>
-              <a:rPr lang="en-US" dirty="0" smtClean="0"/>
-              <a:t>Job launching and monitoring occurs through the use of BigJob</a:t>
-            </a:r>
-          </a:p>
-          <a:p>
-            <a:pPr lvl="1"/>
-            <a:r>
-              <a:rPr lang="en-US" dirty="0" smtClean="0"/>
-              <a:t>A </a:t>
-            </a:r>
-            <a:r>
-              <a:rPr lang="en-US" dirty="0" err="1" smtClean="0"/>
-              <a:t>PilotJob</a:t>
-            </a:r>
-            <a:r>
-              <a:rPr lang="en-US" dirty="0" smtClean="0"/>
-              <a:t> is sent to the batch queuing system</a:t>
-            </a:r>
-          </a:p>
-          <a:p>
-            <a:pPr lvl="1"/>
-            <a:r>
-              <a:rPr lang="en-US" dirty="0" smtClean="0"/>
-              <a:t>Replicas are “</a:t>
-            </a:r>
-            <a:r>
-              <a:rPr lang="en-US" dirty="0" err="1" smtClean="0"/>
-              <a:t>subjobs</a:t>
-            </a:r>
-            <a:r>
-              <a:rPr lang="en-US" dirty="0" smtClean="0"/>
-              <a:t>”</a:t>
-            </a:r>
-          </a:p>
-          <a:p>
-            <a:pPr lvl="1"/>
-            <a:r>
-              <a:rPr lang="en-US" dirty="0" smtClean="0"/>
-              <a:t>Poll status of </a:t>
-            </a:r>
-            <a:r>
-              <a:rPr lang="en-US" dirty="0" err="1" smtClean="0"/>
-              <a:t>subjobs</a:t>
-            </a:r>
-            <a:r>
-              <a:rPr lang="en-US" dirty="0" smtClean="0"/>
-              <a:t> to see when they reach the “Done” state</a:t>
-            </a:r>
-          </a:p>
-          <a:p>
-            <a:pPr lvl="1"/>
-            <a:r>
-              <a:rPr lang="en-US" dirty="0" smtClean="0"/>
-              <a:t>Exchange of parameters = swap input files and “restart” replicas using the new files</a:t>
+              <a:rPr lang="en-US" sz="1600" dirty="0" smtClean="0"/>
+              <a:t>After </a:t>
+            </a:r>
+            <a:r>
+              <a:rPr lang="en-US" sz="1600" dirty="0"/>
+              <a:t>a fixed number of MD steps all replicas stop computing and exchanges </a:t>
+            </a:r>
+            <a:r>
+              <a:rPr lang="en-US" sz="1600" dirty="0" smtClean="0"/>
+              <a:t>occur simultaneously.</a:t>
+            </a:r>
+          </a:p>
+          <a:p>
+            <a:r>
+              <a:rPr lang="en-US" sz="1600" dirty="0" smtClean="0"/>
+              <a:t>All </a:t>
+            </a:r>
+            <a:r>
+              <a:rPr lang="en-US" sz="1600" dirty="0"/>
+              <a:t>replicas need to run at the same time</a:t>
+            </a:r>
+          </a:p>
+          <a:p>
+            <a:r>
+              <a:rPr lang="en-US" sz="1600" dirty="0" smtClean="0"/>
+              <a:t>Termination </a:t>
+            </a:r>
+            <a:r>
+              <a:rPr lang="en-US" sz="1600" dirty="0"/>
+              <a:t>of one replica causes termination of the whole RE simulation.</a:t>
+            </a:r>
+          </a:p>
+          <a:p>
+            <a:r>
+              <a:rPr lang="en-US" sz="1600" dirty="0" smtClean="0"/>
+              <a:t>Not </a:t>
+            </a:r>
+            <a:r>
+              <a:rPr lang="en-US" sz="1600" dirty="0"/>
+              <a:t>suitable for large RE calculations on limited resources</a:t>
+            </a:r>
+          </a:p>
+          <a:p>
+            <a:r>
+              <a:rPr lang="en-US" sz="1600" dirty="0" smtClean="0"/>
+              <a:t>Not </a:t>
+            </a:r>
+            <a:r>
+              <a:rPr lang="en-US" sz="1600" dirty="0"/>
+              <a:t>suitable for pools of delocalized, heterogeneous, dynamic, unreliable, possibly </a:t>
+            </a:r>
+            <a:r>
+              <a:rPr lang="en-US" sz="1600" dirty="0" smtClean="0"/>
+              <a:t>at times </a:t>
+            </a:r>
+            <a:r>
+              <a:rPr lang="en-US" sz="1600" dirty="0"/>
+              <a:t>isolated processors.</a:t>
+            </a:r>
+          </a:p>
+          <a:p>
+            <a:r>
+              <a:rPr lang="en-US" sz="1600" dirty="0" smtClean="0"/>
+              <a:t>Multi</a:t>
+            </a:r>
+            <a:r>
+              <a:rPr lang="en-US" sz="1600" dirty="0"/>
+              <a:t>-dimensional RE schemes are difficult to implement within existing MD </a:t>
+            </a:r>
+            <a:r>
+              <a:rPr lang="en-US" sz="1600" dirty="0" smtClean="0"/>
+              <a:t>engines codebases</a:t>
+            </a:r>
+            <a:r>
+              <a:rPr lang="en-US" sz="1600" dirty="0"/>
+              <a:t>.</a:t>
+            </a:r>
+          </a:p>
+          <a:p>
+            <a:r>
+              <a:rPr lang="en-US" sz="1600" dirty="0" smtClean="0"/>
+              <a:t>Overall </a:t>
+            </a:r>
+            <a:r>
+              <a:rPr lang="en-US" sz="1600" dirty="0"/>
+              <a:t>speed is the speed of the slowest processor. CPU resources – often </a:t>
+            </a:r>
+            <a:r>
+              <a:rPr lang="en-US" sz="1600" dirty="0" smtClean="0"/>
+              <a:t>divided among </a:t>
+            </a:r>
+            <a:r>
+              <a:rPr lang="en-US" sz="1600" dirty="0"/>
+              <a:t>a minority</a:t>
+            </a:r>
+            <a:endParaRPr lang="en-US" sz="1600" dirty="0"/>
+          </a:p>
+        </p:txBody>
+      </p:sp>
+      <p:sp>
+        <p:nvSpPr>
+          <p:cNvPr id="16" name="Rounded Rectangle 15"/>
+          <p:cNvSpPr/>
+          <p:nvPr/>
+        </p:nvSpPr>
+        <p:spPr>
+          <a:xfrm>
+            <a:off x="480857" y="3427459"/>
+            <a:ext cx="8273216" cy="394527"/>
+          </a:xfrm>
+          <a:prstGeom prst="roundRect">
+            <a:avLst/>
+          </a:prstGeom>
+          <a:solidFill>
+            <a:srgbClr val="C0504D"/>
+          </a:solidFill>
+        </p:spPr>
+        <p:style>
+          <a:lnRef idx="1">
+            <a:schemeClr val="accent1"/>
+          </a:lnRef>
+          <a:fillRef idx="3">
+            <a:schemeClr val="accent1"/>
+          </a:fillRef>
+          <a:effectRef idx="2">
+            <a:schemeClr val="accent1"/>
+          </a:effectRef>
+          <a:fontRef idx="minor">
+            <a:schemeClr val="lt1"/>
+          </a:fontRef>
+        </p:style>
+        <p:txBody>
+          <a:bodyPr rtlCol="0" anchor="ctr"/>
+          <a:lstStyle/>
+          <a:p>
+            <a:pPr algn="ctr"/>
+            <a:r>
+              <a:rPr lang="en-US" b="1" dirty="0" smtClean="0"/>
+              <a:t>PROBLEM: </a:t>
+            </a:r>
+            <a:r>
+              <a:rPr lang="en-US" dirty="0" smtClean="0"/>
+              <a:t>NOT scalable to 1000’s of replicas/states</a:t>
             </a:r>
             <a:endParaRPr lang="en-US" dirty="0"/>
           </a:p>
@@ -5071,7 +7845,7 @@
     </p:spTree>
     <p:extLst>
       <p:ext uri="{BB962C8B-B14F-4D97-AF65-F5344CB8AC3E}">
-        <p14:creationId xmlns="" xmlns:a="http://schemas.openxmlformats.org/drawingml/2006/main" xmlns:r="http://schemas.openxmlformats.org/officeDocument/2006/relationships" xmlns:p="http://schemas.openxmlformats.org/presentationml/2006/main" xmlns:p14="http://schemas.microsoft.com/office/powerpoint/2010/main" xmlns:mv="urn:schemas-microsoft-com:mac:vml" xmlns:mc="http://schemas.openxmlformats.org/markup-compatibility/2006" val="1614482664"/>
+        <p14:creationId xmlns:p14="http://schemas.microsoft.com/office/powerpoint/2010/main" val="368921835"/>
       </p:ext>
     </p:extLst>
   </p:cSld>
@@ -5081,15 +7855,15 @@
   <p:timing>
     <p:tnLst>
       <p:par>
-        <p:cTn id="1" dur="indefinite" restart="never" nodeType="tmRoot"/>
+        <p:cTn xmlns:p14="http://schemas.microsoft.com/office/powerpoint/2010/main" id="1" dur="indefinite" restart="never" nodeType="tmRoot"/>
       </p:par>
     </p:tnLst>
   </p:timing>
 </p:sld>
 </file>
 
-<file path=ppt/slides/slide6.xml><?xml version="1.0" encoding="utf-8"?>
-<p:sld xmlns:a="http://schemas.openxmlformats.org/drawingml/2006/main" xmlns:r="http://schemas.openxmlformats.org/officeDocument/2006/relationships" xmlns:mc="http://schemas.openxmlformats.org/markup-compatibility/2006" xmlns:mv="urn:schemas-microsoft-com:mac:vml" xmlns:p="http://schemas.openxmlformats.org/presentationml/2006/main" mc:Ignorable="mv" mc:PreserveAttributes="mv:*">
+<file path=ppt/slides/slide7.xml><?xml version="1.0" encoding="utf-8"?>
+<p:sld xmlns:a="http://schemas.openxmlformats.org/drawingml/2006/main" xmlns:r="http://schemas.openxmlformats.org/officeDocument/2006/relationships" xmlns:p="http://schemas.openxmlformats.org/presentationml/2006/main">
   <p:cSld>
     <p:spTree>
       <p:nvGrpSpPr>
@@ -5105,6 +7879,30 @@
           <a:chExt cx="0" cy="0"/>
         </a:xfrm>
       </p:grpSpPr>
+      <p:pic>
+        <p:nvPicPr>
+          <p:cNvPr id="3" name="Picture 2"/>
+          <p:cNvPicPr>
+            <a:picLocks noChangeAspect="1"/>
+          </p:cNvPicPr>
+          <p:nvPr/>
+        </p:nvPicPr>
+        <p:blipFill>
+          <a:blip r:embed="rId2"/>
+          <a:stretch>
+            <a:fillRect/>
+          </a:stretch>
+        </p:blipFill>
+        <p:spPr>
+          <a:xfrm>
+            <a:off x="512182" y="1111036"/>
+            <a:ext cx="7489781" cy="2179044"/>
+          </a:xfrm>
+          <a:prstGeom prst="rect">
+            <a:avLst/>
+          </a:prstGeom>
+        </p:spPr>
+      </p:pic>
       <p:sp>
         <p:nvSpPr>
           <p:cNvPr id="2" name="Title 1"/>
@@ -5122,7 +7920,11 @@
           <a:p>
             <a:r>
               <a:rPr lang="en-US" dirty="0" smtClean="0"/>
-              <a:t>Experiments</a:t>
+              <a:t>As</a:t>
+            </a:r>
+            <a:r>
+              <a:rPr lang="en-US" dirty="0" smtClean="0"/>
+              <a:t>ynchronous Replica Exchange</a:t>
             </a:r>
             <a:endParaRPr lang="en-US" dirty="0"/>
           </a:p>
@@ -5130,7 +7932,7 @@
       </p:sp>
       <p:sp>
         <p:nvSpPr>
-          <p:cNvPr id="3" name="Content Placeholder 2"/>
+          <p:cNvPr id="14" name="Content Placeholder 13"/>
           <p:cNvSpPr>
             <a:spLocks noGrp="1"/>
           </p:cNvSpPr>
@@ -5138,125 +7940,130 @@
             <p:ph idx="1"/>
           </p:nvPr>
         </p:nvSpPr>
-        <p:spPr/>
+        <p:spPr>
+          <a:xfrm>
+            <a:off x="444869" y="3180879"/>
+            <a:ext cx="8229600" cy="1964676"/>
+          </a:xfrm>
+        </p:spPr>
         <p:txBody>
           <a:bodyPr/>
           <a:lstStyle/>
           <a:p>
             <a:r>
-              <a:rPr lang="en-US" i="1" dirty="0" smtClean="0"/>
-              <a:t>Performance Model</a:t>
-            </a:r>
-          </a:p>
-          <a:p>
-            <a:pPr lvl="1"/>
-            <a:r>
-              <a:rPr lang="en-US" dirty="0" smtClean="0"/>
-              <a:t>3 components: (1) BigJob, (2) AsyncRE framework, (3) AMBER &amp; IMPACT</a:t>
-            </a:r>
-          </a:p>
-          <a:p>
-            <a:pPr lvl="1"/>
-            <a:r>
-              <a:rPr lang="en-US" dirty="0" smtClean="0"/>
-              <a:t>Can introduce application overhead: the fraction of the application runtime that is spent on application management logic, communication, and coordination</a:t>
-            </a:r>
-          </a:p>
-          <a:p>
-            <a:r>
-              <a:rPr lang="en-US" dirty="0" smtClean="0"/>
-              <a:t>Measure throughput as the nanoseconds of model simulation time achieved per hour compute time on a given number of CPU cores ( = Time-to-Completion for a specific number of steps)</a:t>
-            </a:r>
-          </a:p>
-          <a:p>
-            <a:pPr lvl="1"/>
-            <a:r>
-              <a:rPr lang="en-US" dirty="0" err="1" smtClean="0"/>
-              <a:t>TTC</a:t>
-            </a:r>
-            <a:r>
-              <a:rPr lang="en-US" baseline="-25000" dirty="0" err="1" smtClean="0"/>
-              <a:t>steps</a:t>
-            </a:r>
-            <a:r>
-              <a:rPr lang="en-US" baseline="-25000" dirty="0" smtClean="0"/>
-              <a:t> </a:t>
-            </a:r>
-            <a:r>
-              <a:rPr lang="en-US" dirty="0" smtClean="0"/>
-              <a:t>= T</a:t>
-            </a:r>
-            <a:r>
-              <a:rPr lang="en-US" baseline="30000" dirty="0" smtClean="0"/>
-              <a:t>O</a:t>
-            </a:r>
-            <a:r>
-              <a:rPr lang="en-US" baseline="-25000" dirty="0" smtClean="0"/>
-              <a:t>Q </a:t>
-            </a:r>
-            <a:r>
-              <a:rPr lang="en-US" dirty="0" smtClean="0"/>
-              <a:t>+ T</a:t>
-            </a:r>
-            <a:r>
-              <a:rPr lang="en-US" baseline="-25000" dirty="0" smtClean="0"/>
-              <a:t>X</a:t>
-            </a:r>
-          </a:p>
-          <a:p>
-            <a:pPr lvl="1"/>
-            <a:r>
-              <a:rPr lang="en-US" dirty="0"/>
-              <a:t> T</a:t>
-            </a:r>
-            <a:r>
-              <a:rPr lang="en-US" baseline="30000" dirty="0"/>
-              <a:t>O</a:t>
-            </a:r>
-            <a:r>
-              <a:rPr lang="en-US" baseline="-25000" dirty="0"/>
-              <a:t>Q </a:t>
-            </a:r>
-            <a:r>
-              <a:rPr lang="en-US" baseline="-25000" dirty="0" smtClean="0"/>
-              <a:t> </a:t>
-            </a:r>
-            <a:r>
-              <a:rPr lang="en-US" dirty="0" smtClean="0"/>
-              <a:t>is the overhead time spent while the job queues</a:t>
-            </a:r>
-          </a:p>
-          <a:p>
-            <a:pPr lvl="1"/>
-            <a:r>
-              <a:rPr lang="en-US" dirty="0" smtClean="0"/>
-              <a:t>T</a:t>
-            </a:r>
-            <a:r>
-              <a:rPr lang="en-US" baseline="-25000" dirty="0" smtClean="0"/>
-              <a:t>X</a:t>
-            </a:r>
-            <a:r>
-              <a:rPr lang="en-US" dirty="0" smtClean="0"/>
-              <a:t> is the total execution time</a:t>
-            </a:r>
-          </a:p>
-          <a:p>
-            <a:pPr lvl="1"/>
-            <a:r>
-              <a:rPr lang="en-US" dirty="0" smtClean="0"/>
-              <a:t>Queue time can be considered negligible if overall runtime of simulation is sufficiently long</a:t>
-            </a:r>
-          </a:p>
-          <a:p>
-            <a:endParaRPr lang="en-US" dirty="0"/>
+              <a:rPr lang="en-US" sz="1600" dirty="0" smtClean="0"/>
+              <a:t>Exchanges </a:t>
+            </a:r>
+            <a:r>
+              <a:rPr lang="en-US" sz="1600" dirty="0"/>
+              <a:t>are performed at random times between random pairs of available replicas.</a:t>
+            </a:r>
+          </a:p>
+          <a:p>
+            <a:r>
+              <a:rPr lang="en-US" sz="1600" dirty="0" smtClean="0"/>
+              <a:t>Replicas </a:t>
+            </a:r>
+            <a:r>
+              <a:rPr lang="en-US" sz="1600" dirty="0"/>
+              <a:t>run independently in between exchanges.</a:t>
+            </a:r>
+          </a:p>
+          <a:p>
+            <a:r>
+              <a:rPr lang="en-US" sz="1600" dirty="0" smtClean="0"/>
+              <a:t>Termination </a:t>
+            </a:r>
+            <a:r>
+              <a:rPr lang="en-US" sz="1600" dirty="0"/>
+              <a:t>of one replica does not affect the others.</a:t>
+            </a:r>
+          </a:p>
+          <a:p>
+            <a:r>
+              <a:rPr lang="en-US" sz="1600" dirty="0" smtClean="0"/>
+              <a:t>Not </a:t>
+            </a:r>
+            <a:r>
+              <a:rPr lang="en-US" sz="1600" dirty="0"/>
+              <a:t>all replicas need to be running at the same time.</a:t>
+            </a:r>
+          </a:p>
+          <a:p>
+            <a:r>
+              <a:rPr lang="en-US" sz="1600" dirty="0" smtClean="0"/>
+              <a:t>The </a:t>
+            </a:r>
+            <a:r>
+              <a:rPr lang="en-US" sz="1600" dirty="0"/>
+              <a:t>number of running replicas can vary depending on available resources.</a:t>
+            </a:r>
+          </a:p>
+          <a:p>
+            <a:r>
+              <a:rPr lang="en-US" sz="1600" dirty="0" smtClean="0"/>
+              <a:t>Satisfies </a:t>
+            </a:r>
+            <a:r>
+              <a:rPr lang="en-US" sz="1600" dirty="0"/>
+              <a:t>microscopic reversibility.</a:t>
+            </a:r>
+          </a:p>
+          <a:p>
+            <a:r>
+              <a:rPr lang="en-US" sz="1600" dirty="0" smtClean="0"/>
+              <a:t>Does </a:t>
+            </a:r>
+            <a:r>
+              <a:rPr lang="en-US" sz="1600" dirty="0"/>
+              <a:t>not rely on centralized master gather/scatter mechanism.</a:t>
+            </a:r>
+          </a:p>
+          <a:p>
+            <a:r>
+              <a:rPr lang="en-US" sz="1600" dirty="0" smtClean="0"/>
+              <a:t>Each </a:t>
+            </a:r>
+            <a:r>
+              <a:rPr lang="en-US" sz="1600" dirty="0"/>
+              <a:t>replica can complete a different number of MD steps in between swaps.</a:t>
+            </a:r>
+          </a:p>
+          <a:p>
+            <a:r>
+              <a:rPr lang="en-US" sz="1600" dirty="0" smtClean="0"/>
+              <a:t>Suitable </a:t>
+            </a:r>
+            <a:r>
+              <a:rPr lang="en-US" sz="1600" dirty="0"/>
+              <a:t>for large RE applications on dynamic and heterogeneous computational resources.</a:t>
+            </a:r>
+          </a:p>
+          <a:p>
+            <a:r>
+              <a:rPr lang="en-US" sz="1600" dirty="0" smtClean="0"/>
+              <a:t>Fast </a:t>
+            </a:r>
+            <a:r>
+              <a:rPr lang="en-US" sz="1600" dirty="0"/>
+              <a:t>and slow processors automatically operate at near 100% utilization. Overall </a:t>
+            </a:r>
+            <a:r>
+              <a:rPr lang="en-US" sz="1600" dirty="0" smtClean="0"/>
+              <a:t>speed scales </a:t>
+            </a:r>
+            <a:r>
+              <a:rPr lang="en-US" sz="1600" dirty="0"/>
+              <a:t>as global processing capacity.</a:t>
+            </a:r>
+            <a:endParaRPr lang="en-US" sz="1600" dirty="0"/>
           </a:p>
         </p:txBody>
       </p:sp>
     </p:spTree>
     <p:extLst>
       <p:ext uri="{BB962C8B-B14F-4D97-AF65-F5344CB8AC3E}">
-        <p14:creationId xmlns="" xmlns:a="http://schemas.openxmlformats.org/drawingml/2006/main" xmlns:r="http://schemas.openxmlformats.org/officeDocument/2006/relationships" xmlns:p="http://schemas.openxmlformats.org/presentationml/2006/main" xmlns:p14="http://schemas.microsoft.com/office/powerpoint/2010/main" xmlns:mv="urn:schemas-microsoft-com:mac:vml" xmlns:mc="http://schemas.openxmlformats.org/markup-compatibility/2006" val="3789203438"/>
+        <p14:creationId xmlns:p14="http://schemas.microsoft.com/office/powerpoint/2010/main" val="2253843336"/>
       </p:ext>
     </p:extLst>
   </p:cSld>
@@ -5266,15 +8073,15 @@
   <p:timing>
     <p:tnLst>
       <p:par>
-        <p:cTn id="1" dur="indefinite" restart="never" nodeType="tmRoot"/>
+        <p:cTn xmlns:p14="http://schemas.microsoft.com/office/powerpoint/2010/main" id="1" dur="indefinite" restart="never" nodeType="tmRoot"/>
       </p:par>
     </p:tnLst>
   </p:timing>
 </p:sld>
 </file>
 
-<file path=ppt/slides/slide7.xml><?xml version="1.0" encoding="utf-8"?>
-<p:sld xmlns:a="http://schemas.openxmlformats.org/drawingml/2006/main" xmlns:r="http://schemas.openxmlformats.org/officeDocument/2006/relationships" xmlns:mc="http://schemas.openxmlformats.org/markup-compatibility/2006" xmlns:mv="urn:schemas-microsoft-com:mac:vml" xmlns:p="http://schemas.openxmlformats.org/presentationml/2006/main" mc:Ignorable="mv" mc:PreserveAttributes="mv:*">
+<file path=ppt/slides/slide8.xml><?xml version="1.0" encoding="utf-8"?>
+<p:sld xmlns:a="http://schemas.openxmlformats.org/drawingml/2006/main" xmlns:r="http://schemas.openxmlformats.org/officeDocument/2006/relationships" xmlns:p="http://schemas.openxmlformats.org/presentationml/2006/main">
   <p:cSld>
     <p:spTree>
       <p:nvGrpSpPr>
@@ -5307,7 +8114,7 @@
           <a:p>
             <a:r>
               <a:rPr lang="en-US" dirty="0" smtClean="0"/>
-              <a:t>Experiments</a:t>
+              <a:t>RE in Computational Terms</a:t>
             </a:r>
             <a:endParaRPr lang="en-US" dirty="0"/>
           </a:p>
@@ -5325,8 +8132,8 @@
         </p:nvSpPr>
         <p:spPr>
           <a:xfrm>
-            <a:off x="457200" y="1524000"/>
-            <a:ext cx="8229600" cy="3426459"/>
+            <a:off x="457200" y="1256104"/>
+            <a:ext cx="8229600" cy="4533900"/>
           </a:xfrm>
         </p:spPr>
         <p:txBody>
@@ -5335,244 +8142,189 @@
           <a:p>
             <a:r>
               <a:rPr lang="en-US" dirty="0" smtClean="0"/>
-              <a:t>T</a:t>
-            </a:r>
-            <a:r>
-              <a:rPr lang="en-US" baseline="-25000" dirty="0" smtClean="0"/>
-              <a:t>X</a:t>
-            </a:r>
-            <a:r>
-              <a:rPr lang="en-US" dirty="0" smtClean="0"/>
-              <a:t> is decomposed into the following components</a:t>
-            </a:r>
+              <a:t>Molecular Dynamics Simulations</a:t>
+            </a:r>
+            <a:endParaRPr lang="en-US" dirty="0" smtClean="0"/>
           </a:p>
           <a:p>
             <a:pPr lvl="1"/>
             <a:r>
               <a:rPr lang="en-US" dirty="0" smtClean="0"/>
-              <a:t>T</a:t>
-            </a:r>
-            <a:r>
-              <a:rPr lang="en-US" baseline="-25000" dirty="0" smtClean="0"/>
-              <a:t>R</a:t>
-            </a:r>
-            <a:r>
-              <a:rPr lang="en-US" dirty="0" smtClean="0"/>
-              <a:t> is the application kernel runtime</a:t>
+              <a:t>Multiple molecular dynamics threads (replicas) are each assigned to a different thermodynamic or potential energy state of the system</a:t>
             </a:r>
           </a:p>
           <a:p>
             <a:pPr lvl="1"/>
             <a:r>
               <a:rPr lang="en-US" dirty="0" smtClean="0"/>
-              <a:t>Overhead</a:t>
+              <a:t>Executed in parallel</a:t>
+            </a:r>
+          </a:p>
+          <a:p>
+            <a:pPr lvl="1"/>
+            <a:r>
+              <a:rPr lang="en-US" dirty="0" smtClean="0"/>
+              <a:t>Replicas travel in configurationally space as well as in state space by communication and exchange of parameters (state assignments</a:t>
+            </a:r>
+            <a:r>
+              <a:rPr lang="en-US" dirty="0" smtClean="0"/>
+              <a:t>)</a:t>
+            </a:r>
+            <a:endParaRPr lang="en-US" dirty="0" smtClean="0"/>
+          </a:p>
+          <a:p>
+            <a:r>
+              <a:rPr lang="en-US" dirty="0" smtClean="0"/>
+              <a:t>RE Computationally</a:t>
+            </a:r>
+          </a:p>
+          <a:p>
+            <a:pPr lvl="1"/>
+            <a:r>
+              <a:rPr lang="en-US" dirty="0" smtClean="0"/>
+              <a:t>Scaling many loosely-coupled MPI-</a:t>
+            </a:r>
+            <a:r>
+              <a:rPr lang="en-US" dirty="0" smtClean="0"/>
+              <a:t>style MD simulations</a:t>
             </a:r>
           </a:p>
           <a:p>
             <a:pPr lvl="2"/>
             <a:r>
               <a:rPr lang="en-US" dirty="0" smtClean="0"/>
-              <a:t>T</a:t>
-            </a:r>
-            <a:r>
-              <a:rPr lang="en-US" baseline="30000" dirty="0" smtClean="0"/>
-              <a:t>O</a:t>
-            </a:r>
-            <a:r>
-              <a:rPr lang="en-US" baseline="-25000" dirty="0" smtClean="0"/>
-              <a:t>BJ </a:t>
-            </a:r>
-            <a:r>
-              <a:rPr lang="en-US" dirty="0" smtClean="0"/>
-              <a:t>= overhead incurred by BigJob (time spent by BigJob on the placement and monitoring of </a:t>
-            </a:r>
-            <a:r>
-              <a:rPr lang="en-US" dirty="0" err="1" smtClean="0"/>
-              <a:t>subjobs</a:t>
-            </a:r>
-            <a:r>
-              <a:rPr lang="en-US" dirty="0" smtClean="0"/>
-              <a:t> during which no computation occurs – </a:t>
-            </a:r>
-            <a:r>
-              <a:rPr lang="en-US" dirty="0" err="1" smtClean="0"/>
-              <a:t>includews</a:t>
-            </a:r>
-            <a:r>
-              <a:rPr lang="en-US" dirty="0" smtClean="0"/>
-              <a:t> network round-trip time for communication via </a:t>
-            </a:r>
-            <a:r>
-              <a:rPr lang="en-US" dirty="0" err="1" smtClean="0"/>
-              <a:t>Redis</a:t>
-            </a:r>
-            <a:r>
-              <a:rPr lang="en-US" dirty="0" smtClean="0"/>
-              <a:t>)</a:t>
-            </a:r>
-          </a:p>
-          <a:p>
-            <a:pPr lvl="2"/>
-            <a:r>
-              <a:rPr lang="en-US" dirty="0" smtClean="0"/>
-              <a:t>T</a:t>
-            </a:r>
-            <a:r>
-              <a:rPr lang="en-US" baseline="30000" dirty="0" smtClean="0"/>
-              <a:t>O</a:t>
-            </a:r>
-            <a:r>
-              <a:rPr lang="en-US" baseline="-25000" dirty="0" smtClean="0"/>
-              <a:t>RE</a:t>
-            </a:r>
-            <a:r>
-              <a:rPr lang="en-US" dirty="0" smtClean="0"/>
-              <a:t> = overhead introduced by </a:t>
-            </a:r>
-            <a:r>
-              <a:rPr lang="en-US" dirty="0" err="1" smtClean="0"/>
-              <a:t>Async</a:t>
-            </a:r>
-            <a:r>
-              <a:rPr lang="en-US" dirty="0" smtClean="0"/>
-              <a:t> RE package (i.e. when the framework executes management tasks – finding matching exchange partners for a set of replicas and no computation time is occurring)</a:t>
-            </a:r>
-            <a:endParaRPr lang="en-US" baseline="-25000" dirty="0" smtClean="0"/>
-          </a:p>
-          <a:p>
-            <a:pPr lvl="2"/>
-            <a:r>
-              <a:rPr lang="en-US" dirty="0" smtClean="0"/>
-              <a:t>T</a:t>
-            </a:r>
-            <a:r>
-              <a:rPr lang="en-US" baseline="30000" dirty="0" smtClean="0"/>
-              <a:t>O</a:t>
-            </a:r>
-            <a:r>
-              <a:rPr lang="en-US" baseline="-25000" dirty="0" smtClean="0"/>
-              <a:t>K </a:t>
-            </a:r>
-            <a:r>
-              <a:rPr lang="en-US" dirty="0" smtClean="0"/>
-              <a:t>= overhead introduced by the application kernel (i.e. the kernel supports thread-level parallelism but doesn’t scale linearly with the number of threads)</a:t>
-            </a:r>
-            <a:endParaRPr lang="en-US" dirty="0"/>
-          </a:p>
-        </p:txBody>
-      </p:sp>
-      <p:sp>
-        <p:nvSpPr>
-          <p:cNvPr id="4" name="TextBox 3"/>
-          <p:cNvSpPr txBox="1"/>
+              <a:t>Use of pre-existing MD simulators such as IMPACT, AMBER, etc.</a:t>
+            </a:r>
+            <a:endParaRPr lang="en-US" dirty="0" smtClean="0"/>
+          </a:p>
+          <a:p>
+            <a:pPr lvl="1"/>
+            <a:r>
+              <a:rPr lang="en-US" dirty="0" smtClean="0"/>
+              <a:t>Each replica represents an individual execution model with different input </a:t>
+            </a:r>
+            <a:r>
+              <a:rPr lang="en-US" dirty="0" smtClean="0"/>
+              <a:t>parameters (many jobs submitted to batch queue)</a:t>
+            </a:r>
+            <a:endParaRPr lang="en-US" dirty="0" smtClean="0"/>
+          </a:p>
+        </p:txBody>
+      </p:sp>
+      <p:pic>
+        <p:nvPicPr>
+          <p:cNvPr id="5" name="Picture 2"/>
+          <p:cNvPicPr>
+            <a:picLocks noChangeAspect="1" noChangeArrowheads="1"/>
+          </p:cNvPicPr>
           <p:nvPr/>
-        </p:nvSpPr>
-        <p:spPr>
+        </p:nvPicPr>
+        <p:blipFill>
+          <a:blip r:embed="rId2">
+            <a:extLst>
+              <a:ext uri="{28A0092B-C50C-407E-A947-70E740481C1C}">
+                <a14:useLocalDpi xmlns:a14="http://schemas.microsoft.com/office/drawing/2010/main" val="0"/>
+              </a:ext>
+            </a:extLst>
+          </a:blip>
+          <a:srcRect/>
+          <a:stretch>
+            <a:fillRect/>
+          </a:stretch>
+        </p:blipFill>
+        <p:spPr bwMode="auto">
           <a:xfrm>
-            <a:off x="602783" y="4971982"/>
-            <a:ext cx="7061170" cy="1477328"/>
+            <a:off x="666805" y="4810531"/>
+            <a:ext cx="8113295" cy="1295400"/>
           </a:xfrm>
           <a:prstGeom prst="rect">
             <a:avLst/>
           </a:prstGeom>
           <a:noFill/>
+          <a:ln>
+            <a:noFill/>
+          </a:ln>
+          <a:effectLst/>
+          <a:extLst>
+            <a:ext uri="{909E8E84-426E-40dd-AFC4-6F175D3DCCD1}">
+              <a14:hiddenFill xmlns:a14="http://schemas.microsoft.com/office/drawing/2010/main">
+                <a:solidFill>
+                  <a:schemeClr val="accent1"/>
+                </a:solidFill>
+              </a14:hiddenFill>
+            </a:ext>
+            <a:ext uri="{91240B29-F687-4f45-9708-019B960494DF}">
+              <a14:hiddenLine xmlns:a14="http://schemas.microsoft.com/office/drawing/2010/main" w="9525">
+                <a:solidFill>
+                  <a:schemeClr val="tx1"/>
+                </a:solidFill>
+                <a:miter lim="800000"/>
+                <a:headEnd/>
+                <a:tailEnd/>
+              </a14:hiddenLine>
+            </a:ext>
+            <a:ext uri="{AF507438-7753-43e0-B8FC-AC1667EBCBE1}">
+              <a14:hiddenEffects xmlns:a14="http://schemas.microsoft.com/office/drawing/2010/main">
+                <a:effectLst>
+                  <a:outerShdw dist="35921" dir="2700000" algn="ctr" rotWithShape="0">
+                    <a:schemeClr val="bg2"/>
+                  </a:outerShdw>
+                </a:effectLst>
+              </a14:hiddenEffects>
+            </a:ext>
+          </a:extLst>
         </p:spPr>
-        <p:txBody>
-          <a:bodyPr wrap="square" rtlCol="0">
-            <a:spAutoFit/>
-          </a:bodyPr>
+      </p:pic>
+      <p:sp>
+        <p:nvSpPr>
+          <p:cNvPr id="7" name="Rectangle 6"/>
+          <p:cNvSpPr/>
+          <p:nvPr/>
+        </p:nvSpPr>
+        <p:spPr>
+          <a:xfrm>
+            <a:off x="184944" y="6152165"/>
+            <a:ext cx="8815723" cy="616450"/>
+          </a:xfrm>
+          <a:prstGeom prst="rect">
+            <a:avLst/>
+          </a:prstGeom>
+        </p:spPr>
+        <p:style>
+          <a:lnRef idx="0">
+            <a:schemeClr val="dk1"/>
+          </a:lnRef>
+          <a:fillRef idx="3">
+            <a:schemeClr val="dk1"/>
+          </a:fillRef>
+          <a:effectRef idx="3">
+            <a:schemeClr val="dk1"/>
+          </a:effectRef>
+          <a:fontRef idx="minor">
+            <a:schemeClr val="lt1"/>
+          </a:fontRef>
+        </p:style>
+        <p:txBody>
+          <a:bodyPr rtlCol="0" anchor="ctr"/>
           <a:lstStyle/>
           <a:p>
-            <a:r>
-              <a:rPr lang="en-US" b="1" dirty="0" smtClean="0"/>
-              <a:t>ULTIMATE GOAL</a:t>
-            </a:r>
-          </a:p>
-          <a:p>
-            <a:r>
-              <a:rPr lang="en-US" dirty="0" smtClean="0"/>
-              <a:t>De-compartmentalize these components to get the following equation:</a:t>
-            </a:r>
-          </a:p>
-          <a:p>
-            <a:r>
-              <a:rPr lang="en-US" dirty="0" smtClean="0"/>
-              <a:t>		</a:t>
-            </a:r>
-            <a:r>
-              <a:rPr lang="en-US" dirty="0" err="1" smtClean="0"/>
-              <a:t>TTC</a:t>
-            </a:r>
-            <a:r>
-              <a:rPr lang="en-US" baseline="-25000" dirty="0" err="1" smtClean="0"/>
-              <a:t>steps</a:t>
-            </a:r>
-            <a:r>
-              <a:rPr lang="en-US" dirty="0" smtClean="0"/>
-              <a:t> = [ T</a:t>
-            </a:r>
-            <a:r>
-              <a:rPr lang="en-US" baseline="-25000" dirty="0" smtClean="0"/>
-              <a:t>R</a:t>
-            </a:r>
-            <a:r>
-              <a:rPr lang="en-US" dirty="0" smtClean="0"/>
-              <a:t> + T</a:t>
-            </a:r>
-            <a:r>
-              <a:rPr lang="en-US" baseline="30000" dirty="0" smtClean="0"/>
-              <a:t>O</a:t>
-            </a:r>
-            <a:r>
-              <a:rPr lang="en-US" baseline="-25000" dirty="0" smtClean="0"/>
-              <a:t>BJ</a:t>
-            </a:r>
-            <a:r>
-              <a:rPr lang="en-US" dirty="0" smtClean="0"/>
-              <a:t> + T</a:t>
-            </a:r>
-            <a:r>
-              <a:rPr lang="en-US" baseline="30000" dirty="0" smtClean="0"/>
-              <a:t>O</a:t>
-            </a:r>
-            <a:r>
-              <a:rPr lang="en-US" baseline="-25000" dirty="0" smtClean="0"/>
-              <a:t>RE</a:t>
-            </a:r>
-            <a:r>
-              <a:rPr lang="en-US" dirty="0" smtClean="0"/>
-              <a:t> + T</a:t>
-            </a:r>
-            <a:r>
-              <a:rPr lang="en-US" baseline="30000" dirty="0" smtClean="0"/>
-              <a:t>O</a:t>
-            </a:r>
-            <a:r>
-              <a:rPr lang="en-US" baseline="-25000" dirty="0" smtClean="0"/>
-              <a:t>K  </a:t>
-            </a:r>
-            <a:r>
-              <a:rPr lang="en-US" dirty="0" smtClean="0"/>
-              <a:t>]*</a:t>
-            </a:r>
-          </a:p>
-          <a:p>
-            <a:r>
-              <a:rPr lang="en-US" dirty="0" smtClean="0"/>
-              <a:t>		</a:t>
-            </a:r>
-            <a:r>
-              <a:rPr lang="en-US" sz="1200" dirty="0" smtClean="0"/>
-              <a:t>* not achieved in this paper</a:t>
-            </a:r>
-            <a:endParaRPr lang="en-US" sz="1200" dirty="0"/>
+            <a:pPr algn="ctr"/>
+            <a:r>
+              <a:rPr lang="en-US" dirty="0"/>
+              <a:t>CDI Project Goal: Understand important aspects of the physics of protein-ligand recognition by multidimensional replica exchange (RE) computer </a:t>
+            </a:r>
+            <a:r>
+              <a:rPr lang="en-US" dirty="0" smtClean="0"/>
+              <a:t>simulations</a:t>
+            </a:r>
+            <a:endParaRPr lang="en-US" dirty="0"/>
           </a:p>
         </p:txBody>
       </p:sp>
     </p:spTree>
     <p:extLst>
       <p:ext uri="{BB962C8B-B14F-4D97-AF65-F5344CB8AC3E}">
-        <p14:creationId xmlns="" xmlns:a="http://schemas.openxmlformats.org/drawingml/2006/main" xmlns:r="http://schemas.openxmlformats.org/officeDocument/2006/relationships" xmlns:p="http://schemas.openxmlformats.org/presentationml/2006/main" xmlns:p14="http://schemas.microsoft.com/office/powerpoint/2010/main" xmlns:mv="urn:schemas-microsoft-com:mac:vml" xmlns:mc="http://schemas.openxmlformats.org/markup-compatibility/2006" val="3537326466"/>
+        <p14:creationId xmlns:p14="http://schemas.microsoft.com/office/powerpoint/2010/main" val="3137281573"/>
       </p:ext>
     </p:extLst>
   </p:cSld>
@@ -5582,15 +8334,15 @@
   <p:timing>
     <p:tnLst>
       <p:par>
-        <p:cTn id="1" dur="indefinite" restart="never" nodeType="tmRoot"/>
+        <p:cTn xmlns:p14="http://schemas.microsoft.com/office/powerpoint/2010/main" id="1" dur="indefinite" restart="never" nodeType="tmRoot"/>
       </p:par>
     </p:tnLst>
   </p:timing>
 </p:sld>
 </file>
 
-<file path=ppt/slides/slide8.xml><?xml version="1.0" encoding="utf-8"?>
-<p:sld xmlns:a="http://schemas.openxmlformats.org/drawingml/2006/main" xmlns:r="http://schemas.openxmlformats.org/officeDocument/2006/relationships" xmlns:mc="http://schemas.openxmlformats.org/markup-compatibility/2006" xmlns:mv="urn:schemas-microsoft-com:mac:vml" xmlns:p="http://schemas.openxmlformats.org/presentationml/2006/main" mc:Ignorable="mv" mc:PreserveAttributes="mv:*">
+<file path=ppt/slides/slide9.xml><?xml version="1.0" encoding="utf-8"?>
+<p:sld xmlns:a="http://schemas.openxmlformats.org/drawingml/2006/main" xmlns:r="http://schemas.openxmlformats.org/officeDocument/2006/relationships" xmlns:p="http://schemas.openxmlformats.org/presentationml/2006/main">
   <p:cSld>
     <p:spTree>
       <p:nvGrpSpPr>
@@ -5622,8 +8374,12 @@
           <a:lstStyle/>
           <a:p>
             <a:r>
-              <a:rPr lang="en-US" dirty="0" smtClean="0"/>
-              <a:t>Systems Investigated (aka SCIENCE!)</a:t>
+              <a:rPr lang="en-US" dirty="0" err="1" smtClean="0"/>
+              <a:t>Async</a:t>
+            </a:r>
+            <a:r>
+              <a:rPr lang="en-US" dirty="0" smtClean="0"/>
+              <a:t> Replica-Exchange Package</a:t>
             </a:r>
             <a:endParaRPr lang="en-US" dirty="0"/>
           </a:p>
@@ -5639,168 +8395,25 @@
             <p:ph idx="1"/>
           </p:nvPr>
         </p:nvSpPr>
-        <p:spPr>
-          <a:xfrm>
-            <a:off x="688895" y="1545523"/>
-            <a:ext cx="8229600" cy="4533900"/>
-          </a:xfrm>
-        </p:spPr>
+        <p:spPr/>
         <p:txBody>
           <a:bodyPr/>
           <a:lstStyle/>
           <a:p>
             <a:r>
-              <a:rPr lang="en-US" sz="2400" dirty="0" smtClean="0"/>
-              <a:t>MD engines</a:t>
-            </a:r>
-          </a:p>
-          <a:p>
-            <a:pPr lvl="1"/>
-            <a:r>
-              <a:rPr lang="en-US" sz="2000" dirty="0" smtClean="0"/>
-              <a:t>IMPACT (implicit solvent)</a:t>
-            </a:r>
-          </a:p>
-          <a:p>
-            <a:pPr lvl="2"/>
-            <a:r>
-              <a:rPr lang="en-US" dirty="0" smtClean="0"/>
-              <a:t>System 1: </a:t>
-            </a:r>
-            <a:r>
-              <a:rPr lang="en-US" dirty="0"/>
-              <a:t>Host/guest binding of </a:t>
-            </a:r>
-            <a:r>
-              <a:rPr lang="en-US" dirty="0" err="1"/>
-              <a:t>cyclooctanol</a:t>
-            </a:r>
-            <a:r>
-              <a:rPr lang="en-US" dirty="0" smtClean="0"/>
-              <a:t>/β-</a:t>
-            </a:r>
-            <a:r>
-              <a:rPr lang="en-US" dirty="0" err="1"/>
-              <a:t>cyclodextrin</a:t>
-            </a:r>
-            <a:r>
-              <a:rPr lang="en-US" dirty="0"/>
-              <a:t>. The exchange parameters are all permutations of the system temperatures and an alchemical parameter coupling the host/guest interactions</a:t>
-            </a:r>
-            <a:r>
-              <a:rPr lang="en-US" dirty="0" smtClean="0"/>
-              <a:t>.</a:t>
-            </a:r>
-          </a:p>
-          <a:p>
-            <a:pPr lvl="2"/>
-            <a:r>
-              <a:rPr lang="en-US" dirty="0" smtClean="0"/>
-              <a:t>System 2: Folding of the </a:t>
-            </a:r>
-            <a:r>
-              <a:rPr lang="en-US" dirty="0" err="1" smtClean="0"/>
-              <a:t>TrpCage</a:t>
-            </a:r>
-            <a:r>
-              <a:rPr lang="en-US" dirty="0" smtClean="0"/>
-              <a:t> mini-protein. The exchange parameters are all permutations of the system temperature and the coupling weight of a Go-type biasing potential.</a:t>
-            </a:r>
-          </a:p>
-          <a:p>
-            <a:pPr lvl="1"/>
-            <a:r>
-              <a:rPr lang="en-US" sz="2000" dirty="0" smtClean="0"/>
-              <a:t>AMBER (explicit solvent)</a:t>
-            </a:r>
-          </a:p>
-          <a:p>
-            <a:pPr lvl="2"/>
-            <a:r>
-              <a:rPr lang="en-US" dirty="0" smtClean="0"/>
-              <a:t>System 3: Umbrella sampling of the backbone conformational space of alanine dipeptide. The exchange parameters are all permutations of harmonic biasing potentials of each torsion. (i.e. CLASSICAL AMBER RUN)</a:t>
-            </a:r>
-          </a:p>
-          <a:p>
-            <a:pPr lvl="2"/>
-            <a:r>
-              <a:rPr lang="en-US" dirty="0" smtClean="0"/>
-              <a:t>System 4: Hybrid quantum mechanical/molecular mechanical umbrella sampling of </a:t>
-            </a:r>
-            <a:r>
-              <a:rPr lang="en-US" dirty="0" err="1" smtClean="0"/>
-              <a:t>phosphoryl</a:t>
-            </a:r>
-            <a:r>
-              <a:rPr lang="en-US" dirty="0" smtClean="0"/>
-              <a:t> transfer in 2-hydroxy ethyl ethyl phosphate, a model reaction for base catalyzed RNA cleavage. The exchange parameters are all permutations of harmonic biasing potentials on the breaking and forming bonds (i.e. QM/MM AMBER RUN)</a:t>
-            </a:r>
-          </a:p>
-        </p:txBody>
-      </p:sp>
-    </p:spTree>
-    <p:extLst>
-      <p:ext uri="{BB962C8B-B14F-4D97-AF65-F5344CB8AC3E}">
-        <p14:creationId xmlns="" xmlns:a="http://schemas.openxmlformats.org/drawingml/2006/main" xmlns:r="http://schemas.openxmlformats.org/officeDocument/2006/relationships" xmlns:p="http://schemas.openxmlformats.org/presentationml/2006/main" xmlns:p14="http://schemas.microsoft.com/office/powerpoint/2010/main" xmlns:mv="urn:schemas-microsoft-com:mac:vml" xmlns:mc="http://schemas.openxmlformats.org/markup-compatibility/2006" val="1194156412"/>
-      </p:ext>
-    </p:extLst>
-  </p:cSld>
-  <p:clrMapOvr>
-    <a:masterClrMapping/>
-  </p:clrMapOvr>
-  <p:timing>
-    <p:tnLst>
-      <p:par>
-        <p:cTn id="1" dur="indefinite" restart="never" nodeType="tmRoot"/>
-      </p:par>
-    </p:tnLst>
-  </p:timing>
-</p:sld>
-</file>
-
-<file path=ppt/slides/slide9.xml><?xml version="1.0" encoding="utf-8"?>
-<p:sld xmlns:a="http://schemas.openxmlformats.org/drawingml/2006/main" xmlns:r="http://schemas.openxmlformats.org/officeDocument/2006/relationships" xmlns:mc="http://schemas.openxmlformats.org/markup-compatibility/2006" xmlns:mv="urn:schemas-microsoft-com:mac:vml" xmlns:p="http://schemas.openxmlformats.org/presentationml/2006/main" mc:Ignorable="mv" mc:PreserveAttributes="mv:*">
-  <p:cSld>
-    <p:spTree>
-      <p:nvGrpSpPr>
-        <p:cNvPr id="1" name=""/>
-        <p:cNvGrpSpPr/>
-        <p:nvPr/>
-      </p:nvGrpSpPr>
-      <p:grpSpPr>
-        <a:xfrm>
-          <a:off x="0" y="0"/>
-          <a:ext cx="0" cy="0"/>
-          <a:chOff x="0" y="0"/>
-          <a:chExt cx="0" cy="0"/>
-        </a:xfrm>
-      </p:grpSpPr>
-      <p:sp>
-        <p:nvSpPr>
-          <p:cNvPr id="2" name="Title 1"/>
-          <p:cNvSpPr>
-            <a:spLocks noGrp="1"/>
-          </p:cNvSpPr>
-          <p:nvPr>
-            <p:ph type="title"/>
-          </p:nvPr>
-        </p:nvSpPr>
-        <p:spPr/>
-        <p:txBody>
-          <a:bodyPr/>
-          <a:lstStyle/>
-          <a:p>
-            <a:r>
-              <a:rPr lang="en-US" dirty="0" smtClean="0"/>
-              <a:t>Too Much Chemistry!</a:t>
-            </a:r>
-            <a:endParaRPr lang="en-US" dirty="0"/>
+              <a:rPr lang="en-US" dirty="0" smtClean="0"/>
+              <a:t>Python package built to perform file-based asynchronous parallel replica exchange </a:t>
+            </a:r>
+            <a:endParaRPr lang="en-US" dirty="0" smtClean="0"/>
+          </a:p>
+          <a:p>
+            <a:endParaRPr lang="en-US" dirty="0" smtClean="0"/>
           </a:p>
         </p:txBody>
       </p:sp>
       <p:pic>
         <p:nvPicPr>
-          <p:cNvPr id="7" name="Picture 6"/>
+          <p:cNvPr id="4" name="Picture 3"/>
           <p:cNvPicPr>
             <a:picLocks noChangeAspect="1"/>
           </p:cNvPicPr>
@@ -5814,31 +8427,232 @@
         </p:blipFill>
         <p:spPr>
           <a:xfrm>
-            <a:off x="2389604" y="1615655"/>
-            <a:ext cx="4873674" cy="4811870"/>
+            <a:off x="1306946" y="2420096"/>
+            <a:ext cx="6221865" cy="2480769"/>
           </a:xfrm>
           <a:prstGeom prst="rect">
             <a:avLst/>
           </a:prstGeom>
         </p:spPr>
       </p:pic>
+      <p:sp>
+        <p:nvSpPr>
+          <p:cNvPr id="5" name="Content Placeholder 2"/>
+          <p:cNvSpPr txBox="1">
+            <a:spLocks/>
+          </p:cNvSpPr>
+          <p:nvPr/>
+        </p:nvSpPr>
+        <p:spPr bwMode="auto">
+          <a:xfrm>
+            <a:off x="523292" y="4807964"/>
+            <a:ext cx="8229600" cy="4533900"/>
+          </a:xfrm>
+          <a:prstGeom prst="rect">
+            <a:avLst/>
+          </a:prstGeom>
+          <a:noFill/>
+          <a:ln>
+            <a:noFill/>
+          </a:ln>
+          <a:extLst>
+            <a:ext uri="{909E8E84-426E-40dd-AFC4-6F175D3DCCD1}">
+              <a14:hiddenFill xmlns:a14="http://schemas.microsoft.com/office/drawing/2010/main">
+                <a:solidFill>
+                  <a:srgbClr val="FFFFFF"/>
+                </a:solidFill>
+              </a14:hiddenFill>
+            </a:ext>
+            <a:ext uri="{91240B29-F687-4f45-9708-019B960494DF}">
+              <a14:hiddenLine xmlns:a14="http://schemas.microsoft.com/office/drawing/2010/main" w="9525">
+                <a:solidFill>
+                  <a:srgbClr val="000000"/>
+                </a:solidFill>
+                <a:miter lim="800000"/>
+                <a:headEnd/>
+                <a:tailEnd/>
+              </a14:hiddenLine>
+            </a:ext>
+          </a:extLst>
+        </p:spPr>
+        <p:txBody>
+          <a:bodyPr vert="horz" wrap="square" lIns="91440" tIns="45720" rIns="91440" bIns="45720" numCol="1" anchor="t" anchorCtr="0" compatLnSpc="1">
+            <a:prstTxWarp prst="textNoShape">
+              <a:avLst/>
+            </a:prstTxWarp>
+          </a:bodyPr>
+          <a:lstStyle>
+            <a:lvl1pPr marL="342900" indent="-342900" algn="l" rtl="0" eaLnBrk="1" fontAlgn="base" hangingPunct="1">
+              <a:spcBef>
+                <a:spcPct val="20000"/>
+              </a:spcBef>
+              <a:spcAft>
+                <a:spcPct val="0"/>
+              </a:spcAft>
+              <a:buChar char="•"/>
+              <a:defRPr sz="2200">
+                <a:solidFill>
+                  <a:schemeClr val="tx1"/>
+                </a:solidFill>
+                <a:latin typeface="+mn-lt"/>
+                <a:ea typeface="+mn-ea"/>
+                <a:cs typeface="+mn-cs"/>
+              </a:defRPr>
+            </a:lvl1pPr>
+            <a:lvl2pPr marL="742950" indent="-285750" algn="l" rtl="0" eaLnBrk="1" fontAlgn="base" hangingPunct="1">
+              <a:spcBef>
+                <a:spcPct val="20000"/>
+              </a:spcBef>
+              <a:spcAft>
+                <a:spcPct val="0"/>
+              </a:spcAft>
+              <a:buChar char="–"/>
+              <a:defRPr>
+                <a:solidFill>
+                  <a:schemeClr val="tx1"/>
+                </a:solidFill>
+                <a:latin typeface="+mn-lt"/>
+              </a:defRPr>
+            </a:lvl2pPr>
+            <a:lvl3pPr marL="1143000" indent="-228600" algn="l" rtl="0" eaLnBrk="1" fontAlgn="base" hangingPunct="1">
+              <a:spcBef>
+                <a:spcPct val="20000"/>
+              </a:spcBef>
+              <a:spcAft>
+                <a:spcPct val="0"/>
+              </a:spcAft>
+              <a:buChar char="•"/>
+              <a:defRPr sz="1600">
+                <a:solidFill>
+                  <a:schemeClr val="tx1"/>
+                </a:solidFill>
+                <a:latin typeface="+mn-lt"/>
+              </a:defRPr>
+            </a:lvl3pPr>
+            <a:lvl4pPr marL="1600200" indent="-228600" algn="l" rtl="0" eaLnBrk="1" fontAlgn="base" hangingPunct="1">
+              <a:spcBef>
+                <a:spcPct val="20000"/>
+              </a:spcBef>
+              <a:spcAft>
+                <a:spcPct val="0"/>
+              </a:spcAft>
+              <a:buChar char="–"/>
+              <a:defRPr sz="1400">
+                <a:solidFill>
+                  <a:schemeClr val="tx1"/>
+                </a:solidFill>
+                <a:latin typeface="+mn-lt"/>
+              </a:defRPr>
+            </a:lvl4pPr>
+            <a:lvl5pPr marL="2057400" indent="-228600" algn="l" rtl="0" eaLnBrk="1" fontAlgn="base" hangingPunct="1">
+              <a:spcBef>
+                <a:spcPct val="20000"/>
+              </a:spcBef>
+              <a:spcAft>
+                <a:spcPct val="0"/>
+              </a:spcAft>
+              <a:buChar char="»"/>
+              <a:defRPr sz="1400">
+                <a:solidFill>
+                  <a:schemeClr val="tx1"/>
+                </a:solidFill>
+                <a:latin typeface="+mn-lt"/>
+              </a:defRPr>
+            </a:lvl5pPr>
+            <a:lvl6pPr marL="2514600" indent="-228600" algn="l" rtl="0" eaLnBrk="1" fontAlgn="base" hangingPunct="1">
+              <a:spcBef>
+                <a:spcPct val="20000"/>
+              </a:spcBef>
+              <a:spcAft>
+                <a:spcPct val="0"/>
+              </a:spcAft>
+              <a:buChar char="»"/>
+              <a:defRPr sz="1400">
+                <a:solidFill>
+                  <a:schemeClr val="tx1"/>
+                </a:solidFill>
+                <a:latin typeface="+mn-lt"/>
+              </a:defRPr>
+            </a:lvl6pPr>
+            <a:lvl7pPr marL="2971800" indent="-228600" algn="l" rtl="0" eaLnBrk="1" fontAlgn="base" hangingPunct="1">
+              <a:spcBef>
+                <a:spcPct val="20000"/>
+              </a:spcBef>
+              <a:spcAft>
+                <a:spcPct val="0"/>
+              </a:spcAft>
+              <a:buChar char="»"/>
+              <a:defRPr sz="1400">
+                <a:solidFill>
+                  <a:schemeClr val="tx1"/>
+                </a:solidFill>
+                <a:latin typeface="+mn-lt"/>
+              </a:defRPr>
+            </a:lvl7pPr>
+            <a:lvl8pPr marL="3429000" indent="-228600" algn="l" rtl="0" eaLnBrk="1" fontAlgn="base" hangingPunct="1">
+              <a:spcBef>
+                <a:spcPct val="20000"/>
+              </a:spcBef>
+              <a:spcAft>
+                <a:spcPct val="0"/>
+              </a:spcAft>
+              <a:buChar char="»"/>
+              <a:defRPr sz="1400">
+                <a:solidFill>
+                  <a:schemeClr val="tx1"/>
+                </a:solidFill>
+                <a:latin typeface="+mn-lt"/>
+              </a:defRPr>
+            </a:lvl8pPr>
+            <a:lvl9pPr marL="3886200" indent="-228600" algn="l" rtl="0" eaLnBrk="1" fontAlgn="base" hangingPunct="1">
+              <a:spcBef>
+                <a:spcPct val="20000"/>
+              </a:spcBef>
+              <a:spcAft>
+                <a:spcPct val="0"/>
+              </a:spcAft>
+              <a:buChar char="»"/>
+              <a:defRPr sz="1400">
+                <a:solidFill>
+                  <a:schemeClr val="tx1"/>
+                </a:solidFill>
+                <a:latin typeface="+mn-lt"/>
+              </a:defRPr>
+            </a:lvl9pPr>
+          </a:lstStyle>
+          <a:p>
+            <a:r>
+              <a:rPr lang="en-US" dirty="0" smtClean="0"/>
+              <a:t>Exchanges are performed for pairs of replicas currently not running</a:t>
+            </a:r>
+          </a:p>
+          <a:p>
+            <a:r>
+              <a:rPr lang="en-US" dirty="0" smtClean="0"/>
+              <a:t>Plus: Does not require changes to MD code</a:t>
+            </a:r>
+          </a:p>
+          <a:p>
+            <a:r>
+              <a:rPr lang="en-US" dirty="0" smtClean="0"/>
+              <a:t>Minus: Exchanges only possible when replicas in “Waiting” state = low exchange frequency</a:t>
+            </a:r>
+          </a:p>
+          <a:p>
+            <a:endParaRPr lang="en-US" dirty="0" smtClean="0"/>
+          </a:p>
+        </p:txBody>
+      </p:sp>
     </p:spTree>
     <p:extLst>
       <p:ext uri="{BB962C8B-B14F-4D97-AF65-F5344CB8AC3E}">
-        <p14:creationId xmlns="" xmlns:a="http://schemas.openxmlformats.org/drawingml/2006/main" xmlns:r="http://schemas.openxmlformats.org/officeDocument/2006/relationships" xmlns:p="http://schemas.openxmlformats.org/presentationml/2006/main" xmlns:p14="http://schemas.microsoft.com/office/powerpoint/2010/main" xmlns:mv="urn:schemas-microsoft-com:mac:vml" xmlns:mc="http://schemas.openxmlformats.org/markup-compatibility/2006" val="1958107778"/>
+        <p14:creationId xmlns:p14="http://schemas.microsoft.com/office/powerpoint/2010/main" val="1614482664"/>
       </p:ext>
     </p:extLst>
   </p:cSld>
   <p:clrMapOvr>
     <a:masterClrMapping/>
   </p:clrMapOvr>
-  <p:timing>
-    <p:tnLst>
-      <p:par>
-        <p:cTn id="1" dur="indefinite" restart="never" nodeType="tmRoot"/>
-      </p:par>
-    </p:tnLst>
-  </p:timing>
 </p:sld>
 </file>
 
